--- a/ppt/Python_3_조건문.pptx
+++ b/ppt/Python_3_조건문.pptx
@@ -276,7 +276,7 @@
           <a:p>
             <a:fld id="{2852BF72-D75C-414B-A3C4-9346D3E9B5A5}" type="datetimeFigureOut">
               <a:rPr lang="ko-KR" altLang="en-US" smtClean="0"/>
-              <a:t>2017-03-07</a:t>
+              <a:t>2017-03-23</a:t>
             </a:fld>
             <a:endParaRPr lang="ko-KR" altLang="en-US"/>
           </a:p>
@@ -446,7 +446,7 @@
           <a:p>
             <a:fld id="{2852BF72-D75C-414B-A3C4-9346D3E9B5A5}" type="datetimeFigureOut">
               <a:rPr lang="ko-KR" altLang="en-US" smtClean="0"/>
-              <a:t>2017-03-07</a:t>
+              <a:t>2017-03-23</a:t>
             </a:fld>
             <a:endParaRPr lang="ko-KR" altLang="en-US"/>
           </a:p>
@@ -626,7 +626,7 @@
           <a:p>
             <a:fld id="{2852BF72-D75C-414B-A3C4-9346D3E9B5A5}" type="datetimeFigureOut">
               <a:rPr lang="ko-KR" altLang="en-US" smtClean="0"/>
-              <a:t>2017-03-07</a:t>
+              <a:t>2017-03-23</a:t>
             </a:fld>
             <a:endParaRPr lang="ko-KR" altLang="en-US"/>
           </a:p>
@@ -796,7 +796,7 @@
           <a:p>
             <a:fld id="{2852BF72-D75C-414B-A3C4-9346D3E9B5A5}" type="datetimeFigureOut">
               <a:rPr lang="ko-KR" altLang="en-US" smtClean="0"/>
-              <a:t>2017-03-07</a:t>
+              <a:t>2017-03-23</a:t>
             </a:fld>
             <a:endParaRPr lang="ko-KR" altLang="en-US"/>
           </a:p>
@@ -1042,7 +1042,7 @@
           <a:p>
             <a:fld id="{2852BF72-D75C-414B-A3C4-9346D3E9B5A5}" type="datetimeFigureOut">
               <a:rPr lang="ko-KR" altLang="en-US" smtClean="0"/>
-              <a:t>2017-03-07</a:t>
+              <a:t>2017-03-23</a:t>
             </a:fld>
             <a:endParaRPr lang="ko-KR" altLang="en-US"/>
           </a:p>
@@ -1274,7 +1274,7 @@
           <a:p>
             <a:fld id="{2852BF72-D75C-414B-A3C4-9346D3E9B5A5}" type="datetimeFigureOut">
               <a:rPr lang="ko-KR" altLang="en-US" smtClean="0"/>
-              <a:t>2017-03-07</a:t>
+              <a:t>2017-03-23</a:t>
             </a:fld>
             <a:endParaRPr lang="ko-KR" altLang="en-US"/>
           </a:p>
@@ -1641,7 +1641,7 @@
           <a:p>
             <a:fld id="{2852BF72-D75C-414B-A3C4-9346D3E9B5A5}" type="datetimeFigureOut">
               <a:rPr lang="ko-KR" altLang="en-US" smtClean="0"/>
-              <a:t>2017-03-07</a:t>
+              <a:t>2017-03-23</a:t>
             </a:fld>
             <a:endParaRPr lang="ko-KR" altLang="en-US"/>
           </a:p>
@@ -1759,7 +1759,7 @@
           <a:p>
             <a:fld id="{2852BF72-D75C-414B-A3C4-9346D3E9B5A5}" type="datetimeFigureOut">
               <a:rPr lang="ko-KR" altLang="en-US" smtClean="0"/>
-              <a:t>2017-03-07</a:t>
+              <a:t>2017-03-23</a:t>
             </a:fld>
             <a:endParaRPr lang="ko-KR" altLang="en-US"/>
           </a:p>
@@ -1854,7 +1854,7 @@
           <a:p>
             <a:fld id="{2852BF72-D75C-414B-A3C4-9346D3E9B5A5}" type="datetimeFigureOut">
               <a:rPr lang="ko-KR" altLang="en-US" smtClean="0"/>
-              <a:t>2017-03-07</a:t>
+              <a:t>2017-03-23</a:t>
             </a:fld>
             <a:endParaRPr lang="ko-KR" altLang="en-US"/>
           </a:p>
@@ -2131,7 +2131,7 @@
           <a:p>
             <a:fld id="{2852BF72-D75C-414B-A3C4-9346D3E9B5A5}" type="datetimeFigureOut">
               <a:rPr lang="ko-KR" altLang="en-US" smtClean="0"/>
-              <a:t>2017-03-07</a:t>
+              <a:t>2017-03-23</a:t>
             </a:fld>
             <a:endParaRPr lang="ko-KR" altLang="en-US"/>
           </a:p>
@@ -2384,7 +2384,7 @@
           <a:p>
             <a:fld id="{2852BF72-D75C-414B-A3C4-9346D3E9B5A5}" type="datetimeFigureOut">
               <a:rPr lang="ko-KR" altLang="en-US" smtClean="0"/>
-              <a:t>2017-03-07</a:t>
+              <a:t>2017-03-23</a:t>
             </a:fld>
             <a:endParaRPr lang="ko-KR" altLang="en-US"/>
           </a:p>
@@ -2597,7 +2597,7 @@
           <a:p>
             <a:fld id="{2852BF72-D75C-414B-A3C4-9346D3E9B5A5}" type="datetimeFigureOut">
               <a:rPr lang="ko-KR" altLang="en-US" smtClean="0"/>
-              <a:t>2017-03-07</a:t>
+              <a:t>2017-03-23</a:t>
             </a:fld>
             <a:endParaRPr lang="ko-KR" altLang="en-US"/>
           </a:p>
@@ -5488,19 +5488,7 @@
               <a:rPr lang="en-US" altLang="ko-KR" spc="-150" dirty="0" smtClean="0">
                 <a:latin typeface="Consolas" panose="020B0609020204030204" pitchFamily="49" charset="0"/>
               </a:rPr>
-              <a:t> != 0</a:t>
-            </a:r>
-            <a:r>
-              <a:rPr lang="en-US" altLang="ko-KR" spc="-150" dirty="0" smtClean="0">
-                <a:latin typeface="Consolas" panose="020B0609020204030204" pitchFamily="49" charset="0"/>
-              </a:rPr>
-              <a:t>):</a:t>
-            </a:r>
-            <a:r>
-              <a:rPr lang="en-US" altLang="ko-KR" spc="-150" dirty="0" smtClean="0">
-                <a:latin typeface="Consolas" panose="020B0609020204030204" pitchFamily="49" charset="0"/>
-              </a:rPr>
-              <a:t/>
+              <a:t> != 0):</a:t>
             </a:r>
             <a:br>
               <a:rPr lang="en-US" altLang="ko-KR" spc="-150" dirty="0" smtClean="0">
@@ -5570,13 +5558,7 @@
               <a:rPr lang="en-US" altLang="ko-KR" spc="-150" smtClean="0">
                 <a:latin typeface="Consolas" panose="020B0609020204030204" pitchFamily="49" charset="0"/>
               </a:rPr>
-              <a:t> </a:t>
-            </a:r>
-            <a:r>
-              <a:rPr lang="en-US" altLang="ko-KR" spc="-150" smtClean="0">
-                <a:latin typeface="Consolas" panose="020B0609020204030204" pitchFamily="49" charset="0"/>
-              </a:rPr>
-              <a:t>- </a:t>
+              <a:t> - </a:t>
             </a:r>
             <a:r>
               <a:rPr lang="en-US" altLang="ko-KR" spc="-150" dirty="0" smtClean="0">
@@ -5617,13 +5599,7 @@
               <a:rPr lang="en-US" altLang="ko-KR" spc="-150" dirty="0" smtClean="0">
                 <a:latin typeface="Consolas" panose="020B0609020204030204" pitchFamily="49" charset="0"/>
               </a:rPr>
-              <a:t>(x) + ' = </a:t>
-            </a:r>
-            <a:r>
-              <a:rPr lang="en-US" altLang="ko-KR" spc="-150" dirty="0" smtClean="0">
-                <a:latin typeface="Consolas" panose="020B0609020204030204" pitchFamily="49" charset="0"/>
-              </a:rPr>
-              <a:t>' + </a:t>
+              <a:t>(x) + ' = ' + </a:t>
             </a:r>
             <a:r>
               <a:rPr lang="en-US" altLang="ko-KR" spc="-150" dirty="0" err="1" smtClean="0">
@@ -7032,7 +7008,23 @@
             </a:r>
             <a:r>
               <a:rPr lang="ko-KR" altLang="en-US" dirty="0" smtClean="0"/>
-              <a:t> 종료되었을 때 이를 무엇을 할지 결정</a:t>
+              <a:t> 종료되었을 </a:t>
+            </a:r>
+            <a:r>
+              <a:rPr lang="ko-KR" altLang="en-US" smtClean="0"/>
+              <a:t>때 </a:t>
+            </a:r>
+            <a:r>
+              <a:rPr lang="ko-KR" altLang="en-US" smtClean="0"/>
+              <a:t>결과를</a:t>
+            </a:r>
+            <a:r>
+              <a:rPr lang="ko-KR" altLang="en-US" smtClean="0"/>
+              <a:t> 이용하여 무엇을 </a:t>
+            </a:r>
+            <a:r>
+              <a:rPr lang="ko-KR" altLang="en-US" dirty="0" smtClean="0"/>
+              <a:t>할지 결정</a:t>
             </a:r>
             <a:endParaRPr lang="ko-KR" altLang="en-US" dirty="0"/>
           </a:p>

--- a/ppt/Python_3_조건문.pptx
+++ b/ppt/Python_3_조건문.pptx
@@ -276,7 +276,7 @@
           <a:p>
             <a:fld id="{2852BF72-D75C-414B-A3C4-9346D3E9B5A5}" type="datetimeFigureOut">
               <a:rPr lang="ko-KR" altLang="en-US" smtClean="0"/>
-              <a:t>2017-03-23</a:t>
+              <a:t>2018-02-26</a:t>
             </a:fld>
             <a:endParaRPr lang="ko-KR" altLang="en-US"/>
           </a:p>
@@ -446,7 +446,7 @@
           <a:p>
             <a:fld id="{2852BF72-D75C-414B-A3C4-9346D3E9B5A5}" type="datetimeFigureOut">
               <a:rPr lang="ko-KR" altLang="en-US" smtClean="0"/>
-              <a:t>2017-03-23</a:t>
+              <a:t>2018-02-26</a:t>
             </a:fld>
             <a:endParaRPr lang="ko-KR" altLang="en-US"/>
           </a:p>
@@ -626,7 +626,7 @@
           <a:p>
             <a:fld id="{2852BF72-D75C-414B-A3C4-9346D3E9B5A5}" type="datetimeFigureOut">
               <a:rPr lang="ko-KR" altLang="en-US" smtClean="0"/>
-              <a:t>2017-03-23</a:t>
+              <a:t>2018-02-26</a:t>
             </a:fld>
             <a:endParaRPr lang="ko-KR" altLang="en-US"/>
           </a:p>
@@ -796,7 +796,7 @@
           <a:p>
             <a:fld id="{2852BF72-D75C-414B-A3C4-9346D3E9B5A5}" type="datetimeFigureOut">
               <a:rPr lang="ko-KR" altLang="en-US" smtClean="0"/>
-              <a:t>2017-03-23</a:t>
+              <a:t>2018-02-26</a:t>
             </a:fld>
             <a:endParaRPr lang="ko-KR" altLang="en-US"/>
           </a:p>
@@ -1042,7 +1042,7 @@
           <a:p>
             <a:fld id="{2852BF72-D75C-414B-A3C4-9346D3E9B5A5}" type="datetimeFigureOut">
               <a:rPr lang="ko-KR" altLang="en-US" smtClean="0"/>
-              <a:t>2017-03-23</a:t>
+              <a:t>2018-02-26</a:t>
             </a:fld>
             <a:endParaRPr lang="ko-KR" altLang="en-US"/>
           </a:p>
@@ -1274,7 +1274,7 @@
           <a:p>
             <a:fld id="{2852BF72-D75C-414B-A3C4-9346D3E9B5A5}" type="datetimeFigureOut">
               <a:rPr lang="ko-KR" altLang="en-US" smtClean="0"/>
-              <a:t>2017-03-23</a:t>
+              <a:t>2018-02-26</a:t>
             </a:fld>
             <a:endParaRPr lang="ko-KR" altLang="en-US"/>
           </a:p>
@@ -1641,7 +1641,7 @@
           <a:p>
             <a:fld id="{2852BF72-D75C-414B-A3C4-9346D3E9B5A5}" type="datetimeFigureOut">
               <a:rPr lang="ko-KR" altLang="en-US" smtClean="0"/>
-              <a:t>2017-03-23</a:t>
+              <a:t>2018-02-26</a:t>
             </a:fld>
             <a:endParaRPr lang="ko-KR" altLang="en-US"/>
           </a:p>
@@ -1759,7 +1759,7 @@
           <a:p>
             <a:fld id="{2852BF72-D75C-414B-A3C4-9346D3E9B5A5}" type="datetimeFigureOut">
               <a:rPr lang="ko-KR" altLang="en-US" smtClean="0"/>
-              <a:t>2017-03-23</a:t>
+              <a:t>2018-02-26</a:t>
             </a:fld>
             <a:endParaRPr lang="ko-KR" altLang="en-US"/>
           </a:p>
@@ -1854,7 +1854,7 @@
           <a:p>
             <a:fld id="{2852BF72-D75C-414B-A3C4-9346D3E9B5A5}" type="datetimeFigureOut">
               <a:rPr lang="ko-KR" altLang="en-US" smtClean="0"/>
-              <a:t>2017-03-23</a:t>
+              <a:t>2018-02-26</a:t>
             </a:fld>
             <a:endParaRPr lang="ko-KR" altLang="en-US"/>
           </a:p>
@@ -2131,7 +2131,7 @@
           <a:p>
             <a:fld id="{2852BF72-D75C-414B-A3C4-9346D3E9B5A5}" type="datetimeFigureOut">
               <a:rPr lang="ko-KR" altLang="en-US" smtClean="0"/>
-              <a:t>2017-03-23</a:t>
+              <a:t>2018-02-26</a:t>
             </a:fld>
             <a:endParaRPr lang="ko-KR" altLang="en-US"/>
           </a:p>
@@ -2384,7 +2384,7 @@
           <a:p>
             <a:fld id="{2852BF72-D75C-414B-A3C4-9346D3E9B5A5}" type="datetimeFigureOut">
               <a:rPr lang="ko-KR" altLang="en-US" smtClean="0"/>
-              <a:t>2017-03-23</a:t>
+              <a:t>2018-02-26</a:t>
             </a:fld>
             <a:endParaRPr lang="ko-KR" altLang="en-US"/>
           </a:p>
@@ -2597,7 +2597,7 @@
           <a:p>
             <a:fld id="{2852BF72-D75C-414B-A3C4-9346D3E9B5A5}" type="datetimeFigureOut">
               <a:rPr lang="ko-KR" altLang="en-US" smtClean="0"/>
-              <a:t>2017-03-23</a:t>
+              <a:t>2018-02-26</a:t>
             </a:fld>
             <a:endParaRPr lang="ko-KR" altLang="en-US"/>
           </a:p>
@@ -3201,7 +3201,35 @@
                 <a:latin typeface="Consolas" panose="020B0609020204030204" pitchFamily="49" charset="0"/>
                 <a:cs typeface="Consolas" panose="020B0609020204030204" pitchFamily="49" charset="0"/>
               </a:rPr>
-              <a:t>		print "x is the least"</a:t>
+              <a:t>		</a:t>
+            </a:r>
+            <a:r>
+              <a:rPr lang="en-US" altLang="ko-KR" spc="-150" dirty="0" smtClean="0">
+                <a:latin typeface="Consolas" panose="020B0609020204030204" pitchFamily="49" charset="0"/>
+                <a:cs typeface="Consolas" panose="020B0609020204030204" pitchFamily="49" charset="0"/>
+              </a:rPr>
+              <a:t>print("x </a:t>
+            </a:r>
+            <a:r>
+              <a:rPr lang="en-US" altLang="ko-KR" spc="-150" dirty="0" smtClean="0">
+                <a:latin typeface="Consolas" panose="020B0609020204030204" pitchFamily="49" charset="0"/>
+                <a:cs typeface="Consolas" panose="020B0609020204030204" pitchFamily="49" charset="0"/>
+              </a:rPr>
+              <a:t>is the least</a:t>
+            </a:r>
+            <a:r>
+              <a:rPr lang="en-US" altLang="ko-KR" spc="-150" dirty="0" smtClean="0">
+                <a:latin typeface="Consolas" panose="020B0609020204030204" pitchFamily="49" charset="0"/>
+                <a:cs typeface="Consolas" panose="020B0609020204030204" pitchFamily="49" charset="0"/>
+              </a:rPr>
+              <a:t>")</a:t>
+            </a:r>
+            <a:r>
+              <a:rPr lang="en-US" altLang="ko-KR" spc="-150" dirty="0" smtClean="0">
+                <a:latin typeface="Consolas" panose="020B0609020204030204" pitchFamily="49" charset="0"/>
+                <a:cs typeface="Consolas" panose="020B0609020204030204" pitchFamily="49" charset="0"/>
+              </a:rPr>
+              <a:t/>
             </a:r>
             <a:br>
               <a:rPr lang="en-US" altLang="ko-KR" spc="-150" dirty="0" smtClean="0">
@@ -3234,7 +3262,28 @@
                 <a:latin typeface="Consolas" panose="020B0609020204030204" pitchFamily="49" charset="0"/>
                 <a:cs typeface="Consolas" panose="020B0609020204030204" pitchFamily="49" charset="0"/>
               </a:rPr>
-              <a:t>		print "z is the least"</a:t>
+              <a:t>		</a:t>
+            </a:r>
+            <a:r>
+              <a:rPr lang="en-US" altLang="ko-KR" spc="-150" dirty="0" smtClean="0">
+                <a:latin typeface="Consolas" panose="020B0609020204030204" pitchFamily="49" charset="0"/>
+                <a:cs typeface="Consolas" panose="020B0609020204030204" pitchFamily="49" charset="0"/>
+              </a:rPr>
+              <a:t>print("z </a:t>
+            </a:r>
+            <a:r>
+              <a:rPr lang="en-US" altLang="ko-KR" spc="-150" dirty="0" smtClean="0">
+                <a:latin typeface="Consolas" panose="020B0609020204030204" pitchFamily="49" charset="0"/>
+                <a:cs typeface="Consolas" panose="020B0609020204030204" pitchFamily="49" charset="0"/>
+              </a:rPr>
+              <a:t>is the least</a:t>
+            </a:r>
+            <a:r>
+              <a:rPr lang="en-US" altLang="ko-KR" spc="-150" dirty="0" smtClean="0">
+                <a:latin typeface="Consolas" panose="020B0609020204030204" pitchFamily="49" charset="0"/>
+                <a:cs typeface="Consolas" panose="020B0609020204030204" pitchFamily="49" charset="0"/>
+              </a:rPr>
+              <a:t>")</a:t>
             </a:r>
             <a:r>
               <a:rPr lang="en-US" altLang="ko-KR" spc="-150" dirty="0">
@@ -3254,8 +3303,33 @@
                 <a:latin typeface="Consolas" panose="020B0609020204030204" pitchFamily="49" charset="0"/>
                 <a:cs typeface="Consolas" panose="020B0609020204030204" pitchFamily="49" charset="0"/>
               </a:rPr>
-              <a:t>else: print "y is the least"</a:t>
-            </a:r>
+              <a:t>else: </a:t>
+            </a:r>
+            <a:r>
+              <a:rPr lang="en-US" altLang="ko-KR" spc="-150" dirty="0" smtClean="0">
+                <a:latin typeface="Consolas" panose="020B0609020204030204" pitchFamily="49" charset="0"/>
+                <a:cs typeface="Consolas" panose="020B0609020204030204" pitchFamily="49" charset="0"/>
+              </a:rPr>
+              <a:t>print("y </a:t>
+            </a:r>
+            <a:r>
+              <a:rPr lang="en-US" altLang="ko-KR" spc="-150" dirty="0" smtClean="0">
+                <a:latin typeface="Consolas" panose="020B0609020204030204" pitchFamily="49" charset="0"/>
+                <a:cs typeface="Consolas" panose="020B0609020204030204" pitchFamily="49" charset="0"/>
+              </a:rPr>
+              <a:t>is the least</a:t>
+            </a:r>
+            <a:r>
+              <a:rPr lang="en-US" altLang="ko-KR" spc="-150" dirty="0" smtClean="0">
+                <a:latin typeface="Consolas" panose="020B0609020204030204" pitchFamily="49" charset="0"/>
+                <a:cs typeface="Consolas" panose="020B0609020204030204" pitchFamily="49" charset="0"/>
+              </a:rPr>
+              <a:t>")</a:t>
+            </a:r>
+            <a:endParaRPr lang="en-US" altLang="ko-KR" spc="-150" dirty="0" smtClean="0">
+              <a:latin typeface="Consolas" panose="020B0609020204030204" pitchFamily="49" charset="0"/>
+              <a:cs typeface="Consolas" panose="020B0609020204030204" pitchFamily="49" charset="0"/>
+            </a:endParaRPr>
           </a:p>
         </p:txBody>
       </p:sp>
@@ -3375,7 +3449,35 @@
                 <a:latin typeface="Consolas" panose="020B0609020204030204" pitchFamily="49" charset="0"/>
                 <a:cs typeface="Consolas" panose="020B0609020204030204" pitchFamily="49" charset="0"/>
               </a:rPr>
-              <a:t>if x&lt;y and x&lt;z: print "x is the least"</a:t>
+              <a:t>if x&lt;y and x&lt;z: </a:t>
+            </a:r>
+            <a:r>
+              <a:rPr lang="en-US" altLang="ko-KR" spc="-150" dirty="0" smtClean="0">
+                <a:latin typeface="Consolas" panose="020B0609020204030204" pitchFamily="49" charset="0"/>
+                <a:cs typeface="Consolas" panose="020B0609020204030204" pitchFamily="49" charset="0"/>
+              </a:rPr>
+              <a:t>print("x </a:t>
+            </a:r>
+            <a:r>
+              <a:rPr lang="en-US" altLang="ko-KR" spc="-150" dirty="0" smtClean="0">
+                <a:latin typeface="Consolas" panose="020B0609020204030204" pitchFamily="49" charset="0"/>
+                <a:cs typeface="Consolas" panose="020B0609020204030204" pitchFamily="49" charset="0"/>
+              </a:rPr>
+              <a:t>is the least</a:t>
+            </a:r>
+            <a:r>
+              <a:rPr lang="en-US" altLang="ko-KR" spc="-150" dirty="0" smtClean="0">
+                <a:latin typeface="Consolas" panose="020B0609020204030204" pitchFamily="49" charset="0"/>
+                <a:cs typeface="Consolas" panose="020B0609020204030204" pitchFamily="49" charset="0"/>
+              </a:rPr>
+              <a:t>")</a:t>
+            </a:r>
+            <a:r>
+              <a:rPr lang="en-US" altLang="ko-KR" spc="-150" dirty="0" smtClean="0">
+                <a:latin typeface="Consolas" panose="020B0609020204030204" pitchFamily="49" charset="0"/>
+                <a:cs typeface="Consolas" panose="020B0609020204030204" pitchFamily="49" charset="0"/>
+              </a:rPr>
+              <a:t/>
             </a:r>
             <a:br>
               <a:rPr lang="en-US" altLang="ko-KR" spc="-150" dirty="0" smtClean="0">
@@ -3395,21 +3497,74 @@
                 <a:latin typeface="Consolas" panose="020B0609020204030204" pitchFamily="49" charset="0"/>
                 <a:cs typeface="Consolas" panose="020B0609020204030204" pitchFamily="49" charset="0"/>
               </a:rPr>
-              <a:t> y&lt;z: print "y is the least"</a:t>
-            </a:r>
-            <a:br>
-              <a:rPr lang="en-US" altLang="ko-KR" spc="-150" dirty="0" smtClean="0">
-                <a:latin typeface="Consolas" panose="020B0609020204030204" pitchFamily="49" charset="0"/>
-                <a:cs typeface="Consolas" panose="020B0609020204030204" pitchFamily="49" charset="0"/>
-              </a:rPr>
-            </a:br>
-            <a:r>
-              <a:rPr lang="en-US" altLang="ko-KR" spc="-150" dirty="0" smtClean="0">
-                <a:latin typeface="Consolas" panose="020B0609020204030204" pitchFamily="49" charset="0"/>
-                <a:cs typeface="Consolas" panose="020B0609020204030204" pitchFamily="49" charset="0"/>
-              </a:rPr>
-              <a:t>else: print "z is the least"</a:t>
-            </a:r>
+              <a:t> y&lt;z: </a:t>
+            </a:r>
+            <a:r>
+              <a:rPr lang="en-US" altLang="ko-KR" spc="-150" dirty="0" smtClean="0">
+                <a:latin typeface="Consolas" panose="020B0609020204030204" pitchFamily="49" charset="0"/>
+                <a:cs typeface="Consolas" panose="020B0609020204030204" pitchFamily="49" charset="0"/>
+              </a:rPr>
+              <a:t>print("y </a:t>
+            </a:r>
+            <a:r>
+              <a:rPr lang="en-US" altLang="ko-KR" spc="-150" dirty="0" smtClean="0">
+                <a:latin typeface="Consolas" panose="020B0609020204030204" pitchFamily="49" charset="0"/>
+                <a:cs typeface="Consolas" panose="020B0609020204030204" pitchFamily="49" charset="0"/>
+              </a:rPr>
+              <a:t>is the least</a:t>
+            </a:r>
+            <a:r>
+              <a:rPr lang="en-US" altLang="ko-KR" spc="-150" dirty="0" smtClean="0">
+                <a:latin typeface="Consolas" panose="020B0609020204030204" pitchFamily="49" charset="0"/>
+                <a:cs typeface="Consolas" panose="020B0609020204030204" pitchFamily="49" charset="0"/>
+              </a:rPr>
+              <a:t>")</a:t>
+            </a:r>
+            <a:r>
+              <a:rPr lang="en-US" altLang="ko-KR" spc="-150" dirty="0" smtClean="0">
+                <a:latin typeface="Consolas" panose="020B0609020204030204" pitchFamily="49" charset="0"/>
+                <a:cs typeface="Consolas" panose="020B0609020204030204" pitchFamily="49" charset="0"/>
+              </a:rPr>
+              <a:t/>
+            </a:r>
+            <a:br>
+              <a:rPr lang="en-US" altLang="ko-KR" spc="-150" dirty="0" smtClean="0">
+                <a:latin typeface="Consolas" panose="020B0609020204030204" pitchFamily="49" charset="0"/>
+                <a:cs typeface="Consolas" panose="020B0609020204030204" pitchFamily="49" charset="0"/>
+              </a:rPr>
+            </a:br>
+            <a:r>
+              <a:rPr lang="en-US" altLang="ko-KR" spc="-150" dirty="0" smtClean="0">
+                <a:latin typeface="Consolas" panose="020B0609020204030204" pitchFamily="49" charset="0"/>
+                <a:cs typeface="Consolas" panose="020B0609020204030204" pitchFamily="49" charset="0"/>
+              </a:rPr>
+              <a:t>else: </a:t>
+            </a:r>
+            <a:r>
+              <a:rPr lang="en-US" altLang="ko-KR" spc="-150" dirty="0" smtClean="0">
+                <a:latin typeface="Consolas" panose="020B0609020204030204" pitchFamily="49" charset="0"/>
+                <a:cs typeface="Consolas" panose="020B0609020204030204" pitchFamily="49" charset="0"/>
+              </a:rPr>
+              <a:t>print("z </a:t>
+            </a:r>
+            <a:r>
+              <a:rPr lang="en-US" altLang="ko-KR" spc="-150" dirty="0" smtClean="0">
+                <a:latin typeface="Consolas" panose="020B0609020204030204" pitchFamily="49" charset="0"/>
+                <a:cs typeface="Consolas" panose="020B0609020204030204" pitchFamily="49" charset="0"/>
+              </a:rPr>
+              <a:t>is the least</a:t>
+            </a:r>
+            <a:r>
+              <a:rPr lang="en-US" altLang="ko-KR" spc="-150" dirty="0" smtClean="0">
+                <a:latin typeface="Consolas" panose="020B0609020204030204" pitchFamily="49" charset="0"/>
+                <a:cs typeface="Consolas" panose="020B0609020204030204" pitchFamily="49" charset="0"/>
+              </a:rPr>
+              <a:t>")</a:t>
+            </a:r>
+            <a:endParaRPr lang="en-US" altLang="ko-KR" spc="-150" dirty="0" smtClean="0">
+              <a:latin typeface="Consolas" panose="020B0609020204030204" pitchFamily="49" charset="0"/>
+              <a:cs typeface="Consolas" panose="020B0609020204030204" pitchFamily="49" charset="0"/>
+            </a:endParaRPr>
           </a:p>
           <a:p>
             <a:endParaRPr lang="en-US" altLang="ko-KR" dirty="0"/>
@@ -3599,7 +3754,31 @@
               <a:rPr lang="en-US" altLang="ko-KR" spc="-150" dirty="0" smtClean="0">
                 <a:latin typeface="Consolas" panose="020B0609020204030204" pitchFamily="49" charset="0"/>
               </a:rPr>
-              <a:t>		print 'Divisible by 2 and 3'</a:t>
+              <a:t>		</a:t>
+            </a:r>
+            <a:r>
+              <a:rPr lang="en-US" altLang="ko-KR" spc="-150" dirty="0" smtClean="0">
+                <a:latin typeface="Consolas" panose="020B0609020204030204" pitchFamily="49" charset="0"/>
+              </a:rPr>
+              <a:t>print('Divisible </a:t>
+            </a:r>
+            <a:r>
+              <a:rPr lang="en-US" altLang="ko-KR" spc="-150" dirty="0" smtClean="0">
+                <a:latin typeface="Consolas" panose="020B0609020204030204" pitchFamily="49" charset="0"/>
+              </a:rPr>
+              <a:t>by 2 and 3</a:t>
+            </a:r>
+            <a:r>
+              <a:rPr lang="en-US" altLang="ko-KR" spc="-150" dirty="0" smtClean="0">
+                <a:latin typeface="Consolas" panose="020B0609020204030204" pitchFamily="49" charset="0"/>
+              </a:rPr>
+              <a:t>')</a:t>
+            </a:r>
+            <a:r>
+              <a:rPr lang="en-US" altLang="ko-KR" spc="-150" dirty="0" smtClean="0">
+                <a:latin typeface="Consolas" panose="020B0609020204030204" pitchFamily="49" charset="0"/>
+              </a:rPr>
+              <a:t/>
             </a:r>
             <a:br>
               <a:rPr lang="en-US" altLang="ko-KR" spc="-150" dirty="0" smtClean="0">
@@ -3627,7 +3806,31 @@
               <a:rPr lang="en-US" altLang="ko-KR" spc="-150" dirty="0" smtClean="0">
                 <a:latin typeface="Consolas" panose="020B0609020204030204" pitchFamily="49" charset="0"/>
               </a:rPr>
-              <a:t>		print 'Divisible by 2 and not by 3'</a:t>
+              <a:t>		</a:t>
+            </a:r>
+            <a:r>
+              <a:rPr lang="en-US" altLang="ko-KR" spc="-150" dirty="0" smtClean="0">
+                <a:latin typeface="Consolas" panose="020B0609020204030204" pitchFamily="49" charset="0"/>
+              </a:rPr>
+              <a:t>print('Divisible </a:t>
+            </a:r>
+            <a:r>
+              <a:rPr lang="en-US" altLang="ko-KR" spc="-150" dirty="0" smtClean="0">
+                <a:latin typeface="Consolas" panose="020B0609020204030204" pitchFamily="49" charset="0"/>
+              </a:rPr>
+              <a:t>by 2 and not by 3</a:t>
+            </a:r>
+            <a:r>
+              <a:rPr lang="en-US" altLang="ko-KR" spc="-150" dirty="0" smtClean="0">
+                <a:latin typeface="Consolas" panose="020B0609020204030204" pitchFamily="49" charset="0"/>
+              </a:rPr>
+              <a:t>')</a:t>
+            </a:r>
+            <a:r>
+              <a:rPr lang="en-US" altLang="ko-KR" spc="-150" dirty="0" smtClean="0">
+                <a:latin typeface="Consolas" panose="020B0609020204030204" pitchFamily="49" charset="0"/>
+              </a:rPr>
+              <a:t/>
             </a:r>
             <a:br>
               <a:rPr lang="en-US" altLang="ko-KR" spc="-150" dirty="0" smtClean="0">
@@ -3655,8 +3858,29 @@
               <a:rPr lang="en-US" altLang="ko-KR" spc="-150" dirty="0" smtClean="0">
                 <a:latin typeface="Consolas" panose="020B0609020204030204" pitchFamily="49" charset="0"/>
               </a:rPr>
-              <a:t>	print 'Divisible by 3 and not by 2'</a:t>
-            </a:r>
+              <a:t>	</a:t>
+            </a:r>
+            <a:r>
+              <a:rPr lang="en-US" altLang="ko-KR" spc="-150" dirty="0" smtClean="0">
+                <a:latin typeface="Consolas" panose="020B0609020204030204" pitchFamily="49" charset="0"/>
+              </a:rPr>
+              <a:t>print('Divisible </a:t>
+            </a:r>
+            <a:r>
+              <a:rPr lang="en-US" altLang="ko-KR" spc="-150" dirty="0" smtClean="0">
+                <a:latin typeface="Consolas" panose="020B0609020204030204" pitchFamily="49" charset="0"/>
+              </a:rPr>
+              <a:t>by 3 and not by 2</a:t>
+            </a:r>
+            <a:r>
+              <a:rPr lang="en-US" altLang="ko-KR" spc="-150" dirty="0" smtClean="0">
+                <a:latin typeface="Consolas" panose="020B0609020204030204" pitchFamily="49" charset="0"/>
+              </a:rPr>
+              <a:t>')</a:t>
+            </a:r>
+            <a:endParaRPr lang="en-US" altLang="ko-KR" spc="-150" dirty="0" smtClean="0">
+              <a:latin typeface="Consolas" panose="020B0609020204030204" pitchFamily="49" charset="0"/>
+            </a:endParaRPr>
           </a:p>
         </p:txBody>
       </p:sp>
@@ -4084,46 +4308,102 @@
                 <a:latin typeface="Consolas" panose="020B0609020204030204" pitchFamily="49" charset="0"/>
                 <a:cs typeface="Consolas" panose="020B0609020204030204" pitchFamily="49" charset="0"/>
               </a:rPr>
-              <a:t>x=3</a:t>
-            </a:r>
-            <a:br>
-              <a:rPr lang="en-US" altLang="ko-KR" spc="-150" dirty="0" smtClean="0">
-                <a:latin typeface="Consolas" panose="020B0609020204030204" pitchFamily="49" charset="0"/>
-                <a:cs typeface="Consolas" panose="020B0609020204030204" pitchFamily="49" charset="0"/>
-              </a:rPr>
-            </a:br>
-            <a:r>
-              <a:rPr lang="en-US" altLang="ko-KR" spc="-150" dirty="0" smtClean="0">
-                <a:latin typeface="Consolas" panose="020B0609020204030204" pitchFamily="49" charset="0"/>
-                <a:cs typeface="Consolas" panose="020B0609020204030204" pitchFamily="49" charset="0"/>
-              </a:rPr>
-              <a:t>y=7</a:t>
-            </a:r>
-            <a:br>
-              <a:rPr lang="en-US" altLang="ko-KR" spc="-150" dirty="0" smtClean="0">
-                <a:latin typeface="Consolas" panose="020B0609020204030204" pitchFamily="49" charset="0"/>
-                <a:cs typeface="Consolas" panose="020B0609020204030204" pitchFamily="49" charset="0"/>
-              </a:rPr>
-            </a:br>
-            <a:r>
-              <a:rPr lang="en-US" altLang="ko-KR" spc="-150" dirty="0" smtClean="0">
-                <a:latin typeface="Consolas" panose="020B0609020204030204" pitchFamily="49" charset="0"/>
-                <a:cs typeface="Consolas" panose="020B0609020204030204" pitchFamily="49" charset="0"/>
-              </a:rPr>
-              <a:t>if x&lt;y and x&lt;0: print "if"</a:t>
-            </a:r>
-            <a:br>
-              <a:rPr lang="en-US" altLang="ko-KR" spc="-150" dirty="0" smtClean="0">
-                <a:latin typeface="Consolas" panose="020B0609020204030204" pitchFamily="49" charset="0"/>
-                <a:cs typeface="Consolas" panose="020B0609020204030204" pitchFamily="49" charset="0"/>
-              </a:rPr>
-            </a:br>
-            <a:r>
-              <a:rPr lang="en-US" altLang="ko-KR" spc="-150" dirty="0" smtClean="0">
-                <a:latin typeface="Consolas" panose="020B0609020204030204" pitchFamily="49" charset="0"/>
-                <a:cs typeface="Consolas" panose="020B0609020204030204" pitchFamily="49" charset="0"/>
-              </a:rPr>
-              <a:t>else: print "else"</a:t>
+              <a:t>x = 3</a:t>
+            </a:r>
+            <a:r>
+              <a:rPr lang="en-US" altLang="ko-KR" spc="-150" dirty="0" smtClean="0">
+                <a:latin typeface="Consolas" panose="020B0609020204030204" pitchFamily="49" charset="0"/>
+                <a:cs typeface="Consolas" panose="020B0609020204030204" pitchFamily="49" charset="0"/>
+              </a:rPr>
+              <a:t/>
+            </a:r>
+            <a:br>
+              <a:rPr lang="en-US" altLang="ko-KR" spc="-150" dirty="0" smtClean="0">
+                <a:latin typeface="Consolas" panose="020B0609020204030204" pitchFamily="49" charset="0"/>
+                <a:cs typeface="Consolas" panose="020B0609020204030204" pitchFamily="49" charset="0"/>
+              </a:rPr>
+            </a:br>
+            <a:r>
+              <a:rPr lang="en-US" altLang="ko-KR" spc="-150" dirty="0" smtClean="0">
+                <a:latin typeface="Consolas" panose="020B0609020204030204" pitchFamily="49" charset="0"/>
+                <a:cs typeface="Consolas" panose="020B0609020204030204" pitchFamily="49" charset="0"/>
+              </a:rPr>
+              <a:t>y = 7</a:t>
+            </a:r>
+            <a:r>
+              <a:rPr lang="en-US" altLang="ko-KR" spc="-150" dirty="0" smtClean="0">
+                <a:latin typeface="Consolas" panose="020B0609020204030204" pitchFamily="49" charset="0"/>
+                <a:cs typeface="Consolas" panose="020B0609020204030204" pitchFamily="49" charset="0"/>
+              </a:rPr>
+              <a:t/>
+            </a:r>
+            <a:br>
+              <a:rPr lang="en-US" altLang="ko-KR" spc="-150" dirty="0" smtClean="0">
+                <a:latin typeface="Consolas" panose="020B0609020204030204" pitchFamily="49" charset="0"/>
+                <a:cs typeface="Consolas" panose="020B0609020204030204" pitchFamily="49" charset="0"/>
+              </a:rPr>
+            </a:br>
+            <a:r>
+              <a:rPr lang="en-US" altLang="ko-KR" spc="-150" dirty="0" smtClean="0">
+                <a:latin typeface="Consolas" panose="020B0609020204030204" pitchFamily="49" charset="0"/>
+                <a:cs typeface="Consolas" panose="020B0609020204030204" pitchFamily="49" charset="0"/>
+              </a:rPr>
+              <a:t>if </a:t>
+            </a:r>
+            <a:r>
+              <a:rPr lang="en-US" altLang="ko-KR" spc="-150" dirty="0" smtClean="0">
+                <a:latin typeface="Consolas" panose="020B0609020204030204" pitchFamily="49" charset="0"/>
+                <a:cs typeface="Consolas" panose="020B0609020204030204" pitchFamily="49" charset="0"/>
+              </a:rPr>
+              <a:t>x &lt; y </a:t>
+            </a:r>
+            <a:r>
+              <a:rPr lang="en-US" altLang="ko-KR" spc="-150" dirty="0" smtClean="0">
+                <a:latin typeface="Consolas" panose="020B0609020204030204" pitchFamily="49" charset="0"/>
+                <a:cs typeface="Consolas" panose="020B0609020204030204" pitchFamily="49" charset="0"/>
+              </a:rPr>
+              <a:t>and </a:t>
+            </a:r>
+            <a:r>
+              <a:rPr lang="en-US" altLang="ko-KR" spc="-150" dirty="0" smtClean="0">
+                <a:latin typeface="Consolas" panose="020B0609020204030204" pitchFamily="49" charset="0"/>
+                <a:cs typeface="Consolas" panose="020B0609020204030204" pitchFamily="49" charset="0"/>
+              </a:rPr>
+              <a:t>x &lt; 0</a:t>
+            </a:r>
+            <a:r>
+              <a:rPr lang="en-US" altLang="ko-KR" spc="-150" dirty="0" smtClean="0">
+                <a:latin typeface="Consolas" panose="020B0609020204030204" pitchFamily="49" charset="0"/>
+                <a:cs typeface="Consolas" panose="020B0609020204030204" pitchFamily="49" charset="0"/>
+              </a:rPr>
+              <a:t>: print "if"</a:t>
+            </a:r>
+            <a:br>
+              <a:rPr lang="en-US" altLang="ko-KR" spc="-150" dirty="0" smtClean="0">
+                <a:latin typeface="Consolas" panose="020B0609020204030204" pitchFamily="49" charset="0"/>
+                <a:cs typeface="Consolas" panose="020B0609020204030204" pitchFamily="49" charset="0"/>
+              </a:rPr>
+            </a:br>
+            <a:r>
+              <a:rPr lang="en-US" altLang="ko-KR" spc="-150" dirty="0" smtClean="0">
+                <a:latin typeface="Consolas" panose="020B0609020204030204" pitchFamily="49" charset="0"/>
+                <a:cs typeface="Consolas" panose="020B0609020204030204" pitchFamily="49" charset="0"/>
+              </a:rPr>
+              <a:t>else: </a:t>
+            </a:r>
+            <a:r>
+              <a:rPr lang="en-US" altLang="ko-KR" spc="-150" dirty="0" smtClean="0">
+                <a:latin typeface="Consolas" panose="020B0609020204030204" pitchFamily="49" charset="0"/>
+                <a:cs typeface="Consolas" panose="020B0609020204030204" pitchFamily="49" charset="0"/>
+              </a:rPr>
+              <a:t>print("else")</a:t>
+            </a:r>
+            <a:r>
+              <a:rPr lang="en-US" altLang="ko-KR" spc="-150" dirty="0" smtClean="0">
+                <a:latin typeface="Consolas" panose="020B0609020204030204" pitchFamily="49" charset="0"/>
+                <a:cs typeface="Consolas" panose="020B0609020204030204" pitchFamily="49" charset="0"/>
+              </a:rPr>
+              <a:t/>
             </a:r>
             <a:br>
               <a:rPr lang="en-US" altLang="ko-KR" spc="-150" dirty="0" smtClean="0">
@@ -4149,46 +4429,109 @@
                 <a:latin typeface="Consolas" panose="020B0609020204030204" pitchFamily="49" charset="0"/>
                 <a:cs typeface="Consolas" panose="020B0609020204030204" pitchFamily="49" charset="0"/>
               </a:rPr>
-              <a:t>x=3</a:t>
-            </a:r>
-            <a:br>
-              <a:rPr lang="en-US" altLang="ko-KR" spc="-150" dirty="0" smtClean="0">
-                <a:latin typeface="Consolas" panose="020B0609020204030204" pitchFamily="49" charset="0"/>
-                <a:cs typeface="Consolas" panose="020B0609020204030204" pitchFamily="49" charset="0"/>
-              </a:rPr>
-            </a:br>
-            <a:r>
-              <a:rPr lang="en-US" altLang="ko-KR" spc="-150" dirty="0" smtClean="0">
-                <a:latin typeface="Consolas" panose="020B0609020204030204" pitchFamily="49" charset="0"/>
-                <a:cs typeface="Consolas" panose="020B0609020204030204" pitchFamily="49" charset="0"/>
-              </a:rPr>
-              <a:t>y=7</a:t>
-            </a:r>
-            <a:br>
-              <a:rPr lang="en-US" altLang="ko-KR" spc="-150" dirty="0" smtClean="0">
-                <a:latin typeface="Consolas" panose="020B0609020204030204" pitchFamily="49" charset="0"/>
-                <a:cs typeface="Consolas" panose="020B0609020204030204" pitchFamily="49" charset="0"/>
-              </a:rPr>
-            </a:br>
-            <a:r>
-              <a:rPr lang="en-US" altLang="ko-KR" spc="-150" dirty="0" smtClean="0">
-                <a:latin typeface="Consolas" panose="020B0609020204030204" pitchFamily="49" charset="0"/>
-                <a:cs typeface="Consolas" panose="020B0609020204030204" pitchFamily="49" charset="0"/>
-              </a:rPr>
-              <a:t>if x&lt;y or x&lt;0: print "if"</a:t>
-            </a:r>
-            <a:br>
-              <a:rPr lang="en-US" altLang="ko-KR" spc="-150" dirty="0" smtClean="0">
-                <a:latin typeface="Consolas" panose="020B0609020204030204" pitchFamily="49" charset="0"/>
-                <a:cs typeface="Consolas" panose="020B0609020204030204" pitchFamily="49" charset="0"/>
-              </a:rPr>
-            </a:br>
-            <a:r>
-              <a:rPr lang="en-US" altLang="ko-KR" spc="-150" dirty="0" smtClean="0">
-                <a:latin typeface="Consolas" panose="020B0609020204030204" pitchFamily="49" charset="0"/>
-                <a:cs typeface="Consolas" panose="020B0609020204030204" pitchFamily="49" charset="0"/>
-              </a:rPr>
-              <a:t>else: print "else"</a:t>
+              <a:t>x = 3</a:t>
+            </a:r>
+            <a:r>
+              <a:rPr lang="en-US" altLang="ko-KR" spc="-150" dirty="0" smtClean="0">
+                <a:latin typeface="Consolas" panose="020B0609020204030204" pitchFamily="49" charset="0"/>
+                <a:cs typeface="Consolas" panose="020B0609020204030204" pitchFamily="49" charset="0"/>
+              </a:rPr>
+              <a:t/>
+            </a:r>
+            <a:br>
+              <a:rPr lang="en-US" altLang="ko-KR" spc="-150" dirty="0" smtClean="0">
+                <a:latin typeface="Consolas" panose="020B0609020204030204" pitchFamily="49" charset="0"/>
+                <a:cs typeface="Consolas" panose="020B0609020204030204" pitchFamily="49" charset="0"/>
+              </a:rPr>
+            </a:br>
+            <a:r>
+              <a:rPr lang="en-US" altLang="ko-KR" spc="-150" dirty="0" smtClean="0">
+                <a:latin typeface="Consolas" panose="020B0609020204030204" pitchFamily="49" charset="0"/>
+                <a:cs typeface="Consolas" panose="020B0609020204030204" pitchFamily="49" charset="0"/>
+              </a:rPr>
+              <a:t>y = 7</a:t>
+            </a:r>
+            <a:r>
+              <a:rPr lang="en-US" altLang="ko-KR" spc="-150" dirty="0" smtClean="0">
+                <a:latin typeface="Consolas" panose="020B0609020204030204" pitchFamily="49" charset="0"/>
+                <a:cs typeface="Consolas" panose="020B0609020204030204" pitchFamily="49" charset="0"/>
+              </a:rPr>
+              <a:t/>
+            </a:r>
+            <a:br>
+              <a:rPr lang="en-US" altLang="ko-KR" spc="-150" dirty="0" smtClean="0">
+                <a:latin typeface="Consolas" panose="020B0609020204030204" pitchFamily="49" charset="0"/>
+                <a:cs typeface="Consolas" panose="020B0609020204030204" pitchFamily="49" charset="0"/>
+              </a:rPr>
+            </a:br>
+            <a:r>
+              <a:rPr lang="en-US" altLang="ko-KR" spc="-150" dirty="0" smtClean="0">
+                <a:latin typeface="Consolas" panose="020B0609020204030204" pitchFamily="49" charset="0"/>
+                <a:cs typeface="Consolas" panose="020B0609020204030204" pitchFamily="49" charset="0"/>
+              </a:rPr>
+              <a:t>if </a:t>
+            </a:r>
+            <a:r>
+              <a:rPr lang="en-US" altLang="ko-KR" spc="-150" dirty="0" smtClean="0">
+                <a:latin typeface="Consolas" panose="020B0609020204030204" pitchFamily="49" charset="0"/>
+                <a:cs typeface="Consolas" panose="020B0609020204030204" pitchFamily="49" charset="0"/>
+              </a:rPr>
+              <a:t>x &lt; y </a:t>
+            </a:r>
+            <a:r>
+              <a:rPr lang="en-US" altLang="ko-KR" spc="-150" dirty="0" smtClean="0">
+                <a:latin typeface="Consolas" panose="020B0609020204030204" pitchFamily="49" charset="0"/>
+                <a:cs typeface="Consolas" panose="020B0609020204030204" pitchFamily="49" charset="0"/>
+              </a:rPr>
+              <a:t>or </a:t>
+            </a:r>
+            <a:r>
+              <a:rPr lang="en-US" altLang="ko-KR" spc="-150" dirty="0" smtClean="0">
+                <a:latin typeface="Consolas" panose="020B0609020204030204" pitchFamily="49" charset="0"/>
+                <a:cs typeface="Consolas" panose="020B0609020204030204" pitchFamily="49" charset="0"/>
+              </a:rPr>
+              <a:t>x &lt; 0</a:t>
+            </a:r>
+            <a:r>
+              <a:rPr lang="en-US" altLang="ko-KR" spc="-150" dirty="0" smtClean="0">
+                <a:latin typeface="Consolas" panose="020B0609020204030204" pitchFamily="49" charset="0"/>
+                <a:cs typeface="Consolas" panose="020B0609020204030204" pitchFamily="49" charset="0"/>
+              </a:rPr>
+              <a:t>: </a:t>
+            </a:r>
+            <a:r>
+              <a:rPr lang="en-US" altLang="ko-KR" spc="-150" dirty="0" smtClean="0">
+                <a:latin typeface="Consolas" panose="020B0609020204030204" pitchFamily="49" charset="0"/>
+                <a:cs typeface="Consolas" panose="020B0609020204030204" pitchFamily="49" charset="0"/>
+              </a:rPr>
+              <a:t>print("if")</a:t>
+            </a:r>
+            <a:r>
+              <a:rPr lang="en-US" altLang="ko-KR" spc="-150" dirty="0" smtClean="0">
+                <a:latin typeface="Consolas" panose="020B0609020204030204" pitchFamily="49" charset="0"/>
+                <a:cs typeface="Consolas" panose="020B0609020204030204" pitchFamily="49" charset="0"/>
+              </a:rPr>
+              <a:t/>
+            </a:r>
+            <a:br>
+              <a:rPr lang="en-US" altLang="ko-KR" spc="-150" dirty="0" smtClean="0">
+                <a:latin typeface="Consolas" panose="020B0609020204030204" pitchFamily="49" charset="0"/>
+                <a:cs typeface="Consolas" panose="020B0609020204030204" pitchFamily="49" charset="0"/>
+              </a:rPr>
+            </a:br>
+            <a:r>
+              <a:rPr lang="en-US" altLang="ko-KR" spc="-150" dirty="0" smtClean="0">
+                <a:latin typeface="Consolas" panose="020B0609020204030204" pitchFamily="49" charset="0"/>
+                <a:cs typeface="Consolas" panose="020B0609020204030204" pitchFamily="49" charset="0"/>
+              </a:rPr>
+              <a:t>else: </a:t>
+            </a:r>
+            <a:r>
+              <a:rPr lang="en-US" altLang="ko-KR" spc="-150" dirty="0" smtClean="0">
+                <a:latin typeface="Consolas" panose="020B0609020204030204" pitchFamily="49" charset="0"/>
+                <a:cs typeface="Consolas" panose="020B0609020204030204" pitchFamily="49" charset="0"/>
+              </a:rPr>
+              <a:t>print("else")</a:t>
             </a:r>
             <a:endParaRPr lang="ko-KR" altLang="en-US" spc="-150" dirty="0">
               <a:latin typeface="Consolas" panose="020B0609020204030204" pitchFamily="49" charset="0"/>
@@ -4346,7 +4689,21 @@
                 <a:latin typeface="Consolas" panose="020B0609020204030204" pitchFamily="49" charset="0"/>
                 <a:cs typeface="Consolas" panose="020B0609020204030204" pitchFamily="49" charset="0"/>
               </a:rPr>
-              <a:t>while j&gt;0:</a:t>
+              <a:t>while </a:t>
+            </a:r>
+            <a:r>
+              <a:rPr lang="en-US" altLang="ko-KR" spc="-150" dirty="0" smtClean="0">
+                <a:latin typeface="Consolas" panose="020B0609020204030204" pitchFamily="49" charset="0"/>
+                <a:cs typeface="Consolas" panose="020B0609020204030204" pitchFamily="49" charset="0"/>
+              </a:rPr>
+              <a:t>j &gt; 0</a:t>
+            </a:r>
+            <a:r>
+              <a:rPr lang="en-US" altLang="ko-KR" spc="-150" dirty="0" smtClean="0">
+                <a:latin typeface="Consolas" panose="020B0609020204030204" pitchFamily="49" charset="0"/>
+                <a:cs typeface="Consolas" panose="020B0609020204030204" pitchFamily="49" charset="0"/>
+              </a:rPr>
+              <a:t>:</a:t>
             </a:r>
             <a:br>
               <a:rPr lang="en-US" altLang="ko-KR" spc="-150" dirty="0" smtClean="0">
@@ -4813,8 +5170,33 @@
                 <a:latin typeface="Consolas" panose="020B0609020204030204" pitchFamily="49" charset="0"/>
                 <a:cs typeface="Consolas" panose="020B0609020204030204" pitchFamily="49" charset="0"/>
               </a:rPr>
-              <a:t>	print "Hello world"</a:t>
-            </a:r>
+              <a:t>	</a:t>
+            </a:r>
+            <a:r>
+              <a:rPr lang="en-US" altLang="ko-KR" spc="-150" dirty="0" smtClean="0">
+                <a:latin typeface="Consolas" panose="020B0609020204030204" pitchFamily="49" charset="0"/>
+                <a:cs typeface="Consolas" panose="020B0609020204030204" pitchFamily="49" charset="0"/>
+              </a:rPr>
+              <a:t>print("Hello </a:t>
+            </a:r>
+            <a:r>
+              <a:rPr lang="en-US" altLang="ko-KR" spc="-150" dirty="0" smtClean="0">
+                <a:latin typeface="Consolas" panose="020B0609020204030204" pitchFamily="49" charset="0"/>
+                <a:cs typeface="Consolas" panose="020B0609020204030204" pitchFamily="49" charset="0"/>
+              </a:rPr>
+              <a:t>world</a:t>
+            </a:r>
+            <a:r>
+              <a:rPr lang="en-US" altLang="ko-KR" spc="-150" dirty="0" smtClean="0">
+                <a:latin typeface="Consolas" panose="020B0609020204030204" pitchFamily="49" charset="0"/>
+                <a:cs typeface="Consolas" panose="020B0609020204030204" pitchFamily="49" charset="0"/>
+              </a:rPr>
+              <a:t>")</a:t>
+            </a:r>
+            <a:endParaRPr lang="en-US" altLang="ko-KR" spc="-150" dirty="0" smtClean="0">
+              <a:latin typeface="Consolas" panose="020B0609020204030204" pitchFamily="49" charset="0"/>
+              <a:cs typeface="Consolas" panose="020B0609020204030204" pitchFamily="49" charset="0"/>
+            </a:endParaRPr>
           </a:p>
           <a:p>
             <a:r>
@@ -4870,19 +5252,26 @@
                 <a:latin typeface="Consolas" panose="020B0609020204030204" pitchFamily="49" charset="0"/>
                 <a:cs typeface="Consolas" panose="020B0609020204030204" pitchFamily="49" charset="0"/>
               </a:rPr>
-              <a:t>j&gt;0:</a:t>
-            </a:r>
-            <a:br>
+              <a:t>j &gt; 0</a:t>
+            </a:r>
+            <a:r>
               <a:rPr lang="en-US" altLang="ko-KR" dirty="0" smtClean="0">
                 <a:latin typeface="Consolas" panose="020B0609020204030204" pitchFamily="49" charset="0"/>
                 <a:cs typeface="Consolas" panose="020B0609020204030204" pitchFamily="49" charset="0"/>
               </a:rPr>
-            </a:br>
-            <a:r>
+              <a:t>:</a:t>
+            </a:r>
+            <a:br>
               <a:rPr lang="en-US" altLang="ko-KR" dirty="0" smtClean="0">
                 <a:latin typeface="Consolas" panose="020B0609020204030204" pitchFamily="49" charset="0"/>
                 <a:cs typeface="Consolas" panose="020B0609020204030204" pitchFamily="49" charset="0"/>
               </a:rPr>
+            </a:br>
+            <a:r>
+              <a:rPr lang="en-US" altLang="ko-KR" dirty="0" smtClean="0">
+                <a:latin typeface="Consolas" panose="020B0609020204030204" pitchFamily="49" charset="0"/>
+                <a:cs typeface="Consolas" panose="020B0609020204030204" pitchFamily="49" charset="0"/>
+              </a:rPr>
               <a:t>	j -= 1</a:t>
             </a:r>
             <a:r>
@@ -4903,15 +5292,33 @@
                 <a:latin typeface="Consolas" panose="020B0609020204030204" pitchFamily="49" charset="0"/>
                 <a:cs typeface="Consolas" panose="020B0609020204030204" pitchFamily="49" charset="0"/>
               </a:rPr>
-              <a:t>	print </a:t>
+              <a:t>	</a:t>
             </a:r>
             <a:r>
               <a:rPr lang="en-US" altLang="ko-KR" dirty="0" smtClean="0">
                 <a:latin typeface="Consolas" panose="020B0609020204030204" pitchFamily="49" charset="0"/>
                 <a:cs typeface="Consolas" panose="020B0609020204030204" pitchFamily="49" charset="0"/>
               </a:rPr>
-              <a:t>"Hello world"</a:t>
-            </a:r>
+              <a:t>print("Hello </a:t>
+            </a:r>
+            <a:r>
+              <a:rPr lang="en-US" altLang="ko-KR" dirty="0" smtClean="0">
+                <a:latin typeface="Consolas" panose="020B0609020204030204" pitchFamily="49" charset="0"/>
+                <a:cs typeface="Consolas" panose="020B0609020204030204" pitchFamily="49" charset="0"/>
+              </a:rPr>
+              <a:t>world</a:t>
+            </a:r>
+            <a:r>
+              <a:rPr lang="en-US" altLang="ko-KR" dirty="0" smtClean="0">
+                <a:latin typeface="Consolas" panose="020B0609020204030204" pitchFamily="49" charset="0"/>
+                <a:cs typeface="Consolas" panose="020B0609020204030204" pitchFamily="49" charset="0"/>
+              </a:rPr>
+              <a:t>")</a:t>
+            </a:r>
+            <a:endParaRPr lang="en-US" altLang="ko-KR" dirty="0" smtClean="0">
+              <a:latin typeface="Consolas" panose="020B0609020204030204" pitchFamily="49" charset="0"/>
+              <a:cs typeface="Consolas" panose="020B0609020204030204" pitchFamily="49" charset="0"/>
+            </a:endParaRPr>
           </a:p>
           <a:p>
             <a:r>
@@ -5061,19 +5468,33 @@
                 <a:latin typeface="Consolas" panose="020B0609020204030204" pitchFamily="49" charset="0"/>
                 <a:cs typeface="Consolas" panose="020B0609020204030204" pitchFamily="49" charset="0"/>
               </a:rPr>
-              <a:t>while j&gt;0:</a:t>
-            </a:r>
-            <a:br>
+              <a:t>while </a:t>
+            </a:r>
+            <a:r>
+              <a:rPr lang="en-US" altLang="ko-KR" spc="-150" dirty="0" smtClean="0">
+                <a:latin typeface="Consolas" panose="020B0609020204030204" pitchFamily="49" charset="0"/>
+                <a:cs typeface="Consolas" panose="020B0609020204030204" pitchFamily="49" charset="0"/>
+              </a:rPr>
+              <a:t>j &gt; 0</a:t>
+            </a:r>
+            <a:r>
               <a:rPr lang="en-US" altLang="ko-KR" spc="-150" dirty="0">
                 <a:latin typeface="Consolas" panose="020B0609020204030204" pitchFamily="49" charset="0"/>
                 <a:cs typeface="Consolas" panose="020B0609020204030204" pitchFamily="49" charset="0"/>
               </a:rPr>
-            </a:br>
-            <a:r>
+              <a:t>:</a:t>
+            </a:r>
+            <a:br>
               <a:rPr lang="en-US" altLang="ko-KR" spc="-150" dirty="0">
                 <a:latin typeface="Consolas" panose="020B0609020204030204" pitchFamily="49" charset="0"/>
                 <a:cs typeface="Consolas" panose="020B0609020204030204" pitchFamily="49" charset="0"/>
               </a:rPr>
+            </a:br>
+            <a:r>
+              <a:rPr lang="en-US" altLang="ko-KR" spc="-150" dirty="0">
+                <a:latin typeface="Consolas" panose="020B0609020204030204" pitchFamily="49" charset="0"/>
+                <a:cs typeface="Consolas" panose="020B0609020204030204" pitchFamily="49" charset="0"/>
+              </a:rPr>
               <a:t>	x += 5</a:t>
             </a:r>
             <a:br>
@@ -5096,12 +5517,16 @@
               </a:rPr>
             </a:br>
             <a:r>
-              <a:rPr lang="en-US" altLang="ko-KR" spc="-150" dirty="0">
-                <a:latin typeface="Consolas" panose="020B0609020204030204" pitchFamily="49" charset="0"/>
-                <a:cs typeface="Consolas" panose="020B0609020204030204" pitchFamily="49" charset="0"/>
-              </a:rPr>
-              <a:t>print x </a:t>
-            </a:r>
+              <a:rPr lang="en-US" altLang="ko-KR" spc="-150" dirty="0" smtClean="0">
+                <a:latin typeface="Consolas" panose="020B0609020204030204" pitchFamily="49" charset="0"/>
+                <a:cs typeface="Consolas" panose="020B0609020204030204" pitchFamily="49" charset="0"/>
+              </a:rPr>
+              <a:t>print(x)</a:t>
+            </a:r>
+            <a:endParaRPr lang="en-US" altLang="ko-KR" spc="-150" dirty="0">
+              <a:latin typeface="Consolas" panose="020B0609020204030204" pitchFamily="49" charset="0"/>
+              <a:cs typeface="Consolas" panose="020B0609020204030204" pitchFamily="49" charset="0"/>
+            </a:endParaRPr>
           </a:p>
           <a:p>
             <a:endParaRPr lang="en-US" altLang="ko-KR" dirty="0" smtClean="0"/>
@@ -5555,27 +5980,21 @@
               <a:t>itersLeft</a:t>
             </a:r>
             <a:r>
-              <a:rPr lang="en-US" altLang="ko-KR" spc="-150" smtClean="0">
-                <a:latin typeface="Consolas" panose="020B0609020204030204" pitchFamily="49" charset="0"/>
-              </a:rPr>
-              <a:t> - </a:t>
-            </a:r>
-            <a:r>
-              <a:rPr lang="en-US" altLang="ko-KR" spc="-150" dirty="0" smtClean="0">
-                <a:latin typeface="Consolas" panose="020B0609020204030204" pitchFamily="49" charset="0"/>
-              </a:rPr>
-              <a:t>1</a:t>
-            </a:r>
-            <a:br>
-              <a:rPr lang="en-US" altLang="ko-KR" spc="-150" dirty="0" smtClean="0">
-                <a:latin typeface="Consolas" panose="020B0609020204030204" pitchFamily="49" charset="0"/>
-              </a:rPr>
-            </a:br>
-            <a:r>
-              <a:rPr lang="en-US" altLang="ko-KR" spc="-150" dirty="0" smtClean="0">
-                <a:latin typeface="Consolas" panose="020B0609020204030204" pitchFamily="49" charset="0"/>
-              </a:rPr>
-              <a:t>print </a:t>
+              <a:rPr lang="en-US" altLang="ko-KR" spc="-150" dirty="0" smtClean="0">
+                <a:latin typeface="Consolas" panose="020B0609020204030204" pitchFamily="49" charset="0"/>
+              </a:rPr>
+              <a:t> - 1</a:t>
+            </a:r>
+            <a:br>
+              <a:rPr lang="en-US" altLang="ko-KR" spc="-150" dirty="0" smtClean="0">
+                <a:latin typeface="Consolas" panose="020B0609020204030204" pitchFamily="49" charset="0"/>
+              </a:rPr>
+            </a:br>
+            <a:r>
+              <a:rPr lang="en-US" altLang="ko-KR" spc="-150" dirty="0" smtClean="0">
+                <a:latin typeface="Consolas" panose="020B0609020204030204" pitchFamily="49" charset="0"/>
+              </a:rPr>
+              <a:t>print( </a:t>
             </a:r>
             <a:r>
               <a:rPr lang="en-US" altLang="ko-KR" spc="-150" dirty="0" err="1" smtClean="0">
@@ -5624,6 +6043,18 @@
                 <a:latin typeface="Consolas" panose="020B0609020204030204" pitchFamily="49" charset="0"/>
               </a:rPr>
               <a:t>) </a:t>
+            </a:r>
+            <a:r>
+              <a:rPr lang="en-US" altLang="ko-KR" spc="-150" dirty="0" smtClean="0">
+                <a:latin typeface="Consolas" panose="020B0609020204030204" pitchFamily="49" charset="0"/>
+              </a:rPr>
+              <a:t>)</a:t>
+            </a:r>
+            <a:r>
+              <a:rPr lang="en-US" altLang="ko-KR" spc="-150" dirty="0" smtClean="0">
+                <a:latin typeface="Consolas" panose="020B0609020204030204" pitchFamily="49" charset="0"/>
+              </a:rPr>
+              <a:t/>
             </a:r>
             <a:br>
               <a:rPr lang="en-US" altLang="ko-KR" spc="-150" dirty="0" smtClean="0">
@@ -5835,8 +6266,12 @@
                 <a:latin typeface="Consolas" panose="020B0609020204030204" pitchFamily="49" charset="0"/>
                 <a:cs typeface="Consolas" panose="020B0609020204030204" pitchFamily="49" charset="0"/>
               </a:rPr>
-              <a:t>print counter</a:t>
-            </a:r>
+              <a:t>print(counter)</a:t>
+            </a:r>
+            <a:endParaRPr lang="en-US" altLang="ko-KR" spc="-150" dirty="0" smtClean="0">
+              <a:latin typeface="Consolas" panose="020B0609020204030204" pitchFamily="49" charset="0"/>
+              <a:cs typeface="Consolas" panose="020B0609020204030204" pitchFamily="49" charset="0"/>
+            </a:endParaRPr>
           </a:p>
         </p:txBody>
       </p:sp>
@@ -5997,8 +6432,12 @@
                 <a:latin typeface="Consolas" panose="020B0609020204030204" pitchFamily="49" charset="0"/>
                 <a:cs typeface="Consolas" panose="020B0609020204030204" pitchFamily="49" charset="0"/>
               </a:rPr>
-              <a:t>print count</a:t>
-            </a:r>
+              <a:t>print(count)</a:t>
+            </a:r>
+            <a:endParaRPr lang="en-US" altLang="ko-KR" spc="-150" dirty="0" smtClean="0">
+              <a:latin typeface="Consolas" panose="020B0609020204030204" pitchFamily="49" charset="0"/>
+              <a:cs typeface="Consolas" panose="020B0609020204030204" pitchFamily="49" charset="0"/>
+            </a:endParaRPr>
           </a:p>
           <a:p>
             <a:endParaRPr lang="en-US" altLang="ko-KR" dirty="0"/>
@@ -6345,13 +6784,7 @@
               <a:rPr lang="en-US" altLang="ko-KR" spc="-150" dirty="0" smtClean="0">
                 <a:latin typeface="Consolas" panose="020B0609020204030204" pitchFamily="49" charset="0"/>
               </a:rPr>
-              <a:t>print </a:t>
-            </a:r>
-            <a:r>
-              <a:rPr lang="en-US" altLang="ko-KR" spc="-150" dirty="0">
-                <a:latin typeface="Consolas" panose="020B0609020204030204" pitchFamily="49" charset="0"/>
-              </a:rPr>
-              <a:t>summation</a:t>
+              <a:t>print(summation)</a:t>
             </a:r>
             <a:endParaRPr lang="ko-KR" altLang="en-US" spc="-150" dirty="0">
               <a:latin typeface="Consolas" panose="020B0609020204030204" pitchFamily="49" charset="0"/>
@@ -6721,14 +7154,14 @@
                 <a:latin typeface="Consolas" panose="020B0609020204030204" pitchFamily="49" charset="0"/>
                 <a:cs typeface="Consolas" panose="020B0609020204030204" pitchFamily="49" charset="0"/>
               </a:rPr>
-              <a:t>		print </a:t>
-            </a:r>
-            <a:r>
-              <a:rPr lang="en-US" altLang="ko-KR" spc="-150" dirty="0" smtClean="0">
-                <a:latin typeface="Consolas" panose="020B0609020204030204" pitchFamily="49" charset="0"/>
-                <a:cs typeface="Consolas" panose="020B0609020204030204" pitchFamily="49" charset="0"/>
-              </a:rPr>
-              <a:t>"x </a:t>
+              <a:t>		</a:t>
+            </a:r>
+            <a:r>
+              <a:rPr lang="en-US" altLang="ko-KR" spc="-150" dirty="0" smtClean="0">
+                <a:latin typeface="Consolas" panose="020B0609020204030204" pitchFamily="49" charset="0"/>
+                <a:cs typeface="Consolas" panose="020B0609020204030204" pitchFamily="49" charset="0"/>
+              </a:rPr>
+              <a:t>print("x </a:t>
             </a:r>
             <a:r>
               <a:rPr lang="en-US" altLang="ko-KR" spc="-150" dirty="0">
@@ -6742,7 +7175,21 @@
                 <a:latin typeface="Consolas" panose="020B0609020204030204" pitchFamily="49" charset="0"/>
                 <a:cs typeface="Consolas" panose="020B0609020204030204" pitchFamily="49" charset="0"/>
               </a:rPr>
-              <a:t>2"</a:t>
+              <a:t>2</a:t>
+            </a:r>
+            <a:r>
+              <a:rPr lang="en-US" altLang="ko-KR" spc="-150" dirty="0" smtClean="0">
+                <a:latin typeface="Consolas" panose="020B0609020204030204" pitchFamily="49" charset="0"/>
+                <a:cs typeface="Consolas" panose="020B0609020204030204" pitchFamily="49" charset="0"/>
+              </a:rPr>
+              <a:t>")</a:t>
+            </a:r>
+            <a:r>
+              <a:rPr lang="en-US" altLang="ko-KR" spc="-150" dirty="0" smtClean="0">
+                <a:latin typeface="Consolas" panose="020B0609020204030204" pitchFamily="49" charset="0"/>
+                <a:cs typeface="Consolas" panose="020B0609020204030204" pitchFamily="49" charset="0"/>
+              </a:rPr>
+              <a:t/>
             </a:r>
             <a:br>
               <a:rPr lang="en-US" altLang="ko-KR" spc="-150" dirty="0" smtClean="0">
@@ -6788,14 +7235,14 @@
                 <a:latin typeface="Consolas" panose="020B0609020204030204" pitchFamily="49" charset="0"/>
                 <a:cs typeface="Consolas" panose="020B0609020204030204" pitchFamily="49" charset="0"/>
               </a:rPr>
-              <a:t>	print </a:t>
-            </a:r>
-            <a:r>
-              <a:rPr lang="en-US" altLang="ko-KR" spc="-150" dirty="0" smtClean="0">
-                <a:latin typeface="Consolas" panose="020B0609020204030204" pitchFamily="49" charset="0"/>
-                <a:cs typeface="Consolas" panose="020B0609020204030204" pitchFamily="49" charset="0"/>
-              </a:rPr>
-              <a:t>"x </a:t>
+              <a:t>	</a:t>
+            </a:r>
+            <a:r>
+              <a:rPr lang="en-US" altLang="ko-KR" spc="-150" dirty="0" smtClean="0">
+                <a:latin typeface="Consolas" panose="020B0609020204030204" pitchFamily="49" charset="0"/>
+                <a:cs typeface="Consolas" panose="020B0609020204030204" pitchFamily="49" charset="0"/>
+              </a:rPr>
+              <a:t>print("x </a:t>
             </a:r>
             <a:r>
               <a:rPr lang="en-US" altLang="ko-KR" spc="-150" dirty="0">
@@ -6809,8 +7256,19 @@
                 <a:latin typeface="Consolas" panose="020B0609020204030204" pitchFamily="49" charset="0"/>
                 <a:cs typeface="Consolas" panose="020B0609020204030204" pitchFamily="49" charset="0"/>
               </a:rPr>
-              <a:t>2"</a:t>
-            </a:r>
+              <a:t>2</a:t>
+            </a:r>
+            <a:r>
+              <a:rPr lang="en-US" altLang="ko-KR" spc="-150" dirty="0" smtClean="0">
+                <a:latin typeface="Consolas" panose="020B0609020204030204" pitchFamily="49" charset="0"/>
+                <a:cs typeface="Consolas" panose="020B0609020204030204" pitchFamily="49" charset="0"/>
+              </a:rPr>
+              <a:t>")</a:t>
+            </a:r>
+            <a:endParaRPr lang="en-US" altLang="ko-KR" spc="-150" dirty="0" smtClean="0">
+              <a:latin typeface="Consolas" panose="020B0609020204030204" pitchFamily="49" charset="0"/>
+              <a:cs typeface="Consolas" panose="020B0609020204030204" pitchFamily="49" charset="0"/>
+            </a:endParaRPr>
           </a:p>
           <a:p>
             <a:endParaRPr lang="en-US" altLang="ko-KR" dirty="0"/>
@@ -7012,15 +7470,7 @@
             </a:r>
             <a:r>
               <a:rPr lang="ko-KR" altLang="en-US" smtClean="0"/>
-              <a:t>때 </a:t>
-            </a:r>
-            <a:r>
-              <a:rPr lang="ko-KR" altLang="en-US" smtClean="0"/>
-              <a:t>결과를</a:t>
-            </a:r>
-            <a:r>
-              <a:rPr lang="ko-KR" altLang="en-US" smtClean="0"/>
-              <a:t> 이용하여 무엇을 </a:t>
+              <a:t>때 결과를 이용하여 무엇을 </a:t>
             </a:r>
             <a:r>
               <a:rPr lang="ko-KR" altLang="en-US" dirty="0" smtClean="0"/>
@@ -7173,7 +7623,14 @@
                 <a:latin typeface="Consolas" panose="020B0609020204030204" pitchFamily="49" charset="0"/>
                 <a:cs typeface="Consolas" panose="020B0609020204030204" pitchFamily="49" charset="0"/>
               </a:rPr>
-              <a:t> &lt;= x:</a:t>
+              <a:t> </a:t>
+            </a:r>
+            <a:r>
+              <a:rPr lang="en-US" altLang="ko-KR" spc="-150" dirty="0" smtClean="0">
+                <a:latin typeface="Consolas" panose="020B0609020204030204" pitchFamily="49" charset="0"/>
+                <a:cs typeface="Consolas" panose="020B0609020204030204" pitchFamily="49" charset="0"/>
+              </a:rPr>
+              <a:t>&lt;= x:</a:t>
             </a:r>
             <a:br>
               <a:rPr lang="en-US" altLang="ko-KR" spc="-150" dirty="0" smtClean="0">
@@ -7227,7 +7684,7 @@
                 <a:latin typeface="Consolas" panose="020B0609020204030204" pitchFamily="49" charset="0"/>
                 <a:cs typeface="Consolas" panose="020B0609020204030204" pitchFamily="49" charset="0"/>
               </a:rPr>
-              <a:t>print </a:t>
+              <a:t>print(</a:t>
             </a:r>
             <a:r>
               <a:rPr lang="en-US" altLang="ko-KR" spc="-150" dirty="0" err="1" smtClean="0">
@@ -7235,6 +7692,13 @@
                 <a:cs typeface="Consolas" panose="020B0609020204030204" pitchFamily="49" charset="0"/>
               </a:rPr>
               <a:t>ans</a:t>
+            </a:r>
+            <a:r>
+              <a:rPr lang="en-US" altLang="ko-KR" spc="-150" dirty="0" smtClean="0">
+                <a:latin typeface="Consolas" panose="020B0609020204030204" pitchFamily="49" charset="0"/>
+                <a:cs typeface="Consolas" panose="020B0609020204030204" pitchFamily="49" charset="0"/>
+              </a:rPr>
+              <a:t>)</a:t>
             </a:r>
             <a:endParaRPr lang="en-US" altLang="ko-KR" spc="-150" dirty="0" smtClean="0">
               <a:latin typeface="Consolas" panose="020B0609020204030204" pitchFamily="49" charset="0"/>
@@ -7616,7 +8080,7 @@
                 <a:latin typeface="Consolas" panose="020B0609020204030204" pitchFamily="49" charset="0"/>
                 <a:cs typeface="Consolas" panose="020B0609020204030204" pitchFamily="49" charset="0"/>
               </a:rPr>
-              <a:t>print </a:t>
+              <a:t>print(</a:t>
             </a:r>
             <a:r>
               <a:rPr lang="en-US" altLang="ko-KR" spc="-150" dirty="0" err="1" smtClean="0">
@@ -7624,6 +8088,13 @@
                 <a:cs typeface="Consolas" panose="020B0609020204030204" pitchFamily="49" charset="0"/>
               </a:rPr>
               <a:t>ans</a:t>
+            </a:r>
+            <a:r>
+              <a:rPr lang="en-US" altLang="ko-KR" spc="-150" dirty="0" smtClean="0">
+                <a:latin typeface="Consolas" panose="020B0609020204030204" pitchFamily="49" charset="0"/>
+                <a:cs typeface="Consolas" panose="020B0609020204030204" pitchFamily="49" charset="0"/>
+              </a:rPr>
+              <a:t>)</a:t>
             </a:r>
             <a:r>
               <a:rPr lang="en-US" altLang="ko-KR" spc="-150" dirty="0" smtClean="0">
@@ -7825,7 +8296,21 @@
                 <a:latin typeface="Consolas" panose="020B0609020204030204" pitchFamily="49" charset="0"/>
                 <a:cs typeface="Consolas" panose="020B0609020204030204" pitchFamily="49" charset="0"/>
               </a:rPr>
-              <a:t>		print divisor</a:t>
+              <a:t>		</a:t>
+            </a:r>
+            <a:r>
+              <a:rPr lang="en-US" altLang="ko-KR" spc="-150" dirty="0" smtClean="0">
+                <a:latin typeface="Consolas" panose="020B0609020204030204" pitchFamily="49" charset="0"/>
+                <a:cs typeface="Consolas" panose="020B0609020204030204" pitchFamily="49" charset="0"/>
+              </a:rPr>
+              <a:t>print(divisor)</a:t>
+            </a:r>
+            <a:r>
+              <a:rPr lang="en-US" altLang="ko-KR" spc="-150" dirty="0" smtClean="0">
+                <a:latin typeface="Consolas" panose="020B0609020204030204" pitchFamily="49" charset="0"/>
+                <a:cs typeface="Consolas" panose="020B0609020204030204" pitchFamily="49" charset="0"/>
+              </a:rPr>
+              <a:t/>
             </a:r>
             <a:br>
               <a:rPr lang="en-US" altLang="ko-KR" spc="-150" dirty="0" smtClean="0">
@@ -8276,8 +8761,19 @@
                 <a:latin typeface="Consolas" panose="020B0609020204030204" pitchFamily="49" charset="0"/>
                 <a:cs typeface="Consolas" panose="020B0609020204030204" pitchFamily="49" charset="0"/>
               </a:rPr>
-              <a:t>	print x</a:t>
-            </a:r>
+              <a:t>	</a:t>
+            </a:r>
+            <a:r>
+              <a:rPr lang="en-US" altLang="ko-KR" spc="-150" dirty="0" smtClean="0">
+                <a:latin typeface="Consolas" panose="020B0609020204030204" pitchFamily="49" charset="0"/>
+                <a:cs typeface="Consolas" panose="020B0609020204030204" pitchFamily="49" charset="0"/>
+              </a:rPr>
+              <a:t>print(x)</a:t>
+            </a:r>
+            <a:endParaRPr lang="en-US" altLang="ko-KR" spc="-150" dirty="0" smtClean="0">
+              <a:latin typeface="Consolas" panose="020B0609020204030204" pitchFamily="49" charset="0"/>
+              <a:cs typeface="Consolas" panose="020B0609020204030204" pitchFamily="49" charset="0"/>
+            </a:endParaRPr>
           </a:p>
           <a:p>
             <a:endParaRPr lang="en-US" altLang="ko-KR" spc="-150" dirty="0">
@@ -8509,8 +9005,19 @@
                 <a:latin typeface="Consolas" panose="020B0609020204030204" pitchFamily="49" charset="0"/>
                 <a:cs typeface="Consolas" panose="020B0609020204030204" pitchFamily="49" charset="0"/>
               </a:rPr>
-              <a:t>	print character</a:t>
-            </a:r>
+              <a:t>	</a:t>
+            </a:r>
+            <a:r>
+              <a:rPr lang="en-US" altLang="ko-KR" spc="-150" dirty="0" smtClean="0">
+                <a:latin typeface="Consolas" panose="020B0609020204030204" pitchFamily="49" charset="0"/>
+                <a:cs typeface="Consolas" panose="020B0609020204030204" pitchFamily="49" charset="0"/>
+              </a:rPr>
+              <a:t>print(character)</a:t>
+            </a:r>
+            <a:endParaRPr lang="en-US" altLang="ko-KR" spc="-150" dirty="0" smtClean="0">
+              <a:latin typeface="Consolas" panose="020B0609020204030204" pitchFamily="49" charset="0"/>
+              <a:cs typeface="Consolas" panose="020B0609020204030204" pitchFamily="49" charset="0"/>
+            </a:endParaRPr>
           </a:p>
           <a:p>
             <a:endParaRPr lang="en-US" altLang="ko-KR" spc="-150" dirty="0">
@@ -8537,8 +9044,19 @@
                 <a:latin typeface="Consolas" panose="020B0609020204030204" pitchFamily="49" charset="0"/>
                 <a:cs typeface="Consolas" panose="020B0609020204030204" pitchFamily="49" charset="0"/>
               </a:rPr>
-              <a:t>	print j</a:t>
-            </a:r>
+              <a:t>	</a:t>
+            </a:r>
+            <a:r>
+              <a:rPr lang="en-US" altLang="ko-KR" spc="-150" dirty="0" smtClean="0">
+                <a:latin typeface="Consolas" panose="020B0609020204030204" pitchFamily="49" charset="0"/>
+                <a:cs typeface="Consolas" panose="020B0609020204030204" pitchFamily="49" charset="0"/>
+              </a:rPr>
+              <a:t>print(j)</a:t>
+            </a:r>
+            <a:endParaRPr lang="en-US" altLang="ko-KR" spc="-150" dirty="0" smtClean="0">
+              <a:latin typeface="Consolas" panose="020B0609020204030204" pitchFamily="49" charset="0"/>
+              <a:cs typeface="Consolas" panose="020B0609020204030204" pitchFamily="49" charset="0"/>
+            </a:endParaRPr>
           </a:p>
           <a:p>
             <a:endParaRPr lang="en-US" altLang="ko-KR" spc="-150" dirty="0">
@@ -8817,13 +9335,19 @@
               <a:rPr lang="en-US" altLang="ko-KR" spc="-150" dirty="0" smtClean="0">
                 <a:latin typeface="Consolas" panose="020B0609020204030204" pitchFamily="49" charset="0"/>
               </a:rPr>
-              <a:t>print </a:t>
-            </a:r>
-            <a:r>
-              <a:rPr lang="en-US" altLang="ko-KR" spc="-150" dirty="0" err="1">
+              <a:t>print(</a:t>
+            </a:r>
+            <a:r>
+              <a:rPr lang="en-US" altLang="ko-KR" spc="-150" dirty="0" err="1" smtClean="0">
                 <a:latin typeface="Consolas" panose="020B0609020204030204" pitchFamily="49" charset="0"/>
               </a:rPr>
               <a:t>reversed_string</a:t>
+            </a:r>
+            <a:r>
+              <a:rPr lang="en-US" altLang="ko-KR" spc="-150" dirty="0" smtClean="0">
+                <a:latin typeface="Consolas" panose="020B0609020204030204" pitchFamily="49" charset="0"/>
+              </a:rPr>
+              <a:t>)</a:t>
             </a:r>
             <a:endParaRPr lang="ko-KR" altLang="en-US" spc="-150" dirty="0">
               <a:latin typeface="Consolas" panose="020B0609020204030204" pitchFamily="49" charset="0"/>
@@ -9138,16 +9662,10 @@
               <a:rPr lang="en-US" altLang="ko-KR" spc="-150" dirty="0">
                 <a:latin typeface="Consolas" panose="020B0609020204030204" pitchFamily="49" charset="0"/>
               </a:rPr>
-              <a:t> in </a:t>
-            </a:r>
-            <a:r>
-              <a:rPr lang="en-US" altLang="ko-KR" spc="-150">
-                <a:latin typeface="Consolas" panose="020B0609020204030204" pitchFamily="49" charset="0"/>
-              </a:rPr>
-              <a:t>range(10</a:t>
-            </a:r>
-            <a:r>
-              <a:rPr lang="en-US" altLang="ko-KR" spc="-150" smtClean="0">
+              <a:t> in range(10</a:t>
+            </a:r>
+            <a:r>
+              <a:rPr lang="en-US" altLang="ko-KR" spc="-150" dirty="0" smtClean="0">
                 <a:latin typeface="Consolas" panose="020B0609020204030204" pitchFamily="49" charset="0"/>
               </a:rPr>
               <a:t>, 20</a:t>
@@ -9272,13 +9790,19 @@
               <a:rPr lang="en-US" altLang="ko-KR" spc="-150" dirty="0" smtClean="0">
                 <a:latin typeface="Consolas" panose="020B0609020204030204" pitchFamily="49" charset="0"/>
               </a:rPr>
-              <a:t>			print </a:t>
+              <a:t>			</a:t>
+            </a:r>
+            <a:r>
+              <a:rPr lang="en-US" altLang="ko-KR" spc="-150" dirty="0" smtClean="0">
+                <a:latin typeface="Consolas" panose="020B0609020204030204" pitchFamily="49" charset="0"/>
+              </a:rPr>
+              <a:t>print('%</a:t>
             </a:r>
             <a:r>
               <a:rPr lang="en-US" altLang="ko-KR" spc="-150" dirty="0">
                 <a:latin typeface="Consolas" panose="020B0609020204030204" pitchFamily="49" charset="0"/>
               </a:rPr>
-              <a:t>'%d equals %d * %d' % (</a:t>
+              <a:t>d equals %d * %d' % (</a:t>
             </a:r>
             <a:r>
               <a:rPr lang="en-US" altLang="ko-KR" spc="-150" dirty="0" err="1" smtClean="0">
@@ -9290,7 +9814,13 @@
               <a:rPr lang="en-US" altLang="ko-KR" spc="-150" dirty="0" smtClean="0">
                 <a:latin typeface="Consolas" panose="020B0609020204030204" pitchFamily="49" charset="0"/>
               </a:rPr>
-              <a:t>)</a:t>
+              <a:t>))</a:t>
+            </a:r>
+            <a:r>
+              <a:rPr lang="en-US" altLang="ko-KR" spc="-150" dirty="0" smtClean="0">
+                <a:latin typeface="Consolas" panose="020B0609020204030204" pitchFamily="49" charset="0"/>
+              </a:rPr>
+              <a:t/>
             </a:r>
             <a:br>
               <a:rPr lang="en-US" altLang="ko-KR" spc="-150" dirty="0" smtClean="0">
@@ -9335,10 +9865,16 @@
               <a:rPr lang="en-US" altLang="ko-KR" spc="-150" dirty="0" smtClean="0">
                 <a:latin typeface="Consolas" panose="020B0609020204030204" pitchFamily="49" charset="0"/>
               </a:rPr>
-              <a:t>			print </a:t>
-            </a:r>
-            <a:r>
-              <a:rPr lang="en-US" altLang="ko-KR" spc="-150" dirty="0" err="1">
+              <a:t>			</a:t>
+            </a:r>
+            <a:r>
+              <a:rPr lang="en-US" altLang="ko-KR" spc="-150" dirty="0" smtClean="0">
+                <a:latin typeface="Consolas" panose="020B0609020204030204" pitchFamily="49" charset="0"/>
+              </a:rPr>
+              <a:t>print(</a:t>
+            </a:r>
+            <a:r>
+              <a:rPr lang="en-US" altLang="ko-KR" spc="-150" dirty="0" err="1" smtClean="0">
                 <a:latin typeface="Consolas" panose="020B0609020204030204" pitchFamily="49" charset="0"/>
               </a:rPr>
               <a:t>num</a:t>
@@ -9347,7 +9883,31 @@
               <a:rPr lang="en-US" altLang="ko-KR" spc="-150" dirty="0">
                 <a:latin typeface="Consolas" panose="020B0609020204030204" pitchFamily="49" charset="0"/>
               </a:rPr>
-              <a:t>, 'is a prime number'</a:t>
+              <a:t> </a:t>
+            </a:r>
+            <a:r>
+              <a:rPr lang="en-US" altLang="ko-KR" spc="-150" dirty="0" smtClean="0">
+                <a:latin typeface="Consolas" panose="020B0609020204030204" pitchFamily="49" charset="0"/>
+              </a:rPr>
+              <a:t>+</a:t>
+            </a:r>
+            <a:r>
+              <a:rPr lang="en-US" altLang="ko-KR" spc="-150" dirty="0" smtClean="0">
+                <a:latin typeface="Consolas" panose="020B0609020204030204" pitchFamily="49" charset="0"/>
+              </a:rPr>
+              <a:t> ' is </a:t>
+            </a:r>
+            <a:r>
+              <a:rPr lang="en-US" altLang="ko-KR" spc="-150" dirty="0">
+                <a:latin typeface="Consolas" panose="020B0609020204030204" pitchFamily="49" charset="0"/>
+              </a:rPr>
+              <a:t>a prime number</a:t>
+            </a:r>
+            <a:r>
+              <a:rPr lang="en-US" altLang="ko-KR" spc="-150" dirty="0" smtClean="0">
+                <a:latin typeface="Consolas" panose="020B0609020204030204" pitchFamily="49" charset="0"/>
+              </a:rPr>
+              <a:t>')</a:t>
             </a:r>
             <a:endParaRPr lang="ko-KR" altLang="en-US" spc="-150" dirty="0">
               <a:latin typeface="Consolas" panose="020B0609020204030204" pitchFamily="49" charset="0"/>
@@ -9882,7 +10442,28 @@
                 <a:latin typeface="Consolas" panose="020B0609020204030204" pitchFamily="49" charset="0"/>
                 <a:cs typeface="Consolas" panose="020B0609020204030204" pitchFamily="49" charset="0"/>
               </a:rPr>
-              <a:t> &gt;= 20: print "get drunk"</a:t>
+              <a:t> &gt;= 20: </a:t>
+            </a:r>
+            <a:r>
+              <a:rPr lang="en-US" altLang="ko-KR" spc="-150" dirty="0" smtClean="0">
+                <a:latin typeface="Consolas" panose="020B0609020204030204" pitchFamily="49" charset="0"/>
+                <a:cs typeface="Consolas" panose="020B0609020204030204" pitchFamily="49" charset="0"/>
+              </a:rPr>
+              <a:t>print("get </a:t>
+            </a:r>
+            <a:r>
+              <a:rPr lang="en-US" altLang="ko-KR" spc="-150" dirty="0" smtClean="0">
+                <a:latin typeface="Consolas" panose="020B0609020204030204" pitchFamily="49" charset="0"/>
+                <a:cs typeface="Consolas" panose="020B0609020204030204" pitchFamily="49" charset="0"/>
+              </a:rPr>
+              <a:t>drunk</a:t>
+            </a:r>
+            <a:r>
+              <a:rPr lang="en-US" altLang="ko-KR" spc="-150" dirty="0" smtClean="0">
+                <a:latin typeface="Consolas" panose="020B0609020204030204" pitchFamily="49" charset="0"/>
+                <a:cs typeface="Consolas" panose="020B0609020204030204" pitchFamily="49" charset="0"/>
+              </a:rPr>
+              <a:t>")</a:t>
             </a:r>
             <a:r>
               <a:rPr lang="en-US" altLang="ko-KR" spc="-150" dirty="0">
@@ -9902,8 +10483,33 @@
                 <a:latin typeface="Consolas" panose="020B0609020204030204" pitchFamily="49" charset="0"/>
                 <a:cs typeface="Consolas" panose="020B0609020204030204" pitchFamily="49" charset="0"/>
               </a:rPr>
-              <a:t>else: print "not this time"</a:t>
-            </a:r>
+              <a:t>else: </a:t>
+            </a:r>
+            <a:r>
+              <a:rPr lang="en-US" altLang="ko-KR" spc="-150" dirty="0" smtClean="0">
+                <a:latin typeface="Consolas" panose="020B0609020204030204" pitchFamily="49" charset="0"/>
+                <a:cs typeface="Consolas" panose="020B0609020204030204" pitchFamily="49" charset="0"/>
+              </a:rPr>
+              <a:t>print("not </a:t>
+            </a:r>
+            <a:r>
+              <a:rPr lang="en-US" altLang="ko-KR" spc="-150" dirty="0" smtClean="0">
+                <a:latin typeface="Consolas" panose="020B0609020204030204" pitchFamily="49" charset="0"/>
+                <a:cs typeface="Consolas" panose="020B0609020204030204" pitchFamily="49" charset="0"/>
+              </a:rPr>
+              <a:t>this time</a:t>
+            </a:r>
+            <a:r>
+              <a:rPr lang="en-US" altLang="ko-KR" spc="-150" dirty="0" smtClean="0">
+                <a:latin typeface="Consolas" panose="020B0609020204030204" pitchFamily="49" charset="0"/>
+                <a:cs typeface="Consolas" panose="020B0609020204030204" pitchFamily="49" charset="0"/>
+              </a:rPr>
+              <a:t>")</a:t>
+            </a:r>
+            <a:endParaRPr lang="en-US" altLang="ko-KR" spc="-150" dirty="0" smtClean="0">
+              <a:latin typeface="Consolas" panose="020B0609020204030204" pitchFamily="49" charset="0"/>
+              <a:cs typeface="Consolas" panose="020B0609020204030204" pitchFamily="49" charset="0"/>
+            </a:endParaRPr>
           </a:p>
         </p:txBody>
       </p:sp>
@@ -10082,21 +10688,74 @@
                 <a:latin typeface="Consolas" panose="020B0609020204030204" pitchFamily="49" charset="0"/>
                 <a:cs typeface="Consolas" panose="020B0609020204030204" pitchFamily="49" charset="0"/>
               </a:rPr>
-              <a:t>	print "take a shower"</a:t>
-            </a:r>
-            <a:br>
-              <a:rPr lang="en-US" altLang="ko-KR" spc="-150" dirty="0" smtClean="0">
-                <a:latin typeface="Consolas" panose="020B0609020204030204" pitchFamily="49" charset="0"/>
-                <a:cs typeface="Consolas" panose="020B0609020204030204" pitchFamily="49" charset="0"/>
-              </a:rPr>
-            </a:br>
-            <a:r>
-              <a:rPr lang="en-US" altLang="ko-KR" spc="-150" dirty="0" smtClean="0">
-                <a:latin typeface="Consolas" panose="020B0609020204030204" pitchFamily="49" charset="0"/>
-                <a:cs typeface="Consolas" panose="020B0609020204030204" pitchFamily="49" charset="0"/>
-              </a:rPr>
-              <a:t>	print "do a laundry"</a:t>
-            </a:r>
+              <a:t>	</a:t>
+            </a:r>
+            <a:r>
+              <a:rPr lang="en-US" altLang="ko-KR" spc="-150" dirty="0" smtClean="0">
+                <a:latin typeface="Consolas" panose="020B0609020204030204" pitchFamily="49" charset="0"/>
+                <a:cs typeface="Consolas" panose="020B0609020204030204" pitchFamily="49" charset="0"/>
+              </a:rPr>
+              <a:t>print("take </a:t>
+            </a:r>
+            <a:r>
+              <a:rPr lang="en-US" altLang="ko-KR" spc="-150" dirty="0" smtClean="0">
+                <a:latin typeface="Consolas" panose="020B0609020204030204" pitchFamily="49" charset="0"/>
+                <a:cs typeface="Consolas" panose="020B0609020204030204" pitchFamily="49" charset="0"/>
+              </a:rPr>
+              <a:t>a shower</a:t>
+            </a:r>
+            <a:r>
+              <a:rPr lang="en-US" altLang="ko-KR" spc="-150" dirty="0" smtClean="0">
+                <a:latin typeface="Consolas" panose="020B0609020204030204" pitchFamily="49" charset="0"/>
+                <a:cs typeface="Consolas" panose="020B0609020204030204" pitchFamily="49" charset="0"/>
+              </a:rPr>
+              <a:t>")</a:t>
+            </a:r>
+            <a:r>
+              <a:rPr lang="en-US" altLang="ko-KR" spc="-150" dirty="0" smtClean="0">
+                <a:latin typeface="Consolas" panose="020B0609020204030204" pitchFamily="49" charset="0"/>
+                <a:cs typeface="Consolas" panose="020B0609020204030204" pitchFamily="49" charset="0"/>
+              </a:rPr>
+              <a:t/>
+            </a:r>
+            <a:br>
+              <a:rPr lang="en-US" altLang="ko-KR" spc="-150" dirty="0" smtClean="0">
+                <a:latin typeface="Consolas" panose="020B0609020204030204" pitchFamily="49" charset="0"/>
+                <a:cs typeface="Consolas" panose="020B0609020204030204" pitchFamily="49" charset="0"/>
+              </a:rPr>
+            </a:br>
+            <a:r>
+              <a:rPr lang="en-US" altLang="ko-KR" spc="-150" dirty="0" smtClean="0">
+                <a:latin typeface="Consolas" panose="020B0609020204030204" pitchFamily="49" charset="0"/>
+                <a:cs typeface="Consolas" panose="020B0609020204030204" pitchFamily="49" charset="0"/>
+              </a:rPr>
+              <a:t>	</a:t>
+            </a:r>
+            <a:r>
+              <a:rPr lang="en-US" altLang="ko-KR" spc="-150" dirty="0" smtClean="0">
+                <a:latin typeface="Consolas" panose="020B0609020204030204" pitchFamily="49" charset="0"/>
+                <a:cs typeface="Consolas" panose="020B0609020204030204" pitchFamily="49" charset="0"/>
+              </a:rPr>
+              <a:t>print("do </a:t>
+            </a:r>
+            <a:r>
+              <a:rPr lang="en-US" altLang="ko-KR" spc="-150" dirty="0" smtClean="0">
+                <a:latin typeface="Consolas" panose="020B0609020204030204" pitchFamily="49" charset="0"/>
+                <a:cs typeface="Consolas" panose="020B0609020204030204" pitchFamily="49" charset="0"/>
+              </a:rPr>
+              <a:t>a laundry</a:t>
+            </a:r>
+            <a:r>
+              <a:rPr lang="en-US" altLang="ko-KR" spc="-150" dirty="0" smtClean="0">
+                <a:latin typeface="Consolas" panose="020B0609020204030204" pitchFamily="49" charset="0"/>
+                <a:cs typeface="Consolas" panose="020B0609020204030204" pitchFamily="49" charset="0"/>
+              </a:rPr>
+              <a:t>")</a:t>
+            </a:r>
+            <a:endParaRPr lang="en-US" altLang="ko-KR" spc="-150" dirty="0" smtClean="0">
+              <a:latin typeface="Consolas" panose="020B0609020204030204" pitchFamily="49" charset="0"/>
+              <a:cs typeface="Consolas" panose="020B0609020204030204" pitchFamily="49" charset="0"/>
+            </a:endParaRPr>
           </a:p>
           <a:p>
             <a:endParaRPr lang="en-US" altLang="ko-KR" dirty="0"/>
@@ -10154,21 +10813,74 @@
                 <a:latin typeface="Consolas" panose="020B0609020204030204" pitchFamily="49" charset="0"/>
                 <a:cs typeface="Consolas" panose="020B0609020204030204" pitchFamily="49" charset="0"/>
               </a:rPr>
-              <a:t>	print "take a shower"</a:t>
-            </a:r>
-            <a:br>
-              <a:rPr lang="en-US" altLang="ko-KR" spc="-150" dirty="0" smtClean="0">
-                <a:latin typeface="Consolas" panose="020B0609020204030204" pitchFamily="49" charset="0"/>
-                <a:cs typeface="Consolas" panose="020B0609020204030204" pitchFamily="49" charset="0"/>
-              </a:rPr>
-            </a:br>
-            <a:r>
-              <a:rPr lang="en-US" altLang="ko-KR" spc="-150" dirty="0" smtClean="0">
-                <a:latin typeface="Consolas" panose="020B0609020204030204" pitchFamily="49" charset="0"/>
-                <a:cs typeface="Consolas" panose="020B0609020204030204" pitchFamily="49" charset="0"/>
-              </a:rPr>
-              <a:t>	print "do a laundry"</a:t>
-            </a:r>
+              <a:t>	</a:t>
+            </a:r>
+            <a:r>
+              <a:rPr lang="en-US" altLang="ko-KR" spc="-150" dirty="0" smtClean="0">
+                <a:latin typeface="Consolas" panose="020B0609020204030204" pitchFamily="49" charset="0"/>
+                <a:cs typeface="Consolas" panose="020B0609020204030204" pitchFamily="49" charset="0"/>
+              </a:rPr>
+              <a:t>print("take </a:t>
+            </a:r>
+            <a:r>
+              <a:rPr lang="en-US" altLang="ko-KR" spc="-150" dirty="0" smtClean="0">
+                <a:latin typeface="Consolas" panose="020B0609020204030204" pitchFamily="49" charset="0"/>
+                <a:cs typeface="Consolas" panose="020B0609020204030204" pitchFamily="49" charset="0"/>
+              </a:rPr>
+              <a:t>a shower</a:t>
+            </a:r>
+            <a:r>
+              <a:rPr lang="en-US" altLang="ko-KR" spc="-150" dirty="0" smtClean="0">
+                <a:latin typeface="Consolas" panose="020B0609020204030204" pitchFamily="49" charset="0"/>
+                <a:cs typeface="Consolas" panose="020B0609020204030204" pitchFamily="49" charset="0"/>
+              </a:rPr>
+              <a:t>")</a:t>
+            </a:r>
+            <a:r>
+              <a:rPr lang="en-US" altLang="ko-KR" spc="-150" dirty="0" smtClean="0">
+                <a:latin typeface="Consolas" panose="020B0609020204030204" pitchFamily="49" charset="0"/>
+                <a:cs typeface="Consolas" panose="020B0609020204030204" pitchFamily="49" charset="0"/>
+              </a:rPr>
+              <a:t/>
+            </a:r>
+            <a:br>
+              <a:rPr lang="en-US" altLang="ko-KR" spc="-150" dirty="0" smtClean="0">
+                <a:latin typeface="Consolas" panose="020B0609020204030204" pitchFamily="49" charset="0"/>
+                <a:cs typeface="Consolas" panose="020B0609020204030204" pitchFamily="49" charset="0"/>
+              </a:rPr>
+            </a:br>
+            <a:r>
+              <a:rPr lang="en-US" altLang="ko-KR" spc="-150" dirty="0" smtClean="0">
+                <a:latin typeface="Consolas" panose="020B0609020204030204" pitchFamily="49" charset="0"/>
+                <a:cs typeface="Consolas" panose="020B0609020204030204" pitchFamily="49" charset="0"/>
+              </a:rPr>
+              <a:t>	</a:t>
+            </a:r>
+            <a:r>
+              <a:rPr lang="en-US" altLang="ko-KR" spc="-150" dirty="0" smtClean="0">
+                <a:latin typeface="Consolas" panose="020B0609020204030204" pitchFamily="49" charset="0"/>
+                <a:cs typeface="Consolas" panose="020B0609020204030204" pitchFamily="49" charset="0"/>
+              </a:rPr>
+              <a:t>print("do </a:t>
+            </a:r>
+            <a:r>
+              <a:rPr lang="en-US" altLang="ko-KR" spc="-150" dirty="0" smtClean="0">
+                <a:latin typeface="Consolas" panose="020B0609020204030204" pitchFamily="49" charset="0"/>
+                <a:cs typeface="Consolas" panose="020B0609020204030204" pitchFamily="49" charset="0"/>
+              </a:rPr>
+              <a:t>a laundry</a:t>
+            </a:r>
+            <a:r>
+              <a:rPr lang="en-US" altLang="ko-KR" spc="-150" dirty="0" smtClean="0">
+                <a:latin typeface="Consolas" panose="020B0609020204030204" pitchFamily="49" charset="0"/>
+                <a:cs typeface="Consolas" panose="020B0609020204030204" pitchFamily="49" charset="0"/>
+              </a:rPr>
+              <a:t>")</a:t>
+            </a:r>
+            <a:endParaRPr lang="en-US" altLang="ko-KR" spc="-150" dirty="0" smtClean="0">
+              <a:latin typeface="Consolas" panose="020B0609020204030204" pitchFamily="49" charset="0"/>
+              <a:cs typeface="Consolas" panose="020B0609020204030204" pitchFamily="49" charset="0"/>
+            </a:endParaRPr>
           </a:p>
           <a:p>
             <a:endParaRPr lang="en-US" altLang="ko-KR" dirty="0" smtClean="0"/>
@@ -10324,21 +11036,67 @@
                 <a:latin typeface="Consolas" panose="020B0609020204030204" pitchFamily="49" charset="0"/>
                 <a:cs typeface="Consolas" panose="020B0609020204030204" pitchFamily="49" charset="0"/>
               </a:rPr>
-              <a:t>	print "take a shower"</a:t>
-            </a:r>
-            <a:br>
-              <a:rPr lang="en-US" altLang="ko-KR" spc="-150" dirty="0" smtClean="0">
-                <a:latin typeface="Consolas" panose="020B0609020204030204" pitchFamily="49" charset="0"/>
-                <a:cs typeface="Consolas" panose="020B0609020204030204" pitchFamily="49" charset="0"/>
-              </a:rPr>
-            </a:br>
-            <a:r>
-              <a:rPr lang="en-US" altLang="ko-KR" spc="-150" dirty="0" smtClean="0">
-                <a:latin typeface="Consolas" panose="020B0609020204030204" pitchFamily="49" charset="0"/>
-                <a:cs typeface="Consolas" panose="020B0609020204030204" pitchFamily="49" charset="0"/>
-              </a:rPr>
-              <a:t>print "do a laundry"</a:t>
-            </a:r>
+              <a:t>	</a:t>
+            </a:r>
+            <a:r>
+              <a:rPr lang="en-US" altLang="ko-KR" spc="-150" dirty="0" smtClean="0">
+                <a:latin typeface="Consolas" panose="020B0609020204030204" pitchFamily="49" charset="0"/>
+                <a:cs typeface="Consolas" panose="020B0609020204030204" pitchFamily="49" charset="0"/>
+              </a:rPr>
+              <a:t>print("take </a:t>
+            </a:r>
+            <a:r>
+              <a:rPr lang="en-US" altLang="ko-KR" spc="-150" dirty="0" smtClean="0">
+                <a:latin typeface="Consolas" panose="020B0609020204030204" pitchFamily="49" charset="0"/>
+                <a:cs typeface="Consolas" panose="020B0609020204030204" pitchFamily="49" charset="0"/>
+              </a:rPr>
+              <a:t>a shower</a:t>
+            </a:r>
+            <a:r>
+              <a:rPr lang="en-US" altLang="ko-KR" spc="-150" dirty="0" smtClean="0">
+                <a:latin typeface="Consolas" panose="020B0609020204030204" pitchFamily="49" charset="0"/>
+                <a:cs typeface="Consolas" panose="020B0609020204030204" pitchFamily="49" charset="0"/>
+              </a:rPr>
+              <a:t>")</a:t>
+            </a:r>
+            <a:r>
+              <a:rPr lang="en-US" altLang="ko-KR" spc="-150" dirty="0" smtClean="0">
+                <a:latin typeface="Consolas" panose="020B0609020204030204" pitchFamily="49" charset="0"/>
+                <a:cs typeface="Consolas" panose="020B0609020204030204" pitchFamily="49" charset="0"/>
+              </a:rPr>
+              <a:t/>
+            </a:r>
+            <a:br>
+              <a:rPr lang="en-US" altLang="ko-KR" spc="-150" dirty="0" smtClean="0">
+                <a:latin typeface="Consolas" panose="020B0609020204030204" pitchFamily="49" charset="0"/>
+                <a:cs typeface="Consolas" panose="020B0609020204030204" pitchFamily="49" charset="0"/>
+              </a:rPr>
+            </a:br>
+            <a:r>
+              <a:rPr lang="en-US" altLang="ko-KR" spc="-150" dirty="0" smtClean="0">
+                <a:latin typeface="Consolas" panose="020B0609020204030204" pitchFamily="49" charset="0"/>
+                <a:cs typeface="Consolas" panose="020B0609020204030204" pitchFamily="49" charset="0"/>
+              </a:rPr>
+              <a:t>print("do </a:t>
+            </a:r>
+            <a:r>
+              <a:rPr lang="en-US" altLang="ko-KR" spc="-150" dirty="0" smtClean="0">
+                <a:latin typeface="Consolas" panose="020B0609020204030204" pitchFamily="49" charset="0"/>
+                <a:cs typeface="Consolas" panose="020B0609020204030204" pitchFamily="49" charset="0"/>
+              </a:rPr>
+              <a:t>a laundry</a:t>
+            </a:r>
+            <a:r>
+              <a:rPr lang="en-US" altLang="ko-KR" spc="-150" dirty="0" smtClean="0">
+                <a:latin typeface="Consolas" panose="020B0609020204030204" pitchFamily="49" charset="0"/>
+                <a:cs typeface="Consolas" panose="020B0609020204030204" pitchFamily="49" charset="0"/>
+              </a:rPr>
+              <a:t>")</a:t>
+            </a:r>
+            <a:endParaRPr lang="en-US" altLang="ko-KR" spc="-150" dirty="0" smtClean="0">
+              <a:latin typeface="Consolas" panose="020B0609020204030204" pitchFamily="49" charset="0"/>
+              <a:cs typeface="Consolas" panose="020B0609020204030204" pitchFamily="49" charset="0"/>
+            </a:endParaRPr>
           </a:p>
           <a:p>
             <a:endParaRPr lang="ko-KR" altLang="en-US" dirty="0"/>
@@ -10555,7 +11313,21 @@
                 <a:latin typeface="Consolas" panose="020B0609020204030204" pitchFamily="49" charset="0"/>
                 <a:cs typeface="Consolas" panose="020B0609020204030204" pitchFamily="49" charset="0"/>
               </a:rPr>
-              <a:t>3&lt;4: print "if"</a:t>
+              <a:t>3&lt;4: </a:t>
+            </a:r>
+            <a:r>
+              <a:rPr lang="en-US" altLang="ko-KR" spc="-150" dirty="0" smtClean="0">
+                <a:latin typeface="Consolas" panose="020B0609020204030204" pitchFamily="49" charset="0"/>
+                <a:cs typeface="Consolas" panose="020B0609020204030204" pitchFamily="49" charset="0"/>
+              </a:rPr>
+              <a:t>print("if")</a:t>
+            </a:r>
+            <a:r>
+              <a:rPr lang="en-US" altLang="ko-KR" spc="-150" dirty="0" smtClean="0">
+                <a:latin typeface="Consolas" panose="020B0609020204030204" pitchFamily="49" charset="0"/>
+                <a:cs typeface="Consolas" panose="020B0609020204030204" pitchFamily="49" charset="0"/>
+              </a:rPr>
+              <a:t/>
             </a:r>
             <a:br>
               <a:rPr lang="en-US" altLang="ko-KR" spc="-150" dirty="0" smtClean="0">
@@ -10582,8 +11354,19 @@
                 <a:latin typeface="Consolas" panose="020B0609020204030204" pitchFamily="49" charset="0"/>
                 <a:cs typeface="Consolas" panose="020B0609020204030204" pitchFamily="49" charset="0"/>
               </a:rPr>
-              <a:t> print "else"</a:t>
-            </a:r>
+              <a:t> </a:t>
+            </a:r>
+            <a:r>
+              <a:rPr lang="en-US" altLang="ko-KR" spc="-150" dirty="0" smtClean="0">
+                <a:latin typeface="Consolas" panose="020B0609020204030204" pitchFamily="49" charset="0"/>
+                <a:cs typeface="Consolas" panose="020B0609020204030204" pitchFamily="49" charset="0"/>
+              </a:rPr>
+              <a:t>print("else")</a:t>
+            </a:r>
+            <a:endParaRPr lang="en-US" altLang="ko-KR" spc="-150" dirty="0" smtClean="0">
+              <a:latin typeface="Consolas" panose="020B0609020204030204" pitchFamily="49" charset="0"/>
+              <a:cs typeface="Consolas" panose="020B0609020204030204" pitchFamily="49" charset="0"/>
+            </a:endParaRPr>
           </a:p>
           <a:p>
             <a:endParaRPr lang="en-US" altLang="ko-KR" spc="-150" dirty="0">
@@ -10597,7 +11380,21 @@
                 <a:latin typeface="Consolas" panose="020B0609020204030204" pitchFamily="49" charset="0"/>
                 <a:cs typeface="Consolas" panose="020B0609020204030204" pitchFamily="49" charset="0"/>
               </a:rPr>
-              <a:t>if "3"&lt;4: print "if"</a:t>
+              <a:t>if "3"&lt;4: </a:t>
+            </a:r>
+            <a:r>
+              <a:rPr lang="en-US" altLang="ko-KR" spc="-150" dirty="0" smtClean="0">
+                <a:latin typeface="Consolas" panose="020B0609020204030204" pitchFamily="49" charset="0"/>
+                <a:cs typeface="Consolas" panose="020B0609020204030204" pitchFamily="49" charset="0"/>
+              </a:rPr>
+              <a:t>print("if")</a:t>
+            </a:r>
+            <a:r>
+              <a:rPr lang="en-US" altLang="ko-KR" spc="-150" dirty="0" smtClean="0">
+                <a:latin typeface="Consolas" panose="020B0609020204030204" pitchFamily="49" charset="0"/>
+                <a:cs typeface="Consolas" panose="020B0609020204030204" pitchFamily="49" charset="0"/>
+              </a:rPr>
+              <a:t/>
             </a:r>
             <a:br>
               <a:rPr lang="en-US" altLang="ko-KR" spc="-150" dirty="0" smtClean="0">
@@ -10610,15 +11407,19 @@
                 <a:latin typeface="Consolas" panose="020B0609020204030204" pitchFamily="49" charset="0"/>
                 <a:cs typeface="Consolas" panose="020B0609020204030204" pitchFamily="49" charset="0"/>
               </a:rPr>
-              <a:t>else: print </a:t>
-            </a:r>
-            <a:r>
-              <a:rPr lang="en-US" altLang="ko-KR" spc="-150" dirty="0" smtClean="0">
-                <a:latin typeface="Consolas" panose="020B0609020204030204" pitchFamily="49" charset="0"/>
-                <a:cs typeface="Consolas" panose="020B0609020204030204" pitchFamily="49" charset="0"/>
-              </a:rPr>
-              <a:t>"else"</a:t>
-            </a:r>
+              <a:t>else: </a:t>
+            </a:r>
+            <a:r>
+              <a:rPr lang="en-US" altLang="ko-KR" spc="-150" dirty="0" smtClean="0">
+                <a:latin typeface="Consolas" panose="020B0609020204030204" pitchFamily="49" charset="0"/>
+                <a:cs typeface="Consolas" panose="020B0609020204030204" pitchFamily="49" charset="0"/>
+              </a:rPr>
+              <a:t>print("else")</a:t>
+            </a:r>
+            <a:endParaRPr lang="en-US" altLang="ko-KR" spc="-150" dirty="0" smtClean="0">
+              <a:latin typeface="Consolas" panose="020B0609020204030204" pitchFamily="49" charset="0"/>
+              <a:cs typeface="Consolas" panose="020B0609020204030204" pitchFamily="49" charset="0"/>
+            </a:endParaRPr>
           </a:p>
           <a:p>
             <a:endParaRPr lang="en-US" altLang="ko-KR" spc="-150" dirty="0">
@@ -10632,7 +11433,21 @@
                 <a:latin typeface="Consolas" panose="020B0609020204030204" pitchFamily="49" charset="0"/>
                 <a:cs typeface="Consolas" panose="020B0609020204030204" pitchFamily="49" charset="0"/>
               </a:rPr>
-              <a:t>if 3&lt;"4": print "if"</a:t>
+              <a:t>if 3&lt;"4": </a:t>
+            </a:r>
+            <a:r>
+              <a:rPr lang="en-US" altLang="ko-KR" spc="-150" dirty="0" smtClean="0">
+                <a:latin typeface="Consolas" panose="020B0609020204030204" pitchFamily="49" charset="0"/>
+                <a:cs typeface="Consolas" panose="020B0609020204030204" pitchFamily="49" charset="0"/>
+              </a:rPr>
+              <a:t>print("if")</a:t>
+            </a:r>
+            <a:r>
+              <a:rPr lang="en-US" altLang="ko-KR" spc="-150" dirty="0" smtClean="0">
+                <a:latin typeface="Consolas" panose="020B0609020204030204" pitchFamily="49" charset="0"/>
+                <a:cs typeface="Consolas" panose="020B0609020204030204" pitchFamily="49" charset="0"/>
+              </a:rPr>
+              <a:t/>
             </a:r>
             <a:br>
               <a:rPr lang="en-US" altLang="ko-KR" spc="-150" dirty="0" smtClean="0">
@@ -10652,14 +11467,14 @@
                 <a:latin typeface="Consolas" panose="020B0609020204030204" pitchFamily="49" charset="0"/>
                 <a:cs typeface="Consolas" panose="020B0609020204030204" pitchFamily="49" charset="0"/>
               </a:rPr>
-              <a:t>: print </a:t>
-            </a:r>
-            <a:r>
-              <a:rPr lang="en-US" altLang="ko-KR" spc="-150" dirty="0" smtClean="0">
-                <a:latin typeface="Consolas" panose="020B0609020204030204" pitchFamily="49" charset="0"/>
-                <a:cs typeface="Consolas" panose="020B0609020204030204" pitchFamily="49" charset="0"/>
-              </a:rPr>
-              <a:t>"else"</a:t>
+              <a:t>: </a:t>
+            </a:r>
+            <a:r>
+              <a:rPr lang="en-US" altLang="ko-KR" spc="-150" dirty="0" smtClean="0">
+                <a:latin typeface="Consolas" panose="020B0609020204030204" pitchFamily="49" charset="0"/>
+                <a:cs typeface="Consolas" panose="020B0609020204030204" pitchFamily="49" charset="0"/>
+              </a:rPr>
+              <a:t>print("else")</a:t>
             </a:r>
             <a:endParaRPr lang="en-US" altLang="ko-KR" spc="-150" dirty="0">
               <a:latin typeface="Consolas" panose="020B0609020204030204" pitchFamily="49" charset="0"/>
@@ -10681,7 +11496,21 @@
                 <a:latin typeface="Consolas" panose="020B0609020204030204" pitchFamily="49" charset="0"/>
                 <a:cs typeface="Consolas" panose="020B0609020204030204" pitchFamily="49" charset="0"/>
               </a:rPr>
-              <a:t>if "3"&lt;"4": print "if"</a:t>
+              <a:t>if "3"&lt;"4": </a:t>
+            </a:r>
+            <a:r>
+              <a:rPr lang="en-US" altLang="ko-KR" spc="-150" dirty="0" smtClean="0">
+                <a:latin typeface="Consolas" panose="020B0609020204030204" pitchFamily="49" charset="0"/>
+                <a:cs typeface="Consolas" panose="020B0609020204030204" pitchFamily="49" charset="0"/>
+              </a:rPr>
+              <a:t>print("if")</a:t>
+            </a:r>
+            <a:r>
+              <a:rPr lang="en-US" altLang="ko-KR" spc="-150" dirty="0" smtClean="0">
+                <a:latin typeface="Consolas" panose="020B0609020204030204" pitchFamily="49" charset="0"/>
+                <a:cs typeface="Consolas" panose="020B0609020204030204" pitchFamily="49" charset="0"/>
+              </a:rPr>
+              <a:t/>
             </a:r>
             <a:br>
               <a:rPr lang="en-US" altLang="ko-KR" spc="-150" dirty="0" smtClean="0">
@@ -10694,14 +11523,14 @@
                 <a:latin typeface="Consolas" panose="020B0609020204030204" pitchFamily="49" charset="0"/>
                 <a:cs typeface="Consolas" panose="020B0609020204030204" pitchFamily="49" charset="0"/>
               </a:rPr>
-              <a:t>else: print </a:t>
-            </a:r>
-            <a:r>
-              <a:rPr lang="en-US" altLang="ko-KR" spc="-150" dirty="0" smtClean="0">
-                <a:latin typeface="Consolas" panose="020B0609020204030204" pitchFamily="49" charset="0"/>
-                <a:cs typeface="Consolas" panose="020B0609020204030204" pitchFamily="49" charset="0"/>
-              </a:rPr>
-              <a:t>"else"</a:t>
+              <a:t>else: </a:t>
+            </a:r>
+            <a:r>
+              <a:rPr lang="en-US" altLang="ko-KR" spc="-150" dirty="0" smtClean="0">
+                <a:latin typeface="Consolas" panose="020B0609020204030204" pitchFamily="49" charset="0"/>
+                <a:cs typeface="Consolas" panose="020B0609020204030204" pitchFamily="49" charset="0"/>
+              </a:rPr>
+              <a:t>print("else")</a:t>
             </a:r>
             <a:endParaRPr lang="en-US" altLang="ko-KR" spc="-150" dirty="0">
               <a:latin typeface="Consolas" panose="020B0609020204030204" pitchFamily="49" charset="0"/>

--- a/ppt/Python_3_조건문.pptx
+++ b/ppt/Python_3_조건문.pptx
@@ -276,7 +276,7 @@
           <a:p>
             <a:fld id="{2852BF72-D75C-414B-A3C4-9346D3E9B5A5}" type="datetimeFigureOut">
               <a:rPr lang="ko-KR" altLang="en-US" smtClean="0"/>
-              <a:t>2018-02-26</a:t>
+              <a:t>2018-02-28</a:t>
             </a:fld>
             <a:endParaRPr lang="ko-KR" altLang="en-US"/>
           </a:p>
@@ -446,7 +446,7 @@
           <a:p>
             <a:fld id="{2852BF72-D75C-414B-A3C4-9346D3E9B5A5}" type="datetimeFigureOut">
               <a:rPr lang="ko-KR" altLang="en-US" smtClean="0"/>
-              <a:t>2018-02-26</a:t>
+              <a:t>2018-02-28</a:t>
             </a:fld>
             <a:endParaRPr lang="ko-KR" altLang="en-US"/>
           </a:p>
@@ -626,7 +626,7 @@
           <a:p>
             <a:fld id="{2852BF72-D75C-414B-A3C4-9346D3E9B5A5}" type="datetimeFigureOut">
               <a:rPr lang="ko-KR" altLang="en-US" smtClean="0"/>
-              <a:t>2018-02-26</a:t>
+              <a:t>2018-02-28</a:t>
             </a:fld>
             <a:endParaRPr lang="ko-KR" altLang="en-US"/>
           </a:p>
@@ -796,7 +796,7 @@
           <a:p>
             <a:fld id="{2852BF72-D75C-414B-A3C4-9346D3E9B5A5}" type="datetimeFigureOut">
               <a:rPr lang="ko-KR" altLang="en-US" smtClean="0"/>
-              <a:t>2018-02-26</a:t>
+              <a:t>2018-02-28</a:t>
             </a:fld>
             <a:endParaRPr lang="ko-KR" altLang="en-US"/>
           </a:p>
@@ -1042,7 +1042,7 @@
           <a:p>
             <a:fld id="{2852BF72-D75C-414B-A3C4-9346D3E9B5A5}" type="datetimeFigureOut">
               <a:rPr lang="ko-KR" altLang="en-US" smtClean="0"/>
-              <a:t>2018-02-26</a:t>
+              <a:t>2018-02-28</a:t>
             </a:fld>
             <a:endParaRPr lang="ko-KR" altLang="en-US"/>
           </a:p>
@@ -1274,7 +1274,7 @@
           <a:p>
             <a:fld id="{2852BF72-D75C-414B-A3C4-9346D3E9B5A5}" type="datetimeFigureOut">
               <a:rPr lang="ko-KR" altLang="en-US" smtClean="0"/>
-              <a:t>2018-02-26</a:t>
+              <a:t>2018-02-28</a:t>
             </a:fld>
             <a:endParaRPr lang="ko-KR" altLang="en-US"/>
           </a:p>
@@ -1641,7 +1641,7 @@
           <a:p>
             <a:fld id="{2852BF72-D75C-414B-A3C4-9346D3E9B5A5}" type="datetimeFigureOut">
               <a:rPr lang="ko-KR" altLang="en-US" smtClean="0"/>
-              <a:t>2018-02-26</a:t>
+              <a:t>2018-02-28</a:t>
             </a:fld>
             <a:endParaRPr lang="ko-KR" altLang="en-US"/>
           </a:p>
@@ -1759,7 +1759,7 @@
           <a:p>
             <a:fld id="{2852BF72-D75C-414B-A3C4-9346D3E9B5A5}" type="datetimeFigureOut">
               <a:rPr lang="ko-KR" altLang="en-US" smtClean="0"/>
-              <a:t>2018-02-26</a:t>
+              <a:t>2018-02-28</a:t>
             </a:fld>
             <a:endParaRPr lang="ko-KR" altLang="en-US"/>
           </a:p>
@@ -1854,7 +1854,7 @@
           <a:p>
             <a:fld id="{2852BF72-D75C-414B-A3C4-9346D3E9B5A5}" type="datetimeFigureOut">
               <a:rPr lang="ko-KR" altLang="en-US" smtClean="0"/>
-              <a:t>2018-02-26</a:t>
+              <a:t>2018-02-28</a:t>
             </a:fld>
             <a:endParaRPr lang="ko-KR" altLang="en-US"/>
           </a:p>
@@ -2131,7 +2131,7 @@
           <a:p>
             <a:fld id="{2852BF72-D75C-414B-A3C4-9346D3E9B5A5}" type="datetimeFigureOut">
               <a:rPr lang="ko-KR" altLang="en-US" smtClean="0"/>
-              <a:t>2018-02-26</a:t>
+              <a:t>2018-02-28</a:t>
             </a:fld>
             <a:endParaRPr lang="ko-KR" altLang="en-US"/>
           </a:p>
@@ -2384,7 +2384,7 @@
           <a:p>
             <a:fld id="{2852BF72-D75C-414B-A3C4-9346D3E9B5A5}" type="datetimeFigureOut">
               <a:rPr lang="ko-KR" altLang="en-US" smtClean="0"/>
-              <a:t>2018-02-26</a:t>
+              <a:t>2018-02-28</a:t>
             </a:fld>
             <a:endParaRPr lang="ko-KR" altLang="en-US"/>
           </a:p>
@@ -2597,7 +2597,7 @@
           <a:p>
             <a:fld id="{2852BF72-D75C-414B-A3C4-9346D3E9B5A5}" type="datetimeFigureOut">
               <a:rPr lang="ko-KR" altLang="en-US" smtClean="0"/>
-              <a:t>2018-02-26</a:t>
+              <a:t>2018-02-28</a:t>
             </a:fld>
             <a:endParaRPr lang="ko-KR" altLang="en-US"/>
           </a:p>
@@ -3201,54 +3201,46 @@
                 <a:latin typeface="Consolas" panose="020B0609020204030204" pitchFamily="49" charset="0"/>
                 <a:cs typeface="Consolas" panose="020B0609020204030204" pitchFamily="49" charset="0"/>
               </a:rPr>
-              <a:t>		</a:t>
-            </a:r>
-            <a:r>
-              <a:rPr lang="en-US" altLang="ko-KR" spc="-150" dirty="0" smtClean="0">
-                <a:latin typeface="Consolas" panose="020B0609020204030204" pitchFamily="49" charset="0"/>
-                <a:cs typeface="Consolas" panose="020B0609020204030204" pitchFamily="49" charset="0"/>
-              </a:rPr>
-              <a:t>print("x </a:t>
-            </a:r>
-            <a:r>
-              <a:rPr lang="en-US" altLang="ko-KR" spc="-150" dirty="0" smtClean="0">
-                <a:latin typeface="Consolas" panose="020B0609020204030204" pitchFamily="49" charset="0"/>
-                <a:cs typeface="Consolas" panose="020B0609020204030204" pitchFamily="49" charset="0"/>
-              </a:rPr>
-              <a:t>is the least</a:t>
-            </a:r>
-            <a:r>
-              <a:rPr lang="en-US" altLang="ko-KR" spc="-150" dirty="0" smtClean="0">
-                <a:latin typeface="Consolas" panose="020B0609020204030204" pitchFamily="49" charset="0"/>
-                <a:cs typeface="Consolas" panose="020B0609020204030204" pitchFamily="49" charset="0"/>
-              </a:rPr>
-              <a:t>")</a:t>
-            </a:r>
-            <a:r>
-              <a:rPr lang="en-US" altLang="ko-KR" spc="-150" dirty="0" smtClean="0">
+              <a:t>		print("x is the least")</a:t>
+            </a:r>
+            <a:br>
+              <a:rPr lang="en-US" altLang="ko-KR" spc="-150" dirty="0" smtClean="0">
+                <a:latin typeface="Consolas" panose="020B0609020204030204" pitchFamily="49" charset="0"/>
+                <a:cs typeface="Consolas" panose="020B0609020204030204" pitchFamily="49" charset="0"/>
+              </a:rPr>
+            </a:br>
+            <a:r>
+              <a:rPr lang="en-US" altLang="ko-KR" spc="-150" dirty="0" smtClean="0">
+                <a:latin typeface="Consolas" panose="020B0609020204030204" pitchFamily="49" charset="0"/>
+                <a:cs typeface="Consolas" panose="020B0609020204030204" pitchFamily="49" charset="0"/>
+              </a:rPr>
+              <a:t>	else:</a:t>
+            </a:r>
+            <a:r>
+              <a:rPr lang="en-US" altLang="ko-KR" spc="-150" dirty="0">
                 <a:latin typeface="Consolas" panose="020B0609020204030204" pitchFamily="49" charset="0"/>
                 <a:cs typeface="Consolas" panose="020B0609020204030204" pitchFamily="49" charset="0"/>
               </a:rPr>
               <a:t/>
             </a:r>
             <a:br>
-              <a:rPr lang="en-US" altLang="ko-KR" spc="-150" dirty="0" smtClean="0">
-                <a:latin typeface="Consolas" panose="020B0609020204030204" pitchFamily="49" charset="0"/>
-                <a:cs typeface="Consolas" panose="020B0609020204030204" pitchFamily="49" charset="0"/>
-              </a:rPr>
-            </a:br>
-            <a:r>
-              <a:rPr lang="en-US" altLang="ko-KR" spc="-150" dirty="0" smtClean="0">
-                <a:latin typeface="Consolas" panose="020B0609020204030204" pitchFamily="49" charset="0"/>
-                <a:cs typeface="Consolas" panose="020B0609020204030204" pitchFamily="49" charset="0"/>
-              </a:rPr>
-              <a:t>	else:</a:t>
-            </a:r>
-            <a:r>
               <a:rPr lang="en-US" altLang="ko-KR" spc="-150" dirty="0">
                 <a:latin typeface="Consolas" panose="020B0609020204030204" pitchFamily="49" charset="0"/>
                 <a:cs typeface="Consolas" panose="020B0609020204030204" pitchFamily="49" charset="0"/>
               </a:rPr>
+            </a:br>
+            <a:r>
+              <a:rPr lang="en-US" altLang="ko-KR" spc="-150" dirty="0" smtClean="0">
+                <a:latin typeface="Consolas" panose="020B0609020204030204" pitchFamily="49" charset="0"/>
+                <a:cs typeface="Consolas" panose="020B0609020204030204" pitchFamily="49" charset="0"/>
+              </a:rPr>
+              <a:t>		print("z is the least")</a:t>
+            </a:r>
+            <a:r>
+              <a:rPr lang="en-US" altLang="ko-KR" spc="-150" dirty="0">
+                <a:latin typeface="Consolas" panose="020B0609020204030204" pitchFamily="49" charset="0"/>
+                <a:cs typeface="Consolas" panose="020B0609020204030204" pitchFamily="49" charset="0"/>
+              </a:rPr>
               <a:t/>
             </a:r>
             <a:br>
@@ -3262,74 +3254,8 @@
                 <a:latin typeface="Consolas" panose="020B0609020204030204" pitchFamily="49" charset="0"/>
                 <a:cs typeface="Consolas" panose="020B0609020204030204" pitchFamily="49" charset="0"/>
               </a:rPr>
-              <a:t>		</a:t>
-            </a:r>
-            <a:r>
-              <a:rPr lang="en-US" altLang="ko-KR" spc="-150" dirty="0" smtClean="0">
-                <a:latin typeface="Consolas" panose="020B0609020204030204" pitchFamily="49" charset="0"/>
-                <a:cs typeface="Consolas" panose="020B0609020204030204" pitchFamily="49" charset="0"/>
-              </a:rPr>
-              <a:t>print("z </a:t>
-            </a:r>
-            <a:r>
-              <a:rPr lang="en-US" altLang="ko-KR" spc="-150" dirty="0" smtClean="0">
-                <a:latin typeface="Consolas" panose="020B0609020204030204" pitchFamily="49" charset="0"/>
-                <a:cs typeface="Consolas" panose="020B0609020204030204" pitchFamily="49" charset="0"/>
-              </a:rPr>
-              <a:t>is the least</a:t>
-            </a:r>
-            <a:r>
-              <a:rPr lang="en-US" altLang="ko-KR" spc="-150" dirty="0" smtClean="0">
-                <a:latin typeface="Consolas" panose="020B0609020204030204" pitchFamily="49" charset="0"/>
-                <a:cs typeface="Consolas" panose="020B0609020204030204" pitchFamily="49" charset="0"/>
-              </a:rPr>
-              <a:t>")</a:t>
-            </a:r>
-            <a:r>
-              <a:rPr lang="en-US" altLang="ko-KR" spc="-150" dirty="0">
-                <a:latin typeface="Consolas" panose="020B0609020204030204" pitchFamily="49" charset="0"/>
-                <a:cs typeface="Consolas" panose="020B0609020204030204" pitchFamily="49" charset="0"/>
-              </a:rPr>
-              <a:t/>
-            </a:r>
-            <a:br>
-              <a:rPr lang="en-US" altLang="ko-KR" spc="-150" dirty="0">
-                <a:latin typeface="Consolas" panose="020B0609020204030204" pitchFamily="49" charset="0"/>
-                <a:cs typeface="Consolas" panose="020B0609020204030204" pitchFamily="49" charset="0"/>
-              </a:rPr>
-            </a:br>
-            <a:r>
-              <a:rPr lang="en-US" altLang="ko-KR" spc="-150" dirty="0" smtClean="0">
-                <a:latin typeface="Consolas" panose="020B0609020204030204" pitchFamily="49" charset="0"/>
-                <a:cs typeface="Consolas" panose="020B0609020204030204" pitchFamily="49" charset="0"/>
-              </a:rPr>
-              <a:t>else: </a:t>
-            </a:r>
-            <a:r>
-              <a:rPr lang="en-US" altLang="ko-KR" spc="-150" dirty="0" smtClean="0">
-                <a:latin typeface="Consolas" panose="020B0609020204030204" pitchFamily="49" charset="0"/>
-                <a:cs typeface="Consolas" panose="020B0609020204030204" pitchFamily="49" charset="0"/>
-              </a:rPr>
-              <a:t>print("y </a:t>
-            </a:r>
-            <a:r>
-              <a:rPr lang="en-US" altLang="ko-KR" spc="-150" dirty="0" smtClean="0">
-                <a:latin typeface="Consolas" panose="020B0609020204030204" pitchFamily="49" charset="0"/>
-                <a:cs typeface="Consolas" panose="020B0609020204030204" pitchFamily="49" charset="0"/>
-              </a:rPr>
-              <a:t>is the least</a:t>
-            </a:r>
-            <a:r>
-              <a:rPr lang="en-US" altLang="ko-KR" spc="-150" dirty="0" smtClean="0">
-                <a:latin typeface="Consolas" panose="020B0609020204030204" pitchFamily="49" charset="0"/>
-                <a:cs typeface="Consolas" panose="020B0609020204030204" pitchFamily="49" charset="0"/>
-              </a:rPr>
-              <a:t>")</a:t>
-            </a:r>
-            <a:endParaRPr lang="en-US" altLang="ko-KR" spc="-150" dirty="0" smtClean="0">
-              <a:latin typeface="Consolas" panose="020B0609020204030204" pitchFamily="49" charset="0"/>
-              <a:cs typeface="Consolas" panose="020B0609020204030204" pitchFamily="49" charset="0"/>
-            </a:endParaRPr>
+              <a:t>else: print("y is the least")</a:t>
+            </a:r>
           </a:p>
         </p:txBody>
       </p:sp>
@@ -3449,35 +3375,7 @@
                 <a:latin typeface="Consolas" panose="020B0609020204030204" pitchFamily="49" charset="0"/>
                 <a:cs typeface="Consolas" panose="020B0609020204030204" pitchFamily="49" charset="0"/>
               </a:rPr>
-              <a:t>if x&lt;y and x&lt;z: </a:t>
-            </a:r>
-            <a:r>
-              <a:rPr lang="en-US" altLang="ko-KR" spc="-150" dirty="0" smtClean="0">
-                <a:latin typeface="Consolas" panose="020B0609020204030204" pitchFamily="49" charset="0"/>
-                <a:cs typeface="Consolas" panose="020B0609020204030204" pitchFamily="49" charset="0"/>
-              </a:rPr>
-              <a:t>print("x </a:t>
-            </a:r>
-            <a:r>
-              <a:rPr lang="en-US" altLang="ko-KR" spc="-150" dirty="0" smtClean="0">
-                <a:latin typeface="Consolas" panose="020B0609020204030204" pitchFamily="49" charset="0"/>
-                <a:cs typeface="Consolas" panose="020B0609020204030204" pitchFamily="49" charset="0"/>
-              </a:rPr>
-              <a:t>is the least</a:t>
-            </a:r>
-            <a:r>
-              <a:rPr lang="en-US" altLang="ko-KR" spc="-150" dirty="0" smtClean="0">
-                <a:latin typeface="Consolas" panose="020B0609020204030204" pitchFamily="49" charset="0"/>
-                <a:cs typeface="Consolas" panose="020B0609020204030204" pitchFamily="49" charset="0"/>
-              </a:rPr>
-              <a:t>")</a:t>
-            </a:r>
-            <a:r>
-              <a:rPr lang="en-US" altLang="ko-KR" spc="-150" dirty="0" smtClean="0">
-                <a:latin typeface="Consolas" panose="020B0609020204030204" pitchFamily="49" charset="0"/>
-                <a:cs typeface="Consolas" panose="020B0609020204030204" pitchFamily="49" charset="0"/>
-              </a:rPr>
-              <a:t/>
+              <a:t>if x&lt;y and x&lt;z: print("x is the least")</a:t>
             </a:r>
             <a:br>
               <a:rPr lang="en-US" altLang="ko-KR" spc="-150" dirty="0" smtClean="0">
@@ -3497,74 +3395,21 @@
                 <a:latin typeface="Consolas" panose="020B0609020204030204" pitchFamily="49" charset="0"/>
                 <a:cs typeface="Consolas" panose="020B0609020204030204" pitchFamily="49" charset="0"/>
               </a:rPr>
-              <a:t> y&lt;z: </a:t>
-            </a:r>
-            <a:r>
-              <a:rPr lang="en-US" altLang="ko-KR" spc="-150" dirty="0" smtClean="0">
-                <a:latin typeface="Consolas" panose="020B0609020204030204" pitchFamily="49" charset="0"/>
-                <a:cs typeface="Consolas" panose="020B0609020204030204" pitchFamily="49" charset="0"/>
-              </a:rPr>
-              <a:t>print("y </a:t>
-            </a:r>
-            <a:r>
-              <a:rPr lang="en-US" altLang="ko-KR" spc="-150" dirty="0" smtClean="0">
-                <a:latin typeface="Consolas" panose="020B0609020204030204" pitchFamily="49" charset="0"/>
-                <a:cs typeface="Consolas" panose="020B0609020204030204" pitchFamily="49" charset="0"/>
-              </a:rPr>
-              <a:t>is the least</a:t>
-            </a:r>
-            <a:r>
-              <a:rPr lang="en-US" altLang="ko-KR" spc="-150" dirty="0" smtClean="0">
-                <a:latin typeface="Consolas" panose="020B0609020204030204" pitchFamily="49" charset="0"/>
-                <a:cs typeface="Consolas" panose="020B0609020204030204" pitchFamily="49" charset="0"/>
-              </a:rPr>
-              <a:t>")</a:t>
-            </a:r>
-            <a:r>
-              <a:rPr lang="en-US" altLang="ko-KR" spc="-150" dirty="0" smtClean="0">
-                <a:latin typeface="Consolas" panose="020B0609020204030204" pitchFamily="49" charset="0"/>
-                <a:cs typeface="Consolas" panose="020B0609020204030204" pitchFamily="49" charset="0"/>
-              </a:rPr>
-              <a:t/>
-            </a:r>
-            <a:br>
-              <a:rPr lang="en-US" altLang="ko-KR" spc="-150" dirty="0" smtClean="0">
-                <a:latin typeface="Consolas" panose="020B0609020204030204" pitchFamily="49" charset="0"/>
-                <a:cs typeface="Consolas" panose="020B0609020204030204" pitchFamily="49" charset="0"/>
-              </a:rPr>
-            </a:br>
-            <a:r>
-              <a:rPr lang="en-US" altLang="ko-KR" spc="-150" dirty="0" smtClean="0">
-                <a:latin typeface="Consolas" panose="020B0609020204030204" pitchFamily="49" charset="0"/>
-                <a:cs typeface="Consolas" panose="020B0609020204030204" pitchFamily="49" charset="0"/>
-              </a:rPr>
-              <a:t>else: </a:t>
-            </a:r>
-            <a:r>
-              <a:rPr lang="en-US" altLang="ko-KR" spc="-150" dirty="0" smtClean="0">
-                <a:latin typeface="Consolas" panose="020B0609020204030204" pitchFamily="49" charset="0"/>
-                <a:cs typeface="Consolas" panose="020B0609020204030204" pitchFamily="49" charset="0"/>
-              </a:rPr>
-              <a:t>print("z </a:t>
-            </a:r>
-            <a:r>
-              <a:rPr lang="en-US" altLang="ko-KR" spc="-150" dirty="0" smtClean="0">
-                <a:latin typeface="Consolas" panose="020B0609020204030204" pitchFamily="49" charset="0"/>
-                <a:cs typeface="Consolas" panose="020B0609020204030204" pitchFamily="49" charset="0"/>
-              </a:rPr>
-              <a:t>is the least</a:t>
-            </a:r>
-            <a:r>
-              <a:rPr lang="en-US" altLang="ko-KR" spc="-150" dirty="0" smtClean="0">
-                <a:latin typeface="Consolas" panose="020B0609020204030204" pitchFamily="49" charset="0"/>
-                <a:cs typeface="Consolas" panose="020B0609020204030204" pitchFamily="49" charset="0"/>
-              </a:rPr>
-              <a:t>")</a:t>
-            </a:r>
-            <a:endParaRPr lang="en-US" altLang="ko-KR" spc="-150" dirty="0" smtClean="0">
-              <a:latin typeface="Consolas" panose="020B0609020204030204" pitchFamily="49" charset="0"/>
-              <a:cs typeface="Consolas" panose="020B0609020204030204" pitchFamily="49" charset="0"/>
-            </a:endParaRPr>
+              <a:t> y&lt;z: print("y is the least")</a:t>
+            </a:r>
+            <a:br>
+              <a:rPr lang="en-US" altLang="ko-KR" spc="-150" dirty="0" smtClean="0">
+                <a:latin typeface="Consolas" panose="020B0609020204030204" pitchFamily="49" charset="0"/>
+                <a:cs typeface="Consolas" panose="020B0609020204030204" pitchFamily="49" charset="0"/>
+              </a:rPr>
+            </a:br>
+            <a:r>
+              <a:rPr lang="en-US" altLang="ko-KR" spc="-150" dirty="0" smtClean="0">
+                <a:latin typeface="Consolas" panose="020B0609020204030204" pitchFamily="49" charset="0"/>
+                <a:cs typeface="Consolas" panose="020B0609020204030204" pitchFamily="49" charset="0"/>
+              </a:rPr>
+              <a:t>else: print("z is the least")</a:t>
+            </a:r>
           </a:p>
           <a:p>
             <a:endParaRPr lang="en-US" altLang="ko-KR" dirty="0"/>
@@ -3754,83 +3599,35 @@
               <a:rPr lang="en-US" altLang="ko-KR" spc="-150" dirty="0" smtClean="0">
                 <a:latin typeface="Consolas" panose="020B0609020204030204" pitchFamily="49" charset="0"/>
               </a:rPr>
-              <a:t>		</a:t>
-            </a:r>
-            <a:r>
-              <a:rPr lang="en-US" altLang="ko-KR" spc="-150" dirty="0" smtClean="0">
-                <a:latin typeface="Consolas" panose="020B0609020204030204" pitchFamily="49" charset="0"/>
-              </a:rPr>
-              <a:t>print('Divisible </a:t>
-            </a:r>
-            <a:r>
-              <a:rPr lang="en-US" altLang="ko-KR" spc="-150" dirty="0" smtClean="0">
-                <a:latin typeface="Consolas" panose="020B0609020204030204" pitchFamily="49" charset="0"/>
-              </a:rPr>
-              <a:t>by 2 and 3</a:t>
-            </a:r>
-            <a:r>
-              <a:rPr lang="en-US" altLang="ko-KR" spc="-150" dirty="0" smtClean="0">
-                <a:latin typeface="Consolas" panose="020B0609020204030204" pitchFamily="49" charset="0"/>
-              </a:rPr>
-              <a:t>')</a:t>
-            </a:r>
-            <a:r>
-              <a:rPr lang="en-US" altLang="ko-KR" spc="-150" dirty="0" smtClean="0">
+              <a:t>		print('Divisible by 2 and 3')</a:t>
+            </a:r>
+            <a:br>
+              <a:rPr lang="en-US" altLang="ko-KR" spc="-150" dirty="0" smtClean="0">
+                <a:latin typeface="Consolas" panose="020B0609020204030204" pitchFamily="49" charset="0"/>
+              </a:rPr>
+            </a:br>
+            <a:r>
+              <a:rPr lang="en-US" altLang="ko-KR" spc="-150" dirty="0" smtClean="0">
+                <a:latin typeface="Consolas" panose="020B0609020204030204" pitchFamily="49" charset="0"/>
+              </a:rPr>
+              <a:t>	else:</a:t>
+            </a:r>
+            <a:r>
+              <a:rPr lang="en-US" altLang="ko-KR" spc="-150" dirty="0">
                 <a:latin typeface="Consolas" panose="020B0609020204030204" pitchFamily="49" charset="0"/>
               </a:rPr>
               <a:t/>
             </a:r>
             <a:br>
-              <a:rPr lang="en-US" altLang="ko-KR" spc="-150" dirty="0" smtClean="0">
-                <a:latin typeface="Consolas" panose="020B0609020204030204" pitchFamily="49" charset="0"/>
-              </a:rPr>
-            </a:br>
-            <a:r>
-              <a:rPr lang="en-US" altLang="ko-KR" spc="-150" dirty="0" smtClean="0">
-                <a:latin typeface="Consolas" panose="020B0609020204030204" pitchFamily="49" charset="0"/>
-              </a:rPr>
-              <a:t>	else:</a:t>
-            </a:r>
-            <a:r>
               <a:rPr lang="en-US" altLang="ko-KR" spc="-150" dirty="0">
                 <a:latin typeface="Consolas" panose="020B0609020204030204" pitchFamily="49" charset="0"/>
               </a:rPr>
-              <a:t/>
-            </a:r>
-            <a:br>
-              <a:rPr lang="en-US" altLang="ko-KR" spc="-150" dirty="0">
-                <a:latin typeface="Consolas" panose="020B0609020204030204" pitchFamily="49" charset="0"/>
-              </a:rPr>
-            </a:br>
-            <a:r>
-              <a:rPr lang="en-US" altLang="ko-KR" spc="-150" dirty="0" smtClean="0">
-                <a:latin typeface="Consolas" panose="020B0609020204030204" pitchFamily="49" charset="0"/>
-              </a:rPr>
-              <a:t>		</a:t>
-            </a:r>
-            <a:r>
-              <a:rPr lang="en-US" altLang="ko-KR" spc="-150" dirty="0" smtClean="0">
-                <a:latin typeface="Consolas" panose="020B0609020204030204" pitchFamily="49" charset="0"/>
-              </a:rPr>
-              <a:t>print('Divisible </a:t>
-            </a:r>
-            <a:r>
-              <a:rPr lang="en-US" altLang="ko-KR" spc="-150" dirty="0" smtClean="0">
-                <a:latin typeface="Consolas" panose="020B0609020204030204" pitchFamily="49" charset="0"/>
-              </a:rPr>
-              <a:t>by 2 and not by 3</a:t>
-            </a:r>
-            <a:r>
-              <a:rPr lang="en-US" altLang="ko-KR" spc="-150" dirty="0" smtClean="0">
-                <a:latin typeface="Consolas" panose="020B0609020204030204" pitchFamily="49" charset="0"/>
-              </a:rPr>
-              <a:t>')</a:t>
-            </a:r>
-            <a:r>
-              <a:rPr lang="en-US" altLang="ko-KR" spc="-150" dirty="0" smtClean="0">
-                <a:latin typeface="Consolas" panose="020B0609020204030204" pitchFamily="49" charset="0"/>
-              </a:rPr>
-              <a:t/>
+            </a:br>
+            <a:r>
+              <a:rPr lang="en-US" altLang="ko-KR" spc="-150" dirty="0" smtClean="0">
+                <a:latin typeface="Consolas" panose="020B0609020204030204" pitchFamily="49" charset="0"/>
+              </a:rPr>
+              <a:t>		print('Divisible by 2 and not by 3')</a:t>
             </a:r>
             <a:br>
               <a:rPr lang="en-US" altLang="ko-KR" spc="-150" dirty="0" smtClean="0">
@@ -3858,29 +3655,8 @@
               <a:rPr lang="en-US" altLang="ko-KR" spc="-150" dirty="0" smtClean="0">
                 <a:latin typeface="Consolas" panose="020B0609020204030204" pitchFamily="49" charset="0"/>
               </a:rPr>
-              <a:t>	</a:t>
-            </a:r>
-            <a:r>
-              <a:rPr lang="en-US" altLang="ko-KR" spc="-150" dirty="0" smtClean="0">
-                <a:latin typeface="Consolas" panose="020B0609020204030204" pitchFamily="49" charset="0"/>
-              </a:rPr>
-              <a:t>print('Divisible </a:t>
-            </a:r>
-            <a:r>
-              <a:rPr lang="en-US" altLang="ko-KR" spc="-150" dirty="0" smtClean="0">
-                <a:latin typeface="Consolas" panose="020B0609020204030204" pitchFamily="49" charset="0"/>
-              </a:rPr>
-              <a:t>by 3 and not by 2</a:t>
-            </a:r>
-            <a:r>
-              <a:rPr lang="en-US" altLang="ko-KR" spc="-150" dirty="0" smtClean="0">
-                <a:latin typeface="Consolas" panose="020B0609020204030204" pitchFamily="49" charset="0"/>
-              </a:rPr>
-              <a:t>')</a:t>
-            </a:r>
-            <a:endParaRPr lang="en-US" altLang="ko-KR" spc="-150" dirty="0" smtClean="0">
-              <a:latin typeface="Consolas" panose="020B0609020204030204" pitchFamily="49" charset="0"/>
-            </a:endParaRPr>
+              <a:t>	print('Divisible by 3 and not by 2')</a:t>
+            </a:r>
           </a:p>
         </p:txBody>
       </p:sp>
@@ -4310,13 +4086,6 @@
               </a:rPr>
               <a:t>x = 3</a:t>
             </a:r>
-            <a:r>
-              <a:rPr lang="en-US" altLang="ko-KR" spc="-150" dirty="0" smtClean="0">
-                <a:latin typeface="Consolas" panose="020B0609020204030204" pitchFamily="49" charset="0"/>
-                <a:cs typeface="Consolas" panose="020B0609020204030204" pitchFamily="49" charset="0"/>
-              </a:rPr>
-              <a:t/>
-            </a:r>
             <a:br>
               <a:rPr lang="en-US" altLang="ko-KR" spc="-150" dirty="0" smtClean="0">
                 <a:latin typeface="Consolas" panose="020B0609020204030204" pitchFamily="49" charset="0"/>
@@ -4330,80 +4099,31 @@
               </a:rPr>
               <a:t>y = 7</a:t>
             </a:r>
-            <a:r>
-              <a:rPr lang="en-US" altLang="ko-KR" spc="-150" dirty="0" smtClean="0">
-                <a:latin typeface="Consolas" panose="020B0609020204030204" pitchFamily="49" charset="0"/>
-                <a:cs typeface="Consolas" panose="020B0609020204030204" pitchFamily="49" charset="0"/>
-              </a:rPr>
-              <a:t/>
-            </a:r>
-            <a:br>
-              <a:rPr lang="en-US" altLang="ko-KR" spc="-150" dirty="0" smtClean="0">
-                <a:latin typeface="Consolas" panose="020B0609020204030204" pitchFamily="49" charset="0"/>
-                <a:cs typeface="Consolas" panose="020B0609020204030204" pitchFamily="49" charset="0"/>
-              </a:rPr>
-            </a:br>
-            <a:r>
-              <a:rPr lang="en-US" altLang="ko-KR" spc="-150" dirty="0" smtClean="0">
-                <a:latin typeface="Consolas" panose="020B0609020204030204" pitchFamily="49" charset="0"/>
-                <a:cs typeface="Consolas" panose="020B0609020204030204" pitchFamily="49" charset="0"/>
-              </a:rPr>
-              <a:t>if </a:t>
-            </a:r>
-            <a:r>
-              <a:rPr lang="en-US" altLang="ko-KR" spc="-150" dirty="0" smtClean="0">
-                <a:latin typeface="Consolas" panose="020B0609020204030204" pitchFamily="49" charset="0"/>
-                <a:cs typeface="Consolas" panose="020B0609020204030204" pitchFamily="49" charset="0"/>
-              </a:rPr>
-              <a:t>x &lt; y </a:t>
-            </a:r>
-            <a:r>
-              <a:rPr lang="en-US" altLang="ko-KR" spc="-150" dirty="0" smtClean="0">
-                <a:latin typeface="Consolas" panose="020B0609020204030204" pitchFamily="49" charset="0"/>
-                <a:cs typeface="Consolas" panose="020B0609020204030204" pitchFamily="49" charset="0"/>
-              </a:rPr>
-              <a:t>and </a:t>
-            </a:r>
-            <a:r>
-              <a:rPr lang="en-US" altLang="ko-KR" spc="-150" dirty="0" smtClean="0">
-                <a:latin typeface="Consolas" panose="020B0609020204030204" pitchFamily="49" charset="0"/>
-                <a:cs typeface="Consolas" panose="020B0609020204030204" pitchFamily="49" charset="0"/>
-              </a:rPr>
-              <a:t>x &lt; 0</a:t>
-            </a:r>
-            <a:r>
-              <a:rPr lang="en-US" altLang="ko-KR" spc="-150" dirty="0" smtClean="0">
-                <a:latin typeface="Consolas" panose="020B0609020204030204" pitchFamily="49" charset="0"/>
-                <a:cs typeface="Consolas" panose="020B0609020204030204" pitchFamily="49" charset="0"/>
-              </a:rPr>
-              <a:t>: print "if"</a:t>
-            </a:r>
-            <a:br>
-              <a:rPr lang="en-US" altLang="ko-KR" spc="-150" dirty="0" smtClean="0">
-                <a:latin typeface="Consolas" panose="020B0609020204030204" pitchFamily="49" charset="0"/>
-                <a:cs typeface="Consolas" panose="020B0609020204030204" pitchFamily="49" charset="0"/>
-              </a:rPr>
-            </a:br>
-            <a:r>
-              <a:rPr lang="en-US" altLang="ko-KR" spc="-150" dirty="0" smtClean="0">
-                <a:latin typeface="Consolas" panose="020B0609020204030204" pitchFamily="49" charset="0"/>
-                <a:cs typeface="Consolas" panose="020B0609020204030204" pitchFamily="49" charset="0"/>
-              </a:rPr>
-              <a:t>else: </a:t>
-            </a:r>
-            <a:r>
-              <a:rPr lang="en-US" altLang="ko-KR" spc="-150" dirty="0" smtClean="0">
-                <a:latin typeface="Consolas" panose="020B0609020204030204" pitchFamily="49" charset="0"/>
-                <a:cs typeface="Consolas" panose="020B0609020204030204" pitchFamily="49" charset="0"/>
-              </a:rPr>
-              <a:t>print("else")</a:t>
-            </a:r>
-            <a:r>
-              <a:rPr lang="en-US" altLang="ko-KR" spc="-150" dirty="0" smtClean="0">
-                <a:latin typeface="Consolas" panose="020B0609020204030204" pitchFamily="49" charset="0"/>
-                <a:cs typeface="Consolas" panose="020B0609020204030204" pitchFamily="49" charset="0"/>
-              </a:rPr>
-              <a:t/>
+            <a:br>
+              <a:rPr lang="en-US" altLang="ko-KR" spc="-150" dirty="0" smtClean="0">
+                <a:latin typeface="Consolas" panose="020B0609020204030204" pitchFamily="49" charset="0"/>
+                <a:cs typeface="Consolas" panose="020B0609020204030204" pitchFamily="49" charset="0"/>
+              </a:rPr>
+            </a:br>
+            <a:r>
+              <a:rPr lang="en-US" altLang="ko-KR" spc="-150" dirty="0" smtClean="0">
+                <a:latin typeface="Consolas" panose="020B0609020204030204" pitchFamily="49" charset="0"/>
+                <a:cs typeface="Consolas" panose="020B0609020204030204" pitchFamily="49" charset="0"/>
+              </a:rPr>
+              <a:t>if x &lt; y and x &lt; 0: print "if"</a:t>
+            </a:r>
+            <a:br>
+              <a:rPr lang="en-US" altLang="ko-KR" spc="-150" dirty="0" smtClean="0">
+                <a:latin typeface="Consolas" panose="020B0609020204030204" pitchFamily="49" charset="0"/>
+                <a:cs typeface="Consolas" panose="020B0609020204030204" pitchFamily="49" charset="0"/>
+              </a:rPr>
+            </a:br>
+            <a:r>
+              <a:rPr lang="en-US" altLang="ko-KR" spc="-150" dirty="0" smtClean="0">
+                <a:latin typeface="Consolas" panose="020B0609020204030204" pitchFamily="49" charset="0"/>
+                <a:cs typeface="Consolas" panose="020B0609020204030204" pitchFamily="49" charset="0"/>
+              </a:rPr>
+              <a:t>else: print("else")</a:t>
             </a:r>
             <a:br>
               <a:rPr lang="en-US" altLang="ko-KR" spc="-150" dirty="0" smtClean="0">
@@ -4431,13 +4151,6 @@
               </a:rPr>
               <a:t>x = 3</a:t>
             </a:r>
-            <a:r>
-              <a:rPr lang="en-US" altLang="ko-KR" spc="-150" dirty="0" smtClean="0">
-                <a:latin typeface="Consolas" panose="020B0609020204030204" pitchFamily="49" charset="0"/>
-                <a:cs typeface="Consolas" panose="020B0609020204030204" pitchFamily="49" charset="0"/>
-              </a:rPr>
-              <a:t/>
-            </a:r>
             <a:br>
               <a:rPr lang="en-US" altLang="ko-KR" spc="-150" dirty="0" smtClean="0">
                 <a:latin typeface="Consolas" panose="020B0609020204030204" pitchFamily="49" charset="0"/>
@@ -4451,87 +4164,31 @@
               </a:rPr>
               <a:t>y = 7</a:t>
             </a:r>
-            <a:r>
-              <a:rPr lang="en-US" altLang="ko-KR" spc="-150" dirty="0" smtClean="0">
-                <a:latin typeface="Consolas" panose="020B0609020204030204" pitchFamily="49" charset="0"/>
-                <a:cs typeface="Consolas" panose="020B0609020204030204" pitchFamily="49" charset="0"/>
-              </a:rPr>
-              <a:t/>
-            </a:r>
-            <a:br>
-              <a:rPr lang="en-US" altLang="ko-KR" spc="-150" dirty="0" smtClean="0">
-                <a:latin typeface="Consolas" panose="020B0609020204030204" pitchFamily="49" charset="0"/>
-                <a:cs typeface="Consolas" panose="020B0609020204030204" pitchFamily="49" charset="0"/>
-              </a:rPr>
-            </a:br>
-            <a:r>
-              <a:rPr lang="en-US" altLang="ko-KR" spc="-150" dirty="0" smtClean="0">
-                <a:latin typeface="Consolas" panose="020B0609020204030204" pitchFamily="49" charset="0"/>
-                <a:cs typeface="Consolas" panose="020B0609020204030204" pitchFamily="49" charset="0"/>
-              </a:rPr>
-              <a:t>if </a:t>
-            </a:r>
-            <a:r>
-              <a:rPr lang="en-US" altLang="ko-KR" spc="-150" dirty="0" smtClean="0">
-                <a:latin typeface="Consolas" panose="020B0609020204030204" pitchFamily="49" charset="0"/>
-                <a:cs typeface="Consolas" panose="020B0609020204030204" pitchFamily="49" charset="0"/>
-              </a:rPr>
-              <a:t>x &lt; y </a:t>
-            </a:r>
-            <a:r>
-              <a:rPr lang="en-US" altLang="ko-KR" spc="-150" dirty="0" smtClean="0">
-                <a:latin typeface="Consolas" panose="020B0609020204030204" pitchFamily="49" charset="0"/>
-                <a:cs typeface="Consolas" panose="020B0609020204030204" pitchFamily="49" charset="0"/>
-              </a:rPr>
-              <a:t>or </a:t>
-            </a:r>
-            <a:r>
-              <a:rPr lang="en-US" altLang="ko-KR" spc="-150" dirty="0" smtClean="0">
-                <a:latin typeface="Consolas" panose="020B0609020204030204" pitchFamily="49" charset="0"/>
-                <a:cs typeface="Consolas" panose="020B0609020204030204" pitchFamily="49" charset="0"/>
-              </a:rPr>
-              <a:t>x &lt; 0</a:t>
-            </a:r>
-            <a:r>
-              <a:rPr lang="en-US" altLang="ko-KR" spc="-150" dirty="0" smtClean="0">
-                <a:latin typeface="Consolas" panose="020B0609020204030204" pitchFamily="49" charset="0"/>
-                <a:cs typeface="Consolas" panose="020B0609020204030204" pitchFamily="49" charset="0"/>
-              </a:rPr>
-              <a:t>: </a:t>
-            </a:r>
-            <a:r>
-              <a:rPr lang="en-US" altLang="ko-KR" spc="-150" dirty="0" smtClean="0">
-                <a:latin typeface="Consolas" panose="020B0609020204030204" pitchFamily="49" charset="0"/>
-                <a:cs typeface="Consolas" panose="020B0609020204030204" pitchFamily="49" charset="0"/>
-              </a:rPr>
-              <a:t>print("if")</a:t>
-            </a:r>
-            <a:r>
-              <a:rPr lang="en-US" altLang="ko-KR" spc="-150" dirty="0" smtClean="0">
-                <a:latin typeface="Consolas" panose="020B0609020204030204" pitchFamily="49" charset="0"/>
-                <a:cs typeface="Consolas" panose="020B0609020204030204" pitchFamily="49" charset="0"/>
-              </a:rPr>
-              <a:t/>
-            </a:r>
-            <a:br>
-              <a:rPr lang="en-US" altLang="ko-KR" spc="-150" dirty="0" smtClean="0">
-                <a:latin typeface="Consolas" panose="020B0609020204030204" pitchFamily="49" charset="0"/>
-                <a:cs typeface="Consolas" panose="020B0609020204030204" pitchFamily="49" charset="0"/>
-              </a:rPr>
-            </a:br>
-            <a:r>
-              <a:rPr lang="en-US" altLang="ko-KR" spc="-150" dirty="0" smtClean="0">
-                <a:latin typeface="Consolas" panose="020B0609020204030204" pitchFamily="49" charset="0"/>
-                <a:cs typeface="Consolas" panose="020B0609020204030204" pitchFamily="49" charset="0"/>
-              </a:rPr>
-              <a:t>else: </a:t>
-            </a:r>
-            <a:r>
-              <a:rPr lang="en-US" altLang="ko-KR" spc="-150" dirty="0" smtClean="0">
-                <a:latin typeface="Consolas" panose="020B0609020204030204" pitchFamily="49" charset="0"/>
-                <a:cs typeface="Consolas" panose="020B0609020204030204" pitchFamily="49" charset="0"/>
-              </a:rPr>
-              <a:t>print("else")</a:t>
+            <a:br>
+              <a:rPr lang="en-US" altLang="ko-KR" spc="-150" dirty="0" smtClean="0">
+                <a:latin typeface="Consolas" panose="020B0609020204030204" pitchFamily="49" charset="0"/>
+                <a:cs typeface="Consolas" panose="020B0609020204030204" pitchFamily="49" charset="0"/>
+              </a:rPr>
+            </a:br>
+            <a:r>
+              <a:rPr lang="en-US" altLang="ko-KR" spc="-150" dirty="0" smtClean="0">
+                <a:latin typeface="Consolas" panose="020B0609020204030204" pitchFamily="49" charset="0"/>
+                <a:cs typeface="Consolas" panose="020B0609020204030204" pitchFamily="49" charset="0"/>
+              </a:rPr>
+              <a:t>if x &lt; y or x &lt; 0: print("if")</a:t>
+            </a:r>
+            <a:br>
+              <a:rPr lang="en-US" altLang="ko-KR" spc="-150" dirty="0" smtClean="0">
+                <a:latin typeface="Consolas" panose="020B0609020204030204" pitchFamily="49" charset="0"/>
+                <a:cs typeface="Consolas" panose="020B0609020204030204" pitchFamily="49" charset="0"/>
+              </a:rPr>
+            </a:br>
+            <a:r>
+              <a:rPr lang="en-US" altLang="ko-KR" spc="-150" dirty="0" smtClean="0">
+                <a:latin typeface="Consolas" panose="020B0609020204030204" pitchFamily="49" charset="0"/>
+                <a:cs typeface="Consolas" panose="020B0609020204030204" pitchFamily="49" charset="0"/>
+              </a:rPr>
+              <a:t>else: print("else")</a:t>
             </a:r>
             <a:endParaRPr lang="ko-KR" altLang="en-US" spc="-150" dirty="0">
               <a:latin typeface="Consolas" panose="020B0609020204030204" pitchFamily="49" charset="0"/>
@@ -4689,21 +4346,7 @@
                 <a:latin typeface="Consolas" panose="020B0609020204030204" pitchFamily="49" charset="0"/>
                 <a:cs typeface="Consolas" panose="020B0609020204030204" pitchFamily="49" charset="0"/>
               </a:rPr>
-              <a:t>while </a:t>
-            </a:r>
-            <a:r>
-              <a:rPr lang="en-US" altLang="ko-KR" spc="-150" dirty="0" smtClean="0">
-                <a:latin typeface="Consolas" panose="020B0609020204030204" pitchFamily="49" charset="0"/>
-                <a:cs typeface="Consolas" panose="020B0609020204030204" pitchFamily="49" charset="0"/>
-              </a:rPr>
-              <a:t>j &gt; 0</a:t>
-            </a:r>
-            <a:r>
-              <a:rPr lang="en-US" altLang="ko-KR" spc="-150" dirty="0" smtClean="0">
-                <a:latin typeface="Consolas" panose="020B0609020204030204" pitchFamily="49" charset="0"/>
-                <a:cs typeface="Consolas" panose="020B0609020204030204" pitchFamily="49" charset="0"/>
-              </a:rPr>
-              <a:t>:</a:t>
+              <a:t>while j &gt; 0:</a:t>
             </a:r>
             <a:br>
               <a:rPr lang="en-US" altLang="ko-KR" spc="-150" dirty="0" smtClean="0">
@@ -5170,155 +4813,105 @@
                 <a:latin typeface="Consolas" panose="020B0609020204030204" pitchFamily="49" charset="0"/>
                 <a:cs typeface="Consolas" panose="020B0609020204030204" pitchFamily="49" charset="0"/>
               </a:rPr>
+              <a:t>	print("Hello world")</a:t>
+            </a:r>
+          </a:p>
+          <a:p>
+            <a:r>
+              <a:rPr lang="en-US" altLang="ko-KR" spc="-150" dirty="0" smtClean="0">
+                <a:latin typeface="Consolas" panose="020B0609020204030204" pitchFamily="49" charset="0"/>
+                <a:cs typeface="Consolas" panose="020B0609020204030204" pitchFamily="49" charset="0"/>
+              </a:rPr>
+              <a:t>j</a:t>
+            </a:r>
+            <a:r>
+              <a:rPr lang="ko-KR" altLang="en-US" dirty="0" smtClean="0"/>
+              <a:t>의 값에 변화가 없기 때문에 무한히 </a:t>
+            </a:r>
+            <a:r>
+              <a:rPr lang="en-US" altLang="ko-KR" spc="-150" dirty="0" smtClean="0">
+                <a:latin typeface="Consolas" panose="020B0609020204030204" pitchFamily="49" charset="0"/>
+                <a:cs typeface="Consolas" panose="020B0609020204030204" pitchFamily="49" charset="0"/>
+              </a:rPr>
+              <a:t>"Hello world"</a:t>
+            </a:r>
+            <a:r>
+              <a:rPr lang="ko-KR" altLang="en-US" dirty="0" smtClean="0"/>
+              <a:t>를 출력</a:t>
+            </a:r>
+            <a:endParaRPr lang="en-US" altLang="ko-KR" dirty="0" smtClean="0"/>
+          </a:p>
+          <a:p>
+            <a:endParaRPr lang="en-US" altLang="ko-KR" dirty="0"/>
+          </a:p>
+          <a:p>
+            <a:r>
+              <a:rPr lang="en-US" altLang="ko-KR" dirty="0">
+                <a:latin typeface="Consolas" panose="020B0609020204030204" pitchFamily="49" charset="0"/>
+                <a:cs typeface="Consolas" panose="020B0609020204030204" pitchFamily="49" charset="0"/>
+              </a:rPr>
+              <a:t>j = 3</a:t>
+            </a:r>
+            <a:br>
+              <a:rPr lang="en-US" altLang="ko-KR" dirty="0">
+                <a:latin typeface="Consolas" panose="020B0609020204030204" pitchFamily="49" charset="0"/>
+                <a:cs typeface="Consolas" panose="020B0609020204030204" pitchFamily="49" charset="0"/>
+              </a:rPr>
+            </a:br>
+            <a:r>
+              <a:rPr lang="en-US" altLang="ko-KR" dirty="0">
+                <a:latin typeface="Consolas" panose="020B0609020204030204" pitchFamily="49" charset="0"/>
+                <a:cs typeface="Consolas" panose="020B0609020204030204" pitchFamily="49" charset="0"/>
+              </a:rPr>
+              <a:t>while </a:t>
+            </a:r>
+            <a:r>
+              <a:rPr lang="en-US" altLang="ko-KR" dirty="0" smtClean="0">
+                <a:latin typeface="Consolas" panose="020B0609020204030204" pitchFamily="49" charset="0"/>
+                <a:cs typeface="Consolas" panose="020B0609020204030204" pitchFamily="49" charset="0"/>
+              </a:rPr>
+              <a:t>j &gt; 0:</a:t>
+            </a:r>
+            <a:br>
+              <a:rPr lang="en-US" altLang="ko-KR" dirty="0" smtClean="0">
+                <a:latin typeface="Consolas" panose="020B0609020204030204" pitchFamily="49" charset="0"/>
+                <a:cs typeface="Consolas" panose="020B0609020204030204" pitchFamily="49" charset="0"/>
+              </a:rPr>
+            </a:br>
+            <a:r>
+              <a:rPr lang="en-US" altLang="ko-KR" dirty="0" smtClean="0">
+                <a:latin typeface="Consolas" panose="020B0609020204030204" pitchFamily="49" charset="0"/>
+                <a:cs typeface="Consolas" panose="020B0609020204030204" pitchFamily="49" charset="0"/>
+              </a:rPr>
+              <a:t>	j -= 1</a:t>
+            </a:r>
+            <a:r>
+              <a:rPr lang="en-US" altLang="ko-KR" dirty="0">
+                <a:latin typeface="Consolas" panose="020B0609020204030204" pitchFamily="49" charset="0"/>
+                <a:cs typeface="Consolas" panose="020B0609020204030204" pitchFamily="49" charset="0"/>
+              </a:rPr>
+              <a:t/>
+            </a:r>
+            <a:br>
+              <a:rPr lang="en-US" altLang="ko-KR" dirty="0">
+                <a:latin typeface="Consolas" panose="020B0609020204030204" pitchFamily="49" charset="0"/>
+                <a:cs typeface="Consolas" panose="020B0609020204030204" pitchFamily="49" charset="0"/>
+              </a:rPr>
+            </a:br>
+            <a:r>
+              <a:rPr lang="en-US" altLang="ko-KR" dirty="0">
+                <a:latin typeface="Consolas" panose="020B0609020204030204" pitchFamily="49" charset="0"/>
+                <a:cs typeface="Consolas" panose="020B0609020204030204" pitchFamily="49" charset="0"/>
+              </a:rPr>
               <a:t>	</a:t>
             </a:r>
             <a:r>
-              <a:rPr lang="en-US" altLang="ko-KR" spc="-150" dirty="0" smtClean="0">
-                <a:latin typeface="Consolas" panose="020B0609020204030204" pitchFamily="49" charset="0"/>
-                <a:cs typeface="Consolas" panose="020B0609020204030204" pitchFamily="49" charset="0"/>
-              </a:rPr>
-              <a:t>print("Hello </a:t>
-            </a:r>
-            <a:r>
-              <a:rPr lang="en-US" altLang="ko-KR" spc="-150" dirty="0" smtClean="0">
-                <a:latin typeface="Consolas" panose="020B0609020204030204" pitchFamily="49" charset="0"/>
-                <a:cs typeface="Consolas" panose="020B0609020204030204" pitchFamily="49" charset="0"/>
-              </a:rPr>
-              <a:t>world</a:t>
-            </a:r>
-            <a:r>
-              <a:rPr lang="en-US" altLang="ko-KR" spc="-150" dirty="0" smtClean="0">
-                <a:latin typeface="Consolas" panose="020B0609020204030204" pitchFamily="49" charset="0"/>
-                <a:cs typeface="Consolas" panose="020B0609020204030204" pitchFamily="49" charset="0"/>
-              </a:rPr>
-              <a:t>")</a:t>
-            </a:r>
-            <a:endParaRPr lang="en-US" altLang="ko-KR" spc="-150" dirty="0" smtClean="0">
-              <a:latin typeface="Consolas" panose="020B0609020204030204" pitchFamily="49" charset="0"/>
-              <a:cs typeface="Consolas" panose="020B0609020204030204" pitchFamily="49" charset="0"/>
-            </a:endParaRPr>
-          </a:p>
-          <a:p>
-            <a:r>
-              <a:rPr lang="en-US" altLang="ko-KR" spc="-150" dirty="0" smtClean="0">
-                <a:latin typeface="Consolas" panose="020B0609020204030204" pitchFamily="49" charset="0"/>
-                <a:cs typeface="Consolas" panose="020B0609020204030204" pitchFamily="49" charset="0"/>
-              </a:rPr>
-              <a:t>j</a:t>
-            </a:r>
-            <a:r>
-              <a:rPr lang="ko-KR" altLang="en-US" dirty="0" smtClean="0"/>
-              <a:t>의 값에 변화가 없기 때문에 무한히 </a:t>
-            </a:r>
-            <a:r>
-              <a:rPr lang="en-US" altLang="ko-KR" spc="-150" dirty="0" smtClean="0">
-                <a:latin typeface="Consolas" panose="020B0609020204030204" pitchFamily="49" charset="0"/>
-                <a:cs typeface="Consolas" panose="020B0609020204030204" pitchFamily="49" charset="0"/>
-              </a:rPr>
-              <a:t>"Hello world"</a:t>
-            </a:r>
-            <a:r>
-              <a:rPr lang="ko-KR" altLang="en-US" dirty="0" smtClean="0"/>
-              <a:t>를 출력</a:t>
-            </a:r>
-            <a:endParaRPr lang="en-US" altLang="ko-KR" dirty="0" smtClean="0"/>
-          </a:p>
-          <a:p>
-            <a:endParaRPr lang="en-US" altLang="ko-KR" dirty="0"/>
-          </a:p>
-          <a:p>
-            <a:r>
-              <a:rPr lang="en-US" altLang="ko-KR" dirty="0">
-                <a:latin typeface="Consolas" panose="020B0609020204030204" pitchFamily="49" charset="0"/>
-                <a:cs typeface="Consolas" panose="020B0609020204030204" pitchFamily="49" charset="0"/>
-              </a:rPr>
-              <a:t>j = 3</a:t>
-            </a:r>
-            <a:br>
-              <a:rPr lang="en-US" altLang="ko-KR" dirty="0">
-                <a:latin typeface="Consolas" panose="020B0609020204030204" pitchFamily="49" charset="0"/>
-                <a:cs typeface="Consolas" panose="020B0609020204030204" pitchFamily="49" charset="0"/>
-              </a:rPr>
-            </a:br>
-            <a:r>
-              <a:rPr lang="en-US" altLang="ko-KR" dirty="0">
-                <a:latin typeface="Consolas" panose="020B0609020204030204" pitchFamily="49" charset="0"/>
-                <a:cs typeface="Consolas" panose="020B0609020204030204" pitchFamily="49" charset="0"/>
-              </a:rPr>
-              <a:t>while </a:t>
-            </a:r>
-            <a:r>
               <a:rPr lang="en-US" altLang="ko-KR" dirty="0" smtClean="0">
                 <a:latin typeface="Consolas" panose="020B0609020204030204" pitchFamily="49" charset="0"/>
                 <a:cs typeface="Consolas" panose="020B0609020204030204" pitchFamily="49" charset="0"/>
               </a:rPr>
-              <a:t>j &gt; 0</a:t>
-            </a:r>
-            <a:r>
-              <a:rPr lang="en-US" altLang="ko-KR" dirty="0" smtClean="0">
-                <a:latin typeface="Consolas" panose="020B0609020204030204" pitchFamily="49" charset="0"/>
-                <a:cs typeface="Consolas" panose="020B0609020204030204" pitchFamily="49" charset="0"/>
-              </a:rPr>
-              <a:t>:</a:t>
-            </a:r>
-            <a:br>
-              <a:rPr lang="en-US" altLang="ko-KR" dirty="0" smtClean="0">
-                <a:latin typeface="Consolas" panose="020B0609020204030204" pitchFamily="49" charset="0"/>
-                <a:cs typeface="Consolas" panose="020B0609020204030204" pitchFamily="49" charset="0"/>
-              </a:rPr>
-            </a:br>
-            <a:r>
-              <a:rPr lang="en-US" altLang="ko-KR" dirty="0" smtClean="0">
-                <a:latin typeface="Consolas" panose="020B0609020204030204" pitchFamily="49" charset="0"/>
-                <a:cs typeface="Consolas" panose="020B0609020204030204" pitchFamily="49" charset="0"/>
-              </a:rPr>
-              <a:t>	j -= 1</a:t>
-            </a:r>
-            <a:r>
-              <a:rPr lang="en-US" altLang="ko-KR" dirty="0">
-                <a:latin typeface="Consolas" panose="020B0609020204030204" pitchFamily="49" charset="0"/>
-                <a:cs typeface="Consolas" panose="020B0609020204030204" pitchFamily="49" charset="0"/>
-              </a:rPr>
-              <a:t/>
-            </a:r>
-            <a:br>
-              <a:rPr lang="en-US" altLang="ko-KR" dirty="0">
-                <a:latin typeface="Consolas" panose="020B0609020204030204" pitchFamily="49" charset="0"/>
-                <a:cs typeface="Consolas" panose="020B0609020204030204" pitchFamily="49" charset="0"/>
-              </a:rPr>
-            </a:br>
-            <a:r>
-              <a:rPr lang="en-US" altLang="ko-KR" dirty="0">
-                <a:latin typeface="Consolas" panose="020B0609020204030204" pitchFamily="49" charset="0"/>
-                <a:cs typeface="Consolas" panose="020B0609020204030204" pitchFamily="49" charset="0"/>
-              </a:rPr>
-              <a:t>	</a:t>
-            </a:r>
-            <a:r>
-              <a:rPr lang="en-US" altLang="ko-KR" dirty="0" smtClean="0">
-                <a:latin typeface="Consolas" panose="020B0609020204030204" pitchFamily="49" charset="0"/>
-                <a:cs typeface="Consolas" panose="020B0609020204030204" pitchFamily="49" charset="0"/>
-              </a:rPr>
-              <a:t>print("Hello </a:t>
-            </a:r>
-            <a:r>
-              <a:rPr lang="en-US" altLang="ko-KR" dirty="0" smtClean="0">
-                <a:latin typeface="Consolas" panose="020B0609020204030204" pitchFamily="49" charset="0"/>
-                <a:cs typeface="Consolas" panose="020B0609020204030204" pitchFamily="49" charset="0"/>
-              </a:rPr>
-              <a:t>world</a:t>
-            </a:r>
-            <a:r>
-              <a:rPr lang="en-US" altLang="ko-KR" dirty="0" smtClean="0">
-                <a:latin typeface="Consolas" panose="020B0609020204030204" pitchFamily="49" charset="0"/>
-                <a:cs typeface="Consolas" panose="020B0609020204030204" pitchFamily="49" charset="0"/>
-              </a:rPr>
-              <a:t>")</a:t>
-            </a:r>
-            <a:endParaRPr lang="en-US" altLang="ko-KR" dirty="0" smtClean="0">
-              <a:latin typeface="Consolas" panose="020B0609020204030204" pitchFamily="49" charset="0"/>
-              <a:cs typeface="Consolas" panose="020B0609020204030204" pitchFamily="49" charset="0"/>
-            </a:endParaRPr>
+              <a:t>print("Hello world")</a:t>
+            </a:r>
           </a:p>
           <a:p>
             <a:r>
@@ -6042,19 +5635,7 @@
               <a:rPr lang="en-US" altLang="ko-KR" spc="-150" dirty="0" smtClean="0">
                 <a:latin typeface="Consolas" panose="020B0609020204030204" pitchFamily="49" charset="0"/>
               </a:rPr>
-              <a:t>) </a:t>
-            </a:r>
-            <a:r>
-              <a:rPr lang="en-US" altLang="ko-KR" spc="-150" dirty="0" smtClean="0">
-                <a:latin typeface="Consolas" panose="020B0609020204030204" pitchFamily="49" charset="0"/>
-              </a:rPr>
-              <a:t>)</a:t>
-            </a:r>
-            <a:r>
-              <a:rPr lang="en-US" altLang="ko-KR" spc="-150" dirty="0" smtClean="0">
-                <a:latin typeface="Consolas" panose="020B0609020204030204" pitchFamily="49" charset="0"/>
-              </a:rPr>
-              <a:t/>
+              <a:t>) )</a:t>
             </a:r>
             <a:br>
               <a:rPr lang="en-US" altLang="ko-KR" spc="-150" dirty="0" smtClean="0">
@@ -6268,10 +5849,6 @@
               </a:rPr>
               <a:t>print(counter)</a:t>
             </a:r>
-            <a:endParaRPr lang="en-US" altLang="ko-KR" spc="-150" dirty="0" smtClean="0">
-              <a:latin typeface="Consolas" panose="020B0609020204030204" pitchFamily="49" charset="0"/>
-              <a:cs typeface="Consolas" panose="020B0609020204030204" pitchFamily="49" charset="0"/>
-            </a:endParaRPr>
           </a:p>
         </p:txBody>
       </p:sp>
@@ -6434,10 +6011,6 @@
               </a:rPr>
               <a:t>print(count)</a:t>
             </a:r>
-            <a:endParaRPr lang="en-US" altLang="ko-KR" spc="-150" dirty="0" smtClean="0">
-              <a:latin typeface="Consolas" panose="020B0609020204030204" pitchFamily="49" charset="0"/>
-              <a:cs typeface="Consolas" panose="020B0609020204030204" pitchFamily="49" charset="0"/>
-            </a:endParaRPr>
           </a:p>
           <a:p>
             <a:endParaRPr lang="en-US" altLang="ko-KR" dirty="0"/>
@@ -7175,21 +6748,7 @@
                 <a:latin typeface="Consolas" panose="020B0609020204030204" pitchFamily="49" charset="0"/>
                 <a:cs typeface="Consolas" panose="020B0609020204030204" pitchFamily="49" charset="0"/>
               </a:rPr>
-              <a:t>2</a:t>
-            </a:r>
-            <a:r>
-              <a:rPr lang="en-US" altLang="ko-KR" spc="-150" dirty="0" smtClean="0">
-                <a:latin typeface="Consolas" panose="020B0609020204030204" pitchFamily="49" charset="0"/>
-                <a:cs typeface="Consolas" panose="020B0609020204030204" pitchFamily="49" charset="0"/>
-              </a:rPr>
-              <a:t>")</a:t>
-            </a:r>
-            <a:r>
-              <a:rPr lang="en-US" altLang="ko-KR" spc="-150" dirty="0" smtClean="0">
-                <a:latin typeface="Consolas" panose="020B0609020204030204" pitchFamily="49" charset="0"/>
-                <a:cs typeface="Consolas" panose="020B0609020204030204" pitchFamily="49" charset="0"/>
-              </a:rPr>
-              <a:t/>
+              <a:t>2")</a:t>
             </a:r>
             <a:br>
               <a:rPr lang="en-US" altLang="ko-KR" spc="-150" dirty="0" smtClean="0">
@@ -7256,19 +6815,8 @@
                 <a:latin typeface="Consolas" panose="020B0609020204030204" pitchFamily="49" charset="0"/>
                 <a:cs typeface="Consolas" panose="020B0609020204030204" pitchFamily="49" charset="0"/>
               </a:rPr>
-              <a:t>2</a:t>
-            </a:r>
-            <a:r>
-              <a:rPr lang="en-US" altLang="ko-KR" spc="-150" dirty="0" smtClean="0">
-                <a:latin typeface="Consolas" panose="020B0609020204030204" pitchFamily="49" charset="0"/>
-                <a:cs typeface="Consolas" panose="020B0609020204030204" pitchFamily="49" charset="0"/>
-              </a:rPr>
-              <a:t>")</a:t>
-            </a:r>
-            <a:endParaRPr lang="en-US" altLang="ko-KR" spc="-150" dirty="0" smtClean="0">
-              <a:latin typeface="Consolas" panose="020B0609020204030204" pitchFamily="49" charset="0"/>
-              <a:cs typeface="Consolas" panose="020B0609020204030204" pitchFamily="49" charset="0"/>
-            </a:endParaRPr>
+              <a:t>2")</a:t>
+            </a:r>
           </a:p>
           <a:p>
             <a:endParaRPr lang="en-US" altLang="ko-KR" dirty="0"/>
@@ -7623,14 +7171,7 @@
                 <a:latin typeface="Consolas" panose="020B0609020204030204" pitchFamily="49" charset="0"/>
                 <a:cs typeface="Consolas" panose="020B0609020204030204" pitchFamily="49" charset="0"/>
               </a:rPr>
-              <a:t> </a:t>
-            </a:r>
-            <a:r>
-              <a:rPr lang="en-US" altLang="ko-KR" spc="-150" dirty="0" smtClean="0">
-                <a:latin typeface="Consolas" panose="020B0609020204030204" pitchFamily="49" charset="0"/>
-                <a:cs typeface="Consolas" panose="020B0609020204030204" pitchFamily="49" charset="0"/>
-              </a:rPr>
-              <a:t>&lt;= x:</a:t>
+              <a:t> &lt;= x:</a:t>
             </a:r>
             <a:br>
               <a:rPr lang="en-US" altLang="ko-KR" spc="-150" dirty="0" smtClean="0">
@@ -7700,10 +7241,6 @@
               </a:rPr>
               <a:t>)</a:t>
             </a:r>
-            <a:endParaRPr lang="en-US" altLang="ko-KR" spc="-150" dirty="0" smtClean="0">
-              <a:latin typeface="Consolas" panose="020B0609020204030204" pitchFamily="49" charset="0"/>
-              <a:cs typeface="Consolas" panose="020B0609020204030204" pitchFamily="49" charset="0"/>
-            </a:endParaRPr>
           </a:p>
           <a:p>
             <a:endParaRPr lang="en-US" altLang="ko-KR" dirty="0"/>
@@ -8095,13 +7632,6 @@
                 <a:cs typeface="Consolas" panose="020B0609020204030204" pitchFamily="49" charset="0"/>
               </a:rPr>
               <a:t>)</a:t>
-            </a:r>
-            <a:r>
-              <a:rPr lang="en-US" altLang="ko-KR" spc="-150" dirty="0" smtClean="0">
-                <a:latin typeface="Consolas" panose="020B0609020204030204" pitchFamily="49" charset="0"/>
-                <a:cs typeface="Consolas" panose="020B0609020204030204" pitchFamily="49" charset="0"/>
-              </a:rPr>
-              <a:t/>
             </a:r>
             <a:br>
               <a:rPr lang="en-US" altLang="ko-KR" spc="-150" dirty="0" smtClean="0">
@@ -8296,21 +7826,7 @@
                 <a:latin typeface="Consolas" panose="020B0609020204030204" pitchFamily="49" charset="0"/>
                 <a:cs typeface="Consolas" panose="020B0609020204030204" pitchFamily="49" charset="0"/>
               </a:rPr>
-              <a:t>		</a:t>
-            </a:r>
-            <a:r>
-              <a:rPr lang="en-US" altLang="ko-KR" spc="-150" dirty="0" smtClean="0">
-                <a:latin typeface="Consolas" panose="020B0609020204030204" pitchFamily="49" charset="0"/>
-                <a:cs typeface="Consolas" panose="020B0609020204030204" pitchFamily="49" charset="0"/>
-              </a:rPr>
-              <a:t>print(divisor)</a:t>
-            </a:r>
-            <a:r>
-              <a:rPr lang="en-US" altLang="ko-KR" spc="-150" dirty="0" smtClean="0">
-                <a:latin typeface="Consolas" panose="020B0609020204030204" pitchFamily="49" charset="0"/>
-                <a:cs typeface="Consolas" panose="020B0609020204030204" pitchFamily="49" charset="0"/>
-              </a:rPr>
-              <a:t/>
+              <a:t>		print(divisor)</a:t>
             </a:r>
             <a:br>
               <a:rPr lang="en-US" altLang="ko-KR" spc="-150" dirty="0" smtClean="0">
@@ -8761,19 +8277,8 @@
                 <a:latin typeface="Consolas" panose="020B0609020204030204" pitchFamily="49" charset="0"/>
                 <a:cs typeface="Consolas" panose="020B0609020204030204" pitchFamily="49" charset="0"/>
               </a:rPr>
-              <a:t>	</a:t>
-            </a:r>
-            <a:r>
-              <a:rPr lang="en-US" altLang="ko-KR" spc="-150" dirty="0" smtClean="0">
-                <a:latin typeface="Consolas" panose="020B0609020204030204" pitchFamily="49" charset="0"/>
-                <a:cs typeface="Consolas" panose="020B0609020204030204" pitchFamily="49" charset="0"/>
-              </a:rPr>
-              <a:t>print(x)</a:t>
-            </a:r>
-            <a:endParaRPr lang="en-US" altLang="ko-KR" spc="-150" dirty="0" smtClean="0">
-              <a:latin typeface="Consolas" panose="020B0609020204030204" pitchFamily="49" charset="0"/>
-              <a:cs typeface="Consolas" panose="020B0609020204030204" pitchFamily="49" charset="0"/>
-            </a:endParaRPr>
+              <a:t>	print(x)</a:t>
+            </a:r>
           </a:p>
           <a:p>
             <a:endParaRPr lang="en-US" altLang="ko-KR" spc="-150" dirty="0">
@@ -8983,7 +8488,7 @@
         <p:spPr/>
         <p:txBody>
           <a:bodyPr>
-            <a:normAutofit fontScale="92500" lnSpcReduction="20000"/>
+            <a:normAutofit fontScale="92500" lnSpcReduction="10000"/>
           </a:bodyPr>
           <a:lstStyle/>
           <a:p>
@@ -9005,19 +8510,8 @@
                 <a:latin typeface="Consolas" panose="020B0609020204030204" pitchFamily="49" charset="0"/>
                 <a:cs typeface="Consolas" panose="020B0609020204030204" pitchFamily="49" charset="0"/>
               </a:rPr>
-              <a:t>	</a:t>
-            </a:r>
-            <a:r>
-              <a:rPr lang="en-US" altLang="ko-KR" spc="-150" dirty="0" smtClean="0">
-                <a:latin typeface="Consolas" panose="020B0609020204030204" pitchFamily="49" charset="0"/>
-                <a:cs typeface="Consolas" panose="020B0609020204030204" pitchFamily="49" charset="0"/>
-              </a:rPr>
-              <a:t>print(character)</a:t>
-            </a:r>
-            <a:endParaRPr lang="en-US" altLang="ko-KR" spc="-150" dirty="0" smtClean="0">
-              <a:latin typeface="Consolas" panose="020B0609020204030204" pitchFamily="49" charset="0"/>
-              <a:cs typeface="Consolas" panose="020B0609020204030204" pitchFamily="49" charset="0"/>
-            </a:endParaRPr>
+              <a:t>	print(character)</a:t>
+            </a:r>
           </a:p>
           <a:p>
             <a:endParaRPr lang="en-US" altLang="ko-KR" spc="-150" dirty="0">
@@ -9044,19 +8538,8 @@
                 <a:latin typeface="Consolas" panose="020B0609020204030204" pitchFamily="49" charset="0"/>
                 <a:cs typeface="Consolas" panose="020B0609020204030204" pitchFamily="49" charset="0"/>
               </a:rPr>
-              <a:t>	</a:t>
-            </a:r>
-            <a:r>
-              <a:rPr lang="en-US" altLang="ko-KR" spc="-150" dirty="0" smtClean="0">
-                <a:latin typeface="Consolas" panose="020B0609020204030204" pitchFamily="49" charset="0"/>
-                <a:cs typeface="Consolas" panose="020B0609020204030204" pitchFamily="49" charset="0"/>
-              </a:rPr>
-              <a:t>print(j)</a:t>
-            </a:r>
-            <a:endParaRPr lang="en-US" altLang="ko-KR" spc="-150" dirty="0" smtClean="0">
-              <a:latin typeface="Consolas" panose="020B0609020204030204" pitchFamily="49" charset="0"/>
-              <a:cs typeface="Consolas" panose="020B0609020204030204" pitchFamily="49" charset="0"/>
-            </a:endParaRPr>
+              <a:t>	print(j)</a:t>
+            </a:r>
           </a:p>
           <a:p>
             <a:endParaRPr lang="en-US" altLang="ko-KR" spc="-150" dirty="0">
@@ -9089,18 +8572,37 @@
             </a:r>
             <a:r>
               <a:rPr lang="ko-KR" altLang="en-US" dirty="0" smtClean="0"/>
-              <a:t>미만의 숫자 리스트</a:t>
-            </a:r>
-            <a:endParaRPr lang="en-US" altLang="ko-KR" dirty="0" smtClean="0"/>
-          </a:p>
-          <a:p>
-            <a:pPr lvl="1"/>
-            <a:r>
-              <a:rPr lang="en-US" altLang="ko-KR" spc="-150" dirty="0" smtClean="0">
-                <a:latin typeface="Consolas" panose="020B0609020204030204" pitchFamily="49" charset="0"/>
-                <a:cs typeface="Consolas" panose="020B0609020204030204" pitchFamily="49" charset="0"/>
-              </a:rPr>
-              <a:t>[0,1,2,3,4]</a:t>
+              <a:t>미만의 </a:t>
+            </a:r>
+            <a:r>
+              <a:rPr lang="ko-KR" altLang="en-US" dirty="0" smtClean="0"/>
+              <a:t>숫자</a:t>
+            </a:r>
+            <a:r>
+              <a:rPr lang="ko-KR" altLang="en-US" dirty="0" smtClean="0"/>
+              <a:t>를 나타낸다</a:t>
+            </a:r>
+            <a:r>
+              <a:rPr lang="en-US" altLang="ko-KR" dirty="0" smtClean="0"/>
+              <a:t>. </a:t>
+            </a:r>
+            <a:r>
+              <a:rPr lang="en-US" altLang="ko-KR" smtClean="0"/>
+              <a:t>: </a:t>
+            </a:r>
+            <a:r>
+              <a:rPr lang="en-US" altLang="ko-KR" spc="-150" smtClean="0">
+                <a:latin typeface="Consolas" panose="020B0609020204030204" pitchFamily="49" charset="0"/>
+                <a:cs typeface="Consolas" panose="020B0609020204030204" pitchFamily="49" charset="0"/>
+              </a:rPr>
+              <a:t>[0,1,2,3,4</a:t>
+            </a:r>
+            <a:r>
+              <a:rPr lang="en-US" altLang="ko-KR" spc="-150" dirty="0" smtClean="0">
+                <a:latin typeface="Consolas" panose="020B0609020204030204" pitchFamily="49" charset="0"/>
+                <a:cs typeface="Consolas" panose="020B0609020204030204" pitchFamily="49" charset="0"/>
+              </a:rPr>
+              <a:t>]</a:t>
             </a:r>
           </a:p>
           <a:p>
@@ -9790,13 +9292,7 @@
               <a:rPr lang="en-US" altLang="ko-KR" spc="-150" dirty="0" smtClean="0">
                 <a:latin typeface="Consolas" panose="020B0609020204030204" pitchFamily="49" charset="0"/>
               </a:rPr>
-              <a:t>			</a:t>
-            </a:r>
-            <a:r>
-              <a:rPr lang="en-US" altLang="ko-KR" spc="-150" dirty="0" smtClean="0">
-                <a:latin typeface="Consolas" panose="020B0609020204030204" pitchFamily="49" charset="0"/>
-              </a:rPr>
-              <a:t>print('%</a:t>
+              <a:t>			print('%</a:t>
             </a:r>
             <a:r>
               <a:rPr lang="en-US" altLang="ko-KR" spc="-150" dirty="0">
@@ -9816,6 +9312,34 @@
               </a:rPr>
               <a:t>))</a:t>
             </a:r>
+            <a:br>
+              <a:rPr lang="en-US" altLang="ko-KR" spc="-150" dirty="0" smtClean="0">
+                <a:latin typeface="Consolas" panose="020B0609020204030204" pitchFamily="49" charset="0"/>
+              </a:rPr>
+            </a:br>
+            <a:r>
+              <a:rPr lang="en-US" altLang="ko-KR" spc="-150" dirty="0" smtClean="0">
+                <a:latin typeface="Consolas" panose="020B0609020204030204" pitchFamily="49" charset="0"/>
+              </a:rPr>
+              <a:t>			break</a:t>
+            </a:r>
+            <a:br>
+              <a:rPr lang="en-US" altLang="ko-KR" spc="-150" dirty="0" smtClean="0">
+                <a:latin typeface="Consolas" panose="020B0609020204030204" pitchFamily="49" charset="0"/>
+              </a:rPr>
+            </a:br>
+            <a:r>
+              <a:rPr lang="en-US" altLang="ko-KR" spc="-150" dirty="0" smtClean="0">
+                <a:latin typeface="Consolas" panose="020B0609020204030204" pitchFamily="49" charset="0"/>
+              </a:rPr>
+              <a:t>		else</a:t>
+            </a:r>
+            <a:r>
+              <a:rPr lang="en-US" altLang="ko-KR" spc="-150" dirty="0">
+                <a:latin typeface="Consolas" panose="020B0609020204030204" pitchFamily="49" charset="0"/>
+              </a:rPr>
+              <a:t>: </a:t>
+            </a:r>
             <a:r>
               <a:rPr lang="en-US" altLang="ko-KR" spc="-150" dirty="0" smtClean="0">
                 <a:latin typeface="Consolas" panose="020B0609020204030204" pitchFamily="49" charset="0"/>
@@ -9831,71 +9355,25 @@
               <a:rPr lang="en-US" altLang="ko-KR" spc="-150" dirty="0" smtClean="0">
                 <a:latin typeface="Consolas" panose="020B0609020204030204" pitchFamily="49" charset="0"/>
               </a:rPr>
-              <a:t>			break</a:t>
-            </a:r>
-            <a:br>
-              <a:rPr lang="en-US" altLang="ko-KR" spc="-150" dirty="0" smtClean="0">
-                <a:latin typeface="Consolas" panose="020B0609020204030204" pitchFamily="49" charset="0"/>
-              </a:rPr>
-            </a:br>
-            <a:r>
-              <a:rPr lang="en-US" altLang="ko-KR" spc="-150" dirty="0" smtClean="0">
-                <a:latin typeface="Consolas" panose="020B0609020204030204" pitchFamily="49" charset="0"/>
-              </a:rPr>
-              <a:t>		else</a:t>
+              <a:t>			print(</a:t>
+            </a:r>
+            <a:r>
+              <a:rPr lang="en-US" altLang="ko-KR" spc="-150" dirty="0" err="1" smtClean="0">
+                <a:latin typeface="Consolas" panose="020B0609020204030204" pitchFamily="49" charset="0"/>
+              </a:rPr>
+              <a:t>num</a:t>
             </a:r>
             <a:r>
               <a:rPr lang="en-US" altLang="ko-KR" spc="-150" dirty="0">
                 <a:latin typeface="Consolas" panose="020B0609020204030204" pitchFamily="49" charset="0"/>
               </a:rPr>
-              <a:t>: </a:t>
-            </a:r>
-            <a:r>
-              <a:rPr lang="en-US" altLang="ko-KR" spc="-150" dirty="0" smtClean="0">
-                <a:latin typeface="Consolas" panose="020B0609020204030204" pitchFamily="49" charset="0"/>
-              </a:rPr>
-              <a:t/>
-            </a:r>
-            <a:br>
-              <a:rPr lang="en-US" altLang="ko-KR" spc="-150" dirty="0" smtClean="0">
-                <a:latin typeface="Consolas" panose="020B0609020204030204" pitchFamily="49" charset="0"/>
-              </a:rPr>
-            </a:br>
-            <a:r>
-              <a:rPr lang="en-US" altLang="ko-KR" spc="-150" dirty="0" smtClean="0">
-                <a:latin typeface="Consolas" panose="020B0609020204030204" pitchFamily="49" charset="0"/>
-              </a:rPr>
-              <a:t>			</a:t>
-            </a:r>
-            <a:r>
-              <a:rPr lang="en-US" altLang="ko-KR" spc="-150" dirty="0" smtClean="0">
-                <a:latin typeface="Consolas" panose="020B0609020204030204" pitchFamily="49" charset="0"/>
-              </a:rPr>
-              <a:t>print(</a:t>
-            </a:r>
-            <a:r>
-              <a:rPr lang="en-US" altLang="ko-KR" spc="-150" dirty="0" err="1" smtClean="0">
-                <a:latin typeface="Consolas" panose="020B0609020204030204" pitchFamily="49" charset="0"/>
-              </a:rPr>
-              <a:t>num</a:t>
-            </a:r>
-            <a:r>
-              <a:rPr lang="en-US" altLang="ko-KR" spc="-150" dirty="0">
-                <a:latin typeface="Consolas" panose="020B0609020204030204" pitchFamily="49" charset="0"/>
-              </a:rPr>
               <a:t> </a:t>
             </a:r>
             <a:r>
               <a:rPr lang="en-US" altLang="ko-KR" spc="-150" dirty="0" smtClean="0">
                 <a:latin typeface="Consolas" panose="020B0609020204030204" pitchFamily="49" charset="0"/>
               </a:rPr>
-              <a:t>+</a:t>
-            </a:r>
-            <a:r>
-              <a:rPr lang="en-US" altLang="ko-KR" spc="-150" dirty="0" smtClean="0">
-                <a:latin typeface="Consolas" panose="020B0609020204030204" pitchFamily="49" charset="0"/>
-              </a:rPr>
-              <a:t> ' is </a:t>
+              <a:t>+ ' is </a:t>
             </a:r>
             <a:r>
               <a:rPr lang="en-US" altLang="ko-KR" spc="-150" dirty="0">
@@ -10442,28 +9920,7 @@
                 <a:latin typeface="Consolas" panose="020B0609020204030204" pitchFamily="49" charset="0"/>
                 <a:cs typeface="Consolas" panose="020B0609020204030204" pitchFamily="49" charset="0"/>
               </a:rPr>
-              <a:t> &gt;= 20: </a:t>
-            </a:r>
-            <a:r>
-              <a:rPr lang="en-US" altLang="ko-KR" spc="-150" dirty="0" smtClean="0">
-                <a:latin typeface="Consolas" panose="020B0609020204030204" pitchFamily="49" charset="0"/>
-                <a:cs typeface="Consolas" panose="020B0609020204030204" pitchFamily="49" charset="0"/>
-              </a:rPr>
-              <a:t>print("get </a:t>
-            </a:r>
-            <a:r>
-              <a:rPr lang="en-US" altLang="ko-KR" spc="-150" dirty="0" smtClean="0">
-                <a:latin typeface="Consolas" panose="020B0609020204030204" pitchFamily="49" charset="0"/>
-                <a:cs typeface="Consolas" panose="020B0609020204030204" pitchFamily="49" charset="0"/>
-              </a:rPr>
-              <a:t>drunk</a:t>
-            </a:r>
-            <a:r>
-              <a:rPr lang="en-US" altLang="ko-KR" spc="-150" dirty="0" smtClean="0">
-                <a:latin typeface="Consolas" panose="020B0609020204030204" pitchFamily="49" charset="0"/>
-                <a:cs typeface="Consolas" panose="020B0609020204030204" pitchFamily="49" charset="0"/>
-              </a:rPr>
-              <a:t>")</a:t>
+              <a:t> &gt;= 20: print("get drunk")</a:t>
             </a:r>
             <a:r>
               <a:rPr lang="en-US" altLang="ko-KR" spc="-150" dirty="0">
@@ -10483,33 +9940,8 @@
                 <a:latin typeface="Consolas" panose="020B0609020204030204" pitchFamily="49" charset="0"/>
                 <a:cs typeface="Consolas" panose="020B0609020204030204" pitchFamily="49" charset="0"/>
               </a:rPr>
-              <a:t>else: </a:t>
-            </a:r>
-            <a:r>
-              <a:rPr lang="en-US" altLang="ko-KR" spc="-150" dirty="0" smtClean="0">
-                <a:latin typeface="Consolas" panose="020B0609020204030204" pitchFamily="49" charset="0"/>
-                <a:cs typeface="Consolas" panose="020B0609020204030204" pitchFamily="49" charset="0"/>
-              </a:rPr>
-              <a:t>print("not </a:t>
-            </a:r>
-            <a:r>
-              <a:rPr lang="en-US" altLang="ko-KR" spc="-150" dirty="0" smtClean="0">
-                <a:latin typeface="Consolas" panose="020B0609020204030204" pitchFamily="49" charset="0"/>
-                <a:cs typeface="Consolas" panose="020B0609020204030204" pitchFamily="49" charset="0"/>
-              </a:rPr>
-              <a:t>this time</a:t>
-            </a:r>
-            <a:r>
-              <a:rPr lang="en-US" altLang="ko-KR" spc="-150" dirty="0" smtClean="0">
-                <a:latin typeface="Consolas" panose="020B0609020204030204" pitchFamily="49" charset="0"/>
-                <a:cs typeface="Consolas" panose="020B0609020204030204" pitchFamily="49" charset="0"/>
-              </a:rPr>
-              <a:t>")</a:t>
-            </a:r>
-            <a:endParaRPr lang="en-US" altLang="ko-KR" spc="-150" dirty="0" smtClean="0">
-              <a:latin typeface="Consolas" panose="020B0609020204030204" pitchFamily="49" charset="0"/>
-              <a:cs typeface="Consolas" panose="020B0609020204030204" pitchFamily="49" charset="0"/>
-            </a:endParaRPr>
+              <a:t>else: print("not this time")</a:t>
+            </a:r>
           </a:p>
         </p:txBody>
       </p:sp>
@@ -10688,74 +10120,21 @@
                 <a:latin typeface="Consolas" panose="020B0609020204030204" pitchFamily="49" charset="0"/>
                 <a:cs typeface="Consolas" panose="020B0609020204030204" pitchFamily="49" charset="0"/>
               </a:rPr>
-              <a:t>	</a:t>
-            </a:r>
-            <a:r>
-              <a:rPr lang="en-US" altLang="ko-KR" spc="-150" dirty="0" smtClean="0">
-                <a:latin typeface="Consolas" panose="020B0609020204030204" pitchFamily="49" charset="0"/>
-                <a:cs typeface="Consolas" panose="020B0609020204030204" pitchFamily="49" charset="0"/>
-              </a:rPr>
-              <a:t>print("take </a:t>
-            </a:r>
-            <a:r>
-              <a:rPr lang="en-US" altLang="ko-KR" spc="-150" dirty="0" smtClean="0">
-                <a:latin typeface="Consolas" panose="020B0609020204030204" pitchFamily="49" charset="0"/>
-                <a:cs typeface="Consolas" panose="020B0609020204030204" pitchFamily="49" charset="0"/>
-              </a:rPr>
-              <a:t>a shower</a:t>
-            </a:r>
-            <a:r>
-              <a:rPr lang="en-US" altLang="ko-KR" spc="-150" dirty="0" smtClean="0">
-                <a:latin typeface="Consolas" panose="020B0609020204030204" pitchFamily="49" charset="0"/>
-                <a:cs typeface="Consolas" panose="020B0609020204030204" pitchFamily="49" charset="0"/>
-              </a:rPr>
-              <a:t>")</a:t>
-            </a:r>
-            <a:r>
-              <a:rPr lang="en-US" altLang="ko-KR" spc="-150" dirty="0" smtClean="0">
-                <a:latin typeface="Consolas" panose="020B0609020204030204" pitchFamily="49" charset="0"/>
-                <a:cs typeface="Consolas" panose="020B0609020204030204" pitchFamily="49" charset="0"/>
-              </a:rPr>
-              <a:t/>
-            </a:r>
-            <a:br>
-              <a:rPr lang="en-US" altLang="ko-KR" spc="-150" dirty="0" smtClean="0">
-                <a:latin typeface="Consolas" panose="020B0609020204030204" pitchFamily="49" charset="0"/>
-                <a:cs typeface="Consolas" panose="020B0609020204030204" pitchFamily="49" charset="0"/>
-              </a:rPr>
-            </a:br>
-            <a:r>
-              <a:rPr lang="en-US" altLang="ko-KR" spc="-150" dirty="0" smtClean="0">
-                <a:latin typeface="Consolas" panose="020B0609020204030204" pitchFamily="49" charset="0"/>
-                <a:cs typeface="Consolas" panose="020B0609020204030204" pitchFamily="49" charset="0"/>
-              </a:rPr>
-              <a:t>	</a:t>
-            </a:r>
-            <a:r>
-              <a:rPr lang="en-US" altLang="ko-KR" spc="-150" dirty="0" smtClean="0">
-                <a:latin typeface="Consolas" panose="020B0609020204030204" pitchFamily="49" charset="0"/>
-                <a:cs typeface="Consolas" panose="020B0609020204030204" pitchFamily="49" charset="0"/>
-              </a:rPr>
-              <a:t>print("do </a:t>
-            </a:r>
-            <a:r>
-              <a:rPr lang="en-US" altLang="ko-KR" spc="-150" dirty="0" smtClean="0">
-                <a:latin typeface="Consolas" panose="020B0609020204030204" pitchFamily="49" charset="0"/>
-                <a:cs typeface="Consolas" panose="020B0609020204030204" pitchFamily="49" charset="0"/>
-              </a:rPr>
-              <a:t>a laundry</a:t>
-            </a:r>
-            <a:r>
-              <a:rPr lang="en-US" altLang="ko-KR" spc="-150" dirty="0" smtClean="0">
-                <a:latin typeface="Consolas" panose="020B0609020204030204" pitchFamily="49" charset="0"/>
-                <a:cs typeface="Consolas" panose="020B0609020204030204" pitchFamily="49" charset="0"/>
-              </a:rPr>
-              <a:t>")</a:t>
-            </a:r>
-            <a:endParaRPr lang="en-US" altLang="ko-KR" spc="-150" dirty="0" smtClean="0">
-              <a:latin typeface="Consolas" panose="020B0609020204030204" pitchFamily="49" charset="0"/>
-              <a:cs typeface="Consolas" panose="020B0609020204030204" pitchFamily="49" charset="0"/>
-            </a:endParaRPr>
+              <a:t>	print("take a shower")</a:t>
+            </a:r>
+            <a:br>
+              <a:rPr lang="en-US" altLang="ko-KR" spc="-150" dirty="0" smtClean="0">
+                <a:latin typeface="Consolas" panose="020B0609020204030204" pitchFamily="49" charset="0"/>
+                <a:cs typeface="Consolas" panose="020B0609020204030204" pitchFamily="49" charset="0"/>
+              </a:rPr>
+            </a:br>
+            <a:r>
+              <a:rPr lang="en-US" altLang="ko-KR" spc="-150" dirty="0" smtClean="0">
+                <a:latin typeface="Consolas" panose="020B0609020204030204" pitchFamily="49" charset="0"/>
+                <a:cs typeface="Consolas" panose="020B0609020204030204" pitchFamily="49" charset="0"/>
+              </a:rPr>
+              <a:t>	print("do a laundry")</a:t>
+            </a:r>
           </a:p>
           <a:p>
             <a:endParaRPr lang="en-US" altLang="ko-KR" dirty="0"/>
@@ -10813,74 +10192,21 @@
                 <a:latin typeface="Consolas" panose="020B0609020204030204" pitchFamily="49" charset="0"/>
                 <a:cs typeface="Consolas" panose="020B0609020204030204" pitchFamily="49" charset="0"/>
               </a:rPr>
-              <a:t>	</a:t>
-            </a:r>
-            <a:r>
-              <a:rPr lang="en-US" altLang="ko-KR" spc="-150" dirty="0" smtClean="0">
-                <a:latin typeface="Consolas" panose="020B0609020204030204" pitchFamily="49" charset="0"/>
-                <a:cs typeface="Consolas" panose="020B0609020204030204" pitchFamily="49" charset="0"/>
-              </a:rPr>
-              <a:t>print("take </a:t>
-            </a:r>
-            <a:r>
-              <a:rPr lang="en-US" altLang="ko-KR" spc="-150" dirty="0" smtClean="0">
-                <a:latin typeface="Consolas" panose="020B0609020204030204" pitchFamily="49" charset="0"/>
-                <a:cs typeface="Consolas" panose="020B0609020204030204" pitchFamily="49" charset="0"/>
-              </a:rPr>
-              <a:t>a shower</a:t>
-            </a:r>
-            <a:r>
-              <a:rPr lang="en-US" altLang="ko-KR" spc="-150" dirty="0" smtClean="0">
-                <a:latin typeface="Consolas" panose="020B0609020204030204" pitchFamily="49" charset="0"/>
-                <a:cs typeface="Consolas" panose="020B0609020204030204" pitchFamily="49" charset="0"/>
-              </a:rPr>
-              <a:t>")</a:t>
-            </a:r>
-            <a:r>
-              <a:rPr lang="en-US" altLang="ko-KR" spc="-150" dirty="0" smtClean="0">
-                <a:latin typeface="Consolas" panose="020B0609020204030204" pitchFamily="49" charset="0"/>
-                <a:cs typeface="Consolas" panose="020B0609020204030204" pitchFamily="49" charset="0"/>
-              </a:rPr>
-              <a:t/>
-            </a:r>
-            <a:br>
-              <a:rPr lang="en-US" altLang="ko-KR" spc="-150" dirty="0" smtClean="0">
-                <a:latin typeface="Consolas" panose="020B0609020204030204" pitchFamily="49" charset="0"/>
-                <a:cs typeface="Consolas" panose="020B0609020204030204" pitchFamily="49" charset="0"/>
-              </a:rPr>
-            </a:br>
-            <a:r>
-              <a:rPr lang="en-US" altLang="ko-KR" spc="-150" dirty="0" smtClean="0">
-                <a:latin typeface="Consolas" panose="020B0609020204030204" pitchFamily="49" charset="0"/>
-                <a:cs typeface="Consolas" panose="020B0609020204030204" pitchFamily="49" charset="0"/>
-              </a:rPr>
-              <a:t>	</a:t>
-            </a:r>
-            <a:r>
-              <a:rPr lang="en-US" altLang="ko-KR" spc="-150" dirty="0" smtClean="0">
-                <a:latin typeface="Consolas" panose="020B0609020204030204" pitchFamily="49" charset="0"/>
-                <a:cs typeface="Consolas" panose="020B0609020204030204" pitchFamily="49" charset="0"/>
-              </a:rPr>
-              <a:t>print("do </a:t>
-            </a:r>
-            <a:r>
-              <a:rPr lang="en-US" altLang="ko-KR" spc="-150" dirty="0" smtClean="0">
-                <a:latin typeface="Consolas" panose="020B0609020204030204" pitchFamily="49" charset="0"/>
-                <a:cs typeface="Consolas" panose="020B0609020204030204" pitchFamily="49" charset="0"/>
-              </a:rPr>
-              <a:t>a laundry</a:t>
-            </a:r>
-            <a:r>
-              <a:rPr lang="en-US" altLang="ko-KR" spc="-150" dirty="0" smtClean="0">
-                <a:latin typeface="Consolas" panose="020B0609020204030204" pitchFamily="49" charset="0"/>
-                <a:cs typeface="Consolas" panose="020B0609020204030204" pitchFamily="49" charset="0"/>
-              </a:rPr>
-              <a:t>")</a:t>
-            </a:r>
-            <a:endParaRPr lang="en-US" altLang="ko-KR" spc="-150" dirty="0" smtClean="0">
-              <a:latin typeface="Consolas" panose="020B0609020204030204" pitchFamily="49" charset="0"/>
-              <a:cs typeface="Consolas" panose="020B0609020204030204" pitchFamily="49" charset="0"/>
-            </a:endParaRPr>
+              <a:t>	print("take a shower")</a:t>
+            </a:r>
+            <a:br>
+              <a:rPr lang="en-US" altLang="ko-KR" spc="-150" dirty="0" smtClean="0">
+                <a:latin typeface="Consolas" panose="020B0609020204030204" pitchFamily="49" charset="0"/>
+                <a:cs typeface="Consolas" panose="020B0609020204030204" pitchFamily="49" charset="0"/>
+              </a:rPr>
+            </a:br>
+            <a:r>
+              <a:rPr lang="en-US" altLang="ko-KR" spc="-150" dirty="0" smtClean="0">
+                <a:latin typeface="Consolas" panose="020B0609020204030204" pitchFamily="49" charset="0"/>
+                <a:cs typeface="Consolas" panose="020B0609020204030204" pitchFamily="49" charset="0"/>
+              </a:rPr>
+              <a:t>	print("do a laundry")</a:t>
+            </a:r>
           </a:p>
           <a:p>
             <a:endParaRPr lang="en-US" altLang="ko-KR" dirty="0" smtClean="0"/>
@@ -11036,67 +10362,21 @@
                 <a:latin typeface="Consolas" panose="020B0609020204030204" pitchFamily="49" charset="0"/>
                 <a:cs typeface="Consolas" panose="020B0609020204030204" pitchFamily="49" charset="0"/>
               </a:rPr>
-              <a:t>	</a:t>
-            </a:r>
-            <a:r>
-              <a:rPr lang="en-US" altLang="ko-KR" spc="-150" dirty="0" smtClean="0">
-                <a:latin typeface="Consolas" panose="020B0609020204030204" pitchFamily="49" charset="0"/>
-                <a:cs typeface="Consolas" panose="020B0609020204030204" pitchFamily="49" charset="0"/>
-              </a:rPr>
-              <a:t>print("take </a:t>
-            </a:r>
-            <a:r>
-              <a:rPr lang="en-US" altLang="ko-KR" spc="-150" dirty="0" smtClean="0">
-                <a:latin typeface="Consolas" panose="020B0609020204030204" pitchFamily="49" charset="0"/>
-                <a:cs typeface="Consolas" panose="020B0609020204030204" pitchFamily="49" charset="0"/>
-              </a:rPr>
-              <a:t>a shower</a:t>
-            </a:r>
-            <a:r>
-              <a:rPr lang="en-US" altLang="ko-KR" spc="-150" dirty="0" smtClean="0">
-                <a:latin typeface="Consolas" panose="020B0609020204030204" pitchFamily="49" charset="0"/>
-                <a:cs typeface="Consolas" panose="020B0609020204030204" pitchFamily="49" charset="0"/>
-              </a:rPr>
-              <a:t>")</a:t>
-            </a:r>
-            <a:r>
-              <a:rPr lang="en-US" altLang="ko-KR" spc="-150" dirty="0" smtClean="0">
-                <a:latin typeface="Consolas" panose="020B0609020204030204" pitchFamily="49" charset="0"/>
-                <a:cs typeface="Consolas" panose="020B0609020204030204" pitchFamily="49" charset="0"/>
-              </a:rPr>
-              <a:t/>
-            </a:r>
-            <a:br>
-              <a:rPr lang="en-US" altLang="ko-KR" spc="-150" dirty="0" smtClean="0">
-                <a:latin typeface="Consolas" panose="020B0609020204030204" pitchFamily="49" charset="0"/>
-                <a:cs typeface="Consolas" panose="020B0609020204030204" pitchFamily="49" charset="0"/>
-              </a:rPr>
-            </a:br>
-            <a:r>
-              <a:rPr lang="en-US" altLang="ko-KR" spc="-150" dirty="0" smtClean="0">
-                <a:latin typeface="Consolas" panose="020B0609020204030204" pitchFamily="49" charset="0"/>
-                <a:cs typeface="Consolas" panose="020B0609020204030204" pitchFamily="49" charset="0"/>
-              </a:rPr>
-              <a:t>print("do </a:t>
-            </a:r>
-            <a:r>
-              <a:rPr lang="en-US" altLang="ko-KR" spc="-150" dirty="0" smtClean="0">
-                <a:latin typeface="Consolas" panose="020B0609020204030204" pitchFamily="49" charset="0"/>
-                <a:cs typeface="Consolas" panose="020B0609020204030204" pitchFamily="49" charset="0"/>
-              </a:rPr>
-              <a:t>a laundry</a:t>
-            </a:r>
-            <a:r>
-              <a:rPr lang="en-US" altLang="ko-KR" spc="-150" dirty="0" smtClean="0">
-                <a:latin typeface="Consolas" panose="020B0609020204030204" pitchFamily="49" charset="0"/>
-                <a:cs typeface="Consolas" panose="020B0609020204030204" pitchFamily="49" charset="0"/>
-              </a:rPr>
-              <a:t>")</a:t>
-            </a:r>
-            <a:endParaRPr lang="en-US" altLang="ko-KR" spc="-150" dirty="0" smtClean="0">
-              <a:latin typeface="Consolas" panose="020B0609020204030204" pitchFamily="49" charset="0"/>
-              <a:cs typeface="Consolas" panose="020B0609020204030204" pitchFamily="49" charset="0"/>
-            </a:endParaRPr>
+              <a:t>	print("take a shower")</a:t>
+            </a:r>
+            <a:br>
+              <a:rPr lang="en-US" altLang="ko-KR" spc="-150" dirty="0" smtClean="0">
+                <a:latin typeface="Consolas" panose="020B0609020204030204" pitchFamily="49" charset="0"/>
+                <a:cs typeface="Consolas" panose="020B0609020204030204" pitchFamily="49" charset="0"/>
+              </a:rPr>
+            </a:br>
+            <a:r>
+              <a:rPr lang="en-US" altLang="ko-KR" spc="-150" dirty="0" smtClean="0">
+                <a:latin typeface="Consolas" panose="020B0609020204030204" pitchFamily="49" charset="0"/>
+                <a:cs typeface="Consolas" panose="020B0609020204030204" pitchFamily="49" charset="0"/>
+              </a:rPr>
+              <a:t>print("do a laundry")</a:t>
+            </a:r>
           </a:p>
           <a:p>
             <a:endParaRPr lang="ko-KR" altLang="en-US" dirty="0"/>
@@ -11287,7 +10567,7 @@
         <p:spPr/>
         <p:txBody>
           <a:bodyPr>
-            <a:normAutofit fontScale="92500" lnSpcReduction="20000"/>
+            <a:normAutofit/>
           </a:bodyPr>
           <a:lstStyle/>
           <a:p>
@@ -11313,21 +10593,7 @@
                 <a:latin typeface="Consolas" panose="020B0609020204030204" pitchFamily="49" charset="0"/>
                 <a:cs typeface="Consolas" panose="020B0609020204030204" pitchFamily="49" charset="0"/>
               </a:rPr>
-              <a:t>3&lt;4: </a:t>
-            </a:r>
-            <a:r>
-              <a:rPr lang="en-US" altLang="ko-KR" spc="-150" dirty="0" smtClean="0">
-                <a:latin typeface="Consolas" panose="020B0609020204030204" pitchFamily="49" charset="0"/>
-                <a:cs typeface="Consolas" panose="020B0609020204030204" pitchFamily="49" charset="0"/>
-              </a:rPr>
-              <a:t>print("if")</a:t>
-            </a:r>
-            <a:r>
-              <a:rPr lang="en-US" altLang="ko-KR" spc="-150" dirty="0" smtClean="0">
-                <a:latin typeface="Consolas" panose="020B0609020204030204" pitchFamily="49" charset="0"/>
-                <a:cs typeface="Consolas" panose="020B0609020204030204" pitchFamily="49" charset="0"/>
-              </a:rPr>
-              <a:t/>
+              <a:t>3&lt;4: print("if")</a:t>
             </a:r>
             <a:br>
               <a:rPr lang="en-US" altLang="ko-KR" spc="-150" dirty="0" smtClean="0">
@@ -11354,128 +10620,10 @@
                 <a:latin typeface="Consolas" panose="020B0609020204030204" pitchFamily="49" charset="0"/>
                 <a:cs typeface="Consolas" panose="020B0609020204030204" pitchFamily="49" charset="0"/>
               </a:rPr>
-              <a:t> </a:t>
-            </a:r>
-            <a:r>
-              <a:rPr lang="en-US" altLang="ko-KR" spc="-150" dirty="0" smtClean="0">
-                <a:latin typeface="Consolas" panose="020B0609020204030204" pitchFamily="49" charset="0"/>
-                <a:cs typeface="Consolas" panose="020B0609020204030204" pitchFamily="49" charset="0"/>
-              </a:rPr>
-              <a:t>print("else")</a:t>
-            </a:r>
-            <a:endParaRPr lang="en-US" altLang="ko-KR" spc="-150" dirty="0" smtClean="0">
-              <a:latin typeface="Consolas" panose="020B0609020204030204" pitchFamily="49" charset="0"/>
-              <a:cs typeface="Consolas" panose="020B0609020204030204" pitchFamily="49" charset="0"/>
-            </a:endParaRPr>
-          </a:p>
-          <a:p>
-            <a:endParaRPr lang="en-US" altLang="ko-KR" spc="-150" dirty="0">
-              <a:latin typeface="Consolas" panose="020B0609020204030204" pitchFamily="49" charset="0"/>
-              <a:cs typeface="Consolas" panose="020B0609020204030204" pitchFamily="49" charset="0"/>
-            </a:endParaRPr>
-          </a:p>
-          <a:p>
-            <a:r>
-              <a:rPr lang="en-US" altLang="ko-KR" spc="-150" dirty="0" smtClean="0">
-                <a:latin typeface="Consolas" panose="020B0609020204030204" pitchFamily="49" charset="0"/>
-                <a:cs typeface="Consolas" panose="020B0609020204030204" pitchFamily="49" charset="0"/>
-              </a:rPr>
-              <a:t>if "3"&lt;4: </a:t>
-            </a:r>
-            <a:r>
-              <a:rPr lang="en-US" altLang="ko-KR" spc="-150" dirty="0" smtClean="0">
-                <a:latin typeface="Consolas" panose="020B0609020204030204" pitchFamily="49" charset="0"/>
-                <a:cs typeface="Consolas" panose="020B0609020204030204" pitchFamily="49" charset="0"/>
-              </a:rPr>
-              <a:t>print("if")</a:t>
-            </a:r>
-            <a:r>
-              <a:rPr lang="en-US" altLang="ko-KR" spc="-150" dirty="0" smtClean="0">
-                <a:latin typeface="Consolas" panose="020B0609020204030204" pitchFamily="49" charset="0"/>
-                <a:cs typeface="Consolas" panose="020B0609020204030204" pitchFamily="49" charset="0"/>
-              </a:rPr>
-              <a:t/>
-            </a:r>
-            <a:br>
-              <a:rPr lang="en-US" altLang="ko-KR" spc="-150" dirty="0" smtClean="0">
-                <a:latin typeface="Consolas" panose="020B0609020204030204" pitchFamily="49" charset="0"/>
-                <a:cs typeface="Consolas" panose="020B0609020204030204" pitchFamily="49" charset="0"/>
-              </a:rPr>
-            </a:br>
-            <a:r>
-              <a:rPr lang="en-US" altLang="ko-KR" spc="-150" dirty="0">
-                <a:latin typeface="Consolas" panose="020B0609020204030204" pitchFamily="49" charset="0"/>
-                <a:cs typeface="Consolas" panose="020B0609020204030204" pitchFamily="49" charset="0"/>
-              </a:rPr>
-              <a:t>else: </a:t>
-            </a:r>
-            <a:r>
-              <a:rPr lang="en-US" altLang="ko-KR" spc="-150" dirty="0" smtClean="0">
-                <a:latin typeface="Consolas" panose="020B0609020204030204" pitchFamily="49" charset="0"/>
-                <a:cs typeface="Consolas" panose="020B0609020204030204" pitchFamily="49" charset="0"/>
-              </a:rPr>
-              <a:t>print("else")</a:t>
-            </a:r>
-            <a:endParaRPr lang="en-US" altLang="ko-KR" spc="-150" dirty="0" smtClean="0">
-              <a:latin typeface="Consolas" panose="020B0609020204030204" pitchFamily="49" charset="0"/>
-              <a:cs typeface="Consolas" panose="020B0609020204030204" pitchFamily="49" charset="0"/>
-            </a:endParaRPr>
-          </a:p>
-          <a:p>
-            <a:endParaRPr lang="en-US" altLang="ko-KR" spc="-150" dirty="0">
-              <a:latin typeface="Consolas" panose="020B0609020204030204" pitchFamily="49" charset="0"/>
-              <a:cs typeface="Consolas" panose="020B0609020204030204" pitchFamily="49" charset="0"/>
-            </a:endParaRPr>
-          </a:p>
-          <a:p>
-            <a:r>
-              <a:rPr lang="en-US" altLang="ko-KR" spc="-150" dirty="0" smtClean="0">
-                <a:latin typeface="Consolas" panose="020B0609020204030204" pitchFamily="49" charset="0"/>
-                <a:cs typeface="Consolas" panose="020B0609020204030204" pitchFamily="49" charset="0"/>
-              </a:rPr>
-              <a:t>if 3&lt;"4": </a:t>
-            </a:r>
-            <a:r>
-              <a:rPr lang="en-US" altLang="ko-KR" spc="-150" dirty="0" smtClean="0">
-                <a:latin typeface="Consolas" panose="020B0609020204030204" pitchFamily="49" charset="0"/>
-                <a:cs typeface="Consolas" panose="020B0609020204030204" pitchFamily="49" charset="0"/>
-              </a:rPr>
-              <a:t>print("if")</a:t>
-            </a:r>
-            <a:r>
-              <a:rPr lang="en-US" altLang="ko-KR" spc="-150" dirty="0" smtClean="0">
-                <a:latin typeface="Consolas" panose="020B0609020204030204" pitchFamily="49" charset="0"/>
-                <a:cs typeface="Consolas" panose="020B0609020204030204" pitchFamily="49" charset="0"/>
-              </a:rPr>
-              <a:t/>
-            </a:r>
-            <a:br>
-              <a:rPr lang="en-US" altLang="ko-KR" spc="-150" dirty="0" smtClean="0">
-                <a:latin typeface="Consolas" panose="020B0609020204030204" pitchFamily="49" charset="0"/>
-                <a:cs typeface="Consolas" panose="020B0609020204030204" pitchFamily="49" charset="0"/>
-              </a:rPr>
-            </a:br>
-            <a:r>
-              <a:rPr lang="en-US" altLang="ko-KR" spc="-150" dirty="0" smtClean="0">
-                <a:latin typeface="Consolas" panose="020B0609020204030204" pitchFamily="49" charset="0"/>
-                <a:cs typeface="Consolas" panose="020B0609020204030204" pitchFamily="49" charset="0"/>
-              </a:rPr>
-              <a:t>else</a:t>
-            </a:r>
-            <a:r>
-              <a:rPr lang="en-US" altLang="ko-KR" spc="-150" dirty="0">
-                <a:latin typeface="Consolas" panose="020B0609020204030204" pitchFamily="49" charset="0"/>
-                <a:cs typeface="Consolas" panose="020B0609020204030204" pitchFamily="49" charset="0"/>
-              </a:rPr>
-              <a:t>: </a:t>
-            </a:r>
-            <a:r>
-              <a:rPr lang="en-US" altLang="ko-KR" spc="-150" dirty="0" smtClean="0">
-                <a:latin typeface="Consolas" panose="020B0609020204030204" pitchFamily="49" charset="0"/>
-                <a:cs typeface="Consolas" panose="020B0609020204030204" pitchFamily="49" charset="0"/>
-              </a:rPr>
-              <a:t>print("else")</a:t>
-            </a:r>
+              <a:t> print("else")</a:t>
+            </a:r>
+          </a:p>
+          <a:p>
             <a:endParaRPr lang="en-US" altLang="ko-KR" spc="-150" dirty="0">
               <a:latin typeface="Consolas" panose="020B0609020204030204" pitchFamily="49" charset="0"/>
               <a:cs typeface="Consolas" panose="020B0609020204030204" pitchFamily="49" charset="0"/>
@@ -11496,21 +10644,7 @@
                 <a:latin typeface="Consolas" panose="020B0609020204030204" pitchFamily="49" charset="0"/>
                 <a:cs typeface="Consolas" panose="020B0609020204030204" pitchFamily="49" charset="0"/>
               </a:rPr>
-              <a:t>if "3"&lt;"4": </a:t>
-            </a:r>
-            <a:r>
-              <a:rPr lang="en-US" altLang="ko-KR" spc="-150" dirty="0" smtClean="0">
-                <a:latin typeface="Consolas" panose="020B0609020204030204" pitchFamily="49" charset="0"/>
-                <a:cs typeface="Consolas" panose="020B0609020204030204" pitchFamily="49" charset="0"/>
-              </a:rPr>
-              <a:t>print("if")</a:t>
-            </a:r>
-            <a:r>
-              <a:rPr lang="en-US" altLang="ko-KR" spc="-150" dirty="0" smtClean="0">
-                <a:latin typeface="Consolas" panose="020B0609020204030204" pitchFamily="49" charset="0"/>
-                <a:cs typeface="Consolas" panose="020B0609020204030204" pitchFamily="49" charset="0"/>
-              </a:rPr>
-              <a:t/>
+              <a:t>if "3"&lt;"4": print("if")</a:t>
             </a:r>
             <a:br>
               <a:rPr lang="en-US" altLang="ko-KR" spc="-150" dirty="0" smtClean="0">
